--- a/ppt/pythonlearn-04-functions.pptx
+++ b/ppt/pythonlearn-04-functions.pptx
@@ -83,19 +83,14 @@
             <a:noAutofit/>
           </a:bodyPr>
           <a:p>
-            <a:r>
-              <a:rPr b="0" lang="en-US" sz="1400" spc="-1" strike="noStrike">
-                <a:solidFill>
-                  <a:srgbClr val="000000"/>
-                </a:solidFill>
+            <a:pPr algn="ctr"/>
+            <a:r>
+              <a:rPr b="0" lang="en-US" sz="4400" spc="-1" strike="noStrike">
                 <a:latin typeface="Arial"/>
               </a:rPr>
               <a:t>Click to move the slide</a:t>
             </a:r>
-            <a:endParaRPr b="0" lang="en-US" sz="1400" spc="-1" strike="noStrike">
-              <a:solidFill>
-                <a:srgbClr val="000000"/>
-              </a:solidFill>
+            <a:endParaRPr b="0" lang="en-US" sz="4400" spc="-1" strike="noStrike">
               <a:latin typeface="Arial"/>
             </a:endParaRPr>
           </a:p>
@@ -165,7 +160,7 @@
               <a:rPr b="0" lang="en-US" sz="1400" spc="-1" strike="noStrike">
                 <a:latin typeface="Times New Roman"/>
               </a:rPr>
-              <a:t>&lt;header&gt;</a:t>
+              <a:t> </a:t>
             </a:r>
             <a:endParaRPr b="0" lang="en-US" sz="1400" spc="-1" strike="noStrike">
               <a:latin typeface="Times New Roman"/>
@@ -202,7 +197,7 @@
               <a:rPr b="0" lang="en-US" sz="1400" spc="-1" strike="noStrike">
                 <a:latin typeface="Times New Roman"/>
               </a:rPr>
-              <a:t>&lt;date/time&gt;</a:t>
+              <a:t> </a:t>
             </a:r>
             <a:endParaRPr b="0" lang="en-US" sz="1400" spc="-1" strike="noStrike">
               <a:latin typeface="Times New Roman"/>
@@ -271,7 +266,7 @@
           </a:bodyPr>
           <a:p>
             <a:pPr algn="r"/>
-            <a:fld id="{1A9634EE-99AB-451F-B518-07417675E832}" type="slidenum">
+            <a:fld id="{1296E60D-F228-420F-B05D-2A17059E29EC}" type="slidenum">
               <a:rPr b="0" lang="en-US" sz="1400" spc="-1" strike="noStrike">
                 <a:latin typeface="Times New Roman"/>
               </a:rPr>
@@ -308,7 +303,7 @@
       </p:grpSpPr>
       <p:sp>
         <p:nvSpPr>
-          <p:cNvPr id="286" name="PlaceHolder 1"/>
+          <p:cNvPr id="287" name="PlaceHolder 1"/>
           <p:cNvSpPr>
             <a:spLocks noGrp="1"/>
           </p:cNvSpPr>
@@ -319,18 +314,18 @@
         <p:spPr>
           <a:xfrm>
             <a:off x="685800" y="4343400"/>
-            <a:ext cx="5486040" cy="4114440"/>
-          </a:xfrm>
-          <a:prstGeom prst="rect">
-            <a:avLst/>
-          </a:prstGeom>
-        </p:spPr>
-        <p:txBody>
-          <a:bodyPr tIns="91440" bIns="91440" anchor="ctr">
+            <a:ext cx="5485680" cy="4114080"/>
+          </a:xfrm>
+          <a:prstGeom prst="rect">
+            <a:avLst/>
+          </a:prstGeom>
+        </p:spPr>
+        <p:txBody>
+          <a:bodyPr lIns="0" rIns="0" tIns="91440" bIns="91440" anchor="ctr">
             <a:noAutofit/>
           </a:bodyPr>
           <a:p>
-            <a:pPr marL="216000" indent="-216000">
+            <a:pPr marL="216000" indent="-215640">
               <a:lnSpc>
                 <a:spcPct val="100000"/>
               </a:lnSpc>
@@ -352,7 +347,7 @@
       </p:sp>
       <p:sp>
         <p:nvSpPr>
-          <p:cNvPr id="287" name="PlaceHolder 2"/>
+          <p:cNvPr id="288" name="PlaceHolder 2"/>
           <p:cNvSpPr>
             <a:spLocks noGrp="1"/>
           </p:cNvSpPr>
@@ -363,7 +358,7 @@
         <p:spPr>
           <a:xfrm>
             <a:off x="380880" y="685800"/>
-            <a:ext cx="6095520" cy="3428640"/>
+            <a:ext cx="6095160" cy="3428280"/>
           </a:xfrm>
           <a:prstGeom prst="rect">
             <a:avLst/>
@@ -426,8 +421,8 @@
         </p:nvSpPr>
         <p:spPr>
           <a:xfrm>
-            <a:off x="1155600" y="803520"/>
-            <a:ext cx="13931640" cy="1735920"/>
+            <a:off x="812520" y="364680"/>
+            <a:ext cx="14630040" cy="1526400"/>
           </a:xfrm>
           <a:prstGeom prst="rect">
             <a:avLst/>
@@ -438,10 +433,8 @@
             <a:spAutoFit/>
           </a:bodyPr>
           <a:p>
-            <a:endParaRPr b="0" lang="en-US" sz="1400" spc="-1" strike="noStrike">
-              <a:solidFill>
-                <a:srgbClr val="000000"/>
-              </a:solidFill>
+            <a:pPr algn="ctr"/>
+            <a:endParaRPr b="0" lang="en-US" sz="4400" spc="-1" strike="noStrike">
               <a:latin typeface="Arial"/>
             </a:endParaRPr>
           </a:p>
@@ -471,10 +464,7 @@
             <a:normAutofit/>
           </a:bodyPr>
           <a:p>
-            <a:endParaRPr b="0" lang="en-US" sz="4000" spc="-1" strike="noStrike">
-              <a:solidFill>
-                <a:srgbClr val="000000"/>
-              </a:solidFill>
+            <a:endParaRPr b="0" lang="en-US" sz="3200" spc="-1" strike="noStrike">
               <a:latin typeface="Arial"/>
             </a:endParaRPr>
           </a:p>
@@ -504,10 +494,7 @@
             <a:normAutofit/>
           </a:bodyPr>
           <a:p>
-            <a:endParaRPr b="0" lang="en-US" sz="4000" spc="-1" strike="noStrike">
-              <a:solidFill>
-                <a:srgbClr val="000000"/>
-              </a:solidFill>
+            <a:endParaRPr b="0" lang="en-US" sz="3200" spc="-1" strike="noStrike">
               <a:latin typeface="Arial"/>
             </a:endParaRPr>
           </a:p>
@@ -547,8 +534,8 @@
         </p:nvSpPr>
         <p:spPr>
           <a:xfrm>
-            <a:off x="1155600" y="803520"/>
-            <a:ext cx="13931640" cy="1735920"/>
+            <a:off x="812520" y="364680"/>
+            <a:ext cx="14630040" cy="1526400"/>
           </a:xfrm>
           <a:prstGeom prst="rect">
             <a:avLst/>
@@ -559,10 +546,8 @@
             <a:spAutoFit/>
           </a:bodyPr>
           <a:p>
-            <a:endParaRPr b="0" lang="en-US" sz="1400" spc="-1" strike="noStrike">
-              <a:solidFill>
-                <a:srgbClr val="000000"/>
-              </a:solidFill>
+            <a:pPr algn="ctr"/>
+            <a:endParaRPr b="0" lang="en-US" sz="4400" spc="-1" strike="noStrike">
               <a:latin typeface="Arial"/>
             </a:endParaRPr>
           </a:p>
@@ -592,10 +577,7 @@
             <a:normAutofit/>
           </a:bodyPr>
           <a:p>
-            <a:endParaRPr b="0" lang="en-US" sz="4000" spc="-1" strike="noStrike">
-              <a:solidFill>
-                <a:srgbClr val="000000"/>
-              </a:solidFill>
+            <a:endParaRPr b="0" lang="en-US" sz="3200" spc="-1" strike="noStrike">
               <a:latin typeface="Arial"/>
             </a:endParaRPr>
           </a:p>
@@ -625,10 +607,7 @@
             <a:normAutofit/>
           </a:bodyPr>
           <a:p>
-            <a:endParaRPr b="0" lang="en-US" sz="4000" spc="-1" strike="noStrike">
-              <a:solidFill>
-                <a:srgbClr val="000000"/>
-              </a:solidFill>
+            <a:endParaRPr b="0" lang="en-US" sz="3200" spc="-1" strike="noStrike">
               <a:latin typeface="Arial"/>
             </a:endParaRPr>
           </a:p>
@@ -658,10 +637,7 @@
             <a:normAutofit/>
           </a:bodyPr>
           <a:p>
-            <a:endParaRPr b="0" lang="en-US" sz="4000" spc="-1" strike="noStrike">
-              <a:solidFill>
-                <a:srgbClr val="000000"/>
-              </a:solidFill>
+            <a:endParaRPr b="0" lang="en-US" sz="3200" spc="-1" strike="noStrike">
               <a:latin typeface="Arial"/>
             </a:endParaRPr>
           </a:p>
@@ -691,10 +667,7 @@
             <a:normAutofit/>
           </a:bodyPr>
           <a:p>
-            <a:endParaRPr b="0" lang="en-US" sz="4000" spc="-1" strike="noStrike">
-              <a:solidFill>
-                <a:srgbClr val="000000"/>
-              </a:solidFill>
+            <a:endParaRPr b="0" lang="en-US" sz="3200" spc="-1" strike="noStrike">
               <a:latin typeface="Arial"/>
             </a:endParaRPr>
           </a:p>
@@ -734,8 +707,8 @@
         </p:nvSpPr>
         <p:spPr>
           <a:xfrm>
-            <a:off x="1155600" y="803520"/>
-            <a:ext cx="13931640" cy="1735920"/>
+            <a:off x="812520" y="364680"/>
+            <a:ext cx="14630040" cy="1526400"/>
           </a:xfrm>
           <a:prstGeom prst="rect">
             <a:avLst/>
@@ -746,10 +719,8 @@
             <a:spAutoFit/>
           </a:bodyPr>
           <a:p>
-            <a:endParaRPr b="0" lang="en-US" sz="1400" spc="-1" strike="noStrike">
-              <a:solidFill>
-                <a:srgbClr val="000000"/>
-              </a:solidFill>
+            <a:pPr algn="ctr"/>
+            <a:endParaRPr b="0" lang="en-US" sz="4400" spc="-1" strike="noStrike">
               <a:latin typeface="Arial"/>
             </a:endParaRPr>
           </a:p>
@@ -779,10 +750,7 @@
             <a:normAutofit/>
           </a:bodyPr>
           <a:p>
-            <a:endParaRPr b="0" lang="en-US" sz="4000" spc="-1" strike="noStrike">
-              <a:solidFill>
-                <a:srgbClr val="000000"/>
-              </a:solidFill>
+            <a:endParaRPr b="0" lang="en-US" sz="3200" spc="-1" strike="noStrike">
               <a:latin typeface="Arial"/>
             </a:endParaRPr>
           </a:p>
@@ -812,10 +780,7 @@
             <a:normAutofit/>
           </a:bodyPr>
           <a:p>
-            <a:endParaRPr b="0" lang="en-US" sz="4000" spc="-1" strike="noStrike">
-              <a:solidFill>
-                <a:srgbClr val="000000"/>
-              </a:solidFill>
+            <a:endParaRPr b="0" lang="en-US" sz="3200" spc="-1" strike="noStrike">
               <a:latin typeface="Arial"/>
             </a:endParaRPr>
           </a:p>
@@ -845,10 +810,7 @@
             <a:normAutofit/>
           </a:bodyPr>
           <a:p>
-            <a:endParaRPr b="0" lang="en-US" sz="4000" spc="-1" strike="noStrike">
-              <a:solidFill>
-                <a:srgbClr val="000000"/>
-              </a:solidFill>
+            <a:endParaRPr b="0" lang="en-US" sz="3200" spc="-1" strike="noStrike">
               <a:latin typeface="Arial"/>
             </a:endParaRPr>
           </a:p>
@@ -878,10 +840,7 @@
             <a:normAutofit/>
           </a:bodyPr>
           <a:p>
-            <a:endParaRPr b="0" lang="en-US" sz="4000" spc="-1" strike="noStrike">
-              <a:solidFill>
-                <a:srgbClr val="000000"/>
-              </a:solidFill>
+            <a:endParaRPr b="0" lang="en-US" sz="3200" spc="-1" strike="noStrike">
               <a:latin typeface="Arial"/>
             </a:endParaRPr>
           </a:p>
@@ -911,10 +870,7 @@
             <a:normAutofit/>
           </a:bodyPr>
           <a:p>
-            <a:endParaRPr b="0" lang="en-US" sz="4000" spc="-1" strike="noStrike">
-              <a:solidFill>
-                <a:srgbClr val="000000"/>
-              </a:solidFill>
+            <a:endParaRPr b="0" lang="en-US" sz="3200" spc="-1" strike="noStrike">
               <a:latin typeface="Arial"/>
             </a:endParaRPr>
           </a:p>
@@ -944,10 +900,7 @@
             <a:normAutofit/>
           </a:bodyPr>
           <a:p>
-            <a:endParaRPr b="0" lang="en-US" sz="4000" spc="-1" strike="noStrike">
-              <a:solidFill>
-                <a:srgbClr val="000000"/>
-              </a:solidFill>
+            <a:endParaRPr b="0" lang="en-US" sz="3200" spc="-1" strike="noStrike">
               <a:latin typeface="Arial"/>
             </a:endParaRPr>
           </a:p>
@@ -1009,8 +962,8 @@
         </p:nvSpPr>
         <p:spPr>
           <a:xfrm>
-            <a:off x="1155600" y="803520"/>
-            <a:ext cx="13931640" cy="1735920"/>
+            <a:off x="812520" y="364680"/>
+            <a:ext cx="14630040" cy="1526400"/>
           </a:xfrm>
           <a:prstGeom prst="rect">
             <a:avLst/>
@@ -1021,10 +974,8 @@
             <a:spAutoFit/>
           </a:bodyPr>
           <a:p>
-            <a:endParaRPr b="0" lang="en-US" sz="1400" spc="-1" strike="noStrike">
-              <a:solidFill>
-                <a:srgbClr val="000000"/>
-              </a:solidFill>
+            <a:pPr algn="ctr"/>
+            <a:endParaRPr b="0" lang="en-US" sz="4400" spc="-1" strike="noStrike">
               <a:latin typeface="Arial"/>
             </a:endParaRPr>
           </a:p>
@@ -1095,8 +1046,8 @@
         </p:nvSpPr>
         <p:spPr>
           <a:xfrm>
-            <a:off x="1155600" y="803520"/>
-            <a:ext cx="13931640" cy="1735920"/>
+            <a:off x="812520" y="364680"/>
+            <a:ext cx="14630040" cy="1526400"/>
           </a:xfrm>
           <a:prstGeom prst="rect">
             <a:avLst/>
@@ -1107,10 +1058,8 @@
             <a:spAutoFit/>
           </a:bodyPr>
           <a:p>
-            <a:endParaRPr b="0" lang="en-US" sz="1400" spc="-1" strike="noStrike">
-              <a:solidFill>
-                <a:srgbClr val="000000"/>
-              </a:solidFill>
+            <a:pPr algn="ctr"/>
+            <a:endParaRPr b="0" lang="en-US" sz="4400" spc="-1" strike="noStrike">
               <a:latin typeface="Arial"/>
             </a:endParaRPr>
           </a:p>
@@ -1140,10 +1089,7 @@
             <a:normAutofit/>
           </a:bodyPr>
           <a:p>
-            <a:endParaRPr b="0" lang="en-US" sz="4000" spc="-1" strike="noStrike">
-              <a:solidFill>
-                <a:srgbClr val="000000"/>
-              </a:solidFill>
+            <a:endParaRPr b="0" lang="en-US" sz="3200" spc="-1" strike="noStrike">
               <a:latin typeface="Arial"/>
             </a:endParaRPr>
           </a:p>
@@ -1183,8 +1129,8 @@
         </p:nvSpPr>
         <p:spPr>
           <a:xfrm>
-            <a:off x="1155600" y="803520"/>
-            <a:ext cx="13931640" cy="1735920"/>
+            <a:off x="812520" y="364680"/>
+            <a:ext cx="14630040" cy="1526400"/>
           </a:xfrm>
           <a:prstGeom prst="rect">
             <a:avLst/>
@@ -1195,10 +1141,8 @@
             <a:spAutoFit/>
           </a:bodyPr>
           <a:p>
-            <a:endParaRPr b="0" lang="en-US" sz="1400" spc="-1" strike="noStrike">
-              <a:solidFill>
-                <a:srgbClr val="000000"/>
-              </a:solidFill>
+            <a:pPr algn="ctr"/>
+            <a:endParaRPr b="0" lang="en-US" sz="4400" spc="-1" strike="noStrike">
               <a:latin typeface="Arial"/>
             </a:endParaRPr>
           </a:p>
@@ -1228,10 +1172,7 @@
             <a:normAutofit/>
           </a:bodyPr>
           <a:p>
-            <a:endParaRPr b="0" lang="en-US" sz="4000" spc="-1" strike="noStrike">
-              <a:solidFill>
-                <a:srgbClr val="000000"/>
-              </a:solidFill>
+            <a:endParaRPr b="0" lang="en-US" sz="3200" spc="-1" strike="noStrike">
               <a:latin typeface="Arial"/>
             </a:endParaRPr>
           </a:p>
@@ -1261,10 +1202,7 @@
             <a:normAutofit/>
           </a:bodyPr>
           <a:p>
-            <a:endParaRPr b="0" lang="en-US" sz="4000" spc="-1" strike="noStrike">
-              <a:solidFill>
-                <a:srgbClr val="000000"/>
-              </a:solidFill>
+            <a:endParaRPr b="0" lang="en-US" sz="3200" spc="-1" strike="noStrike">
               <a:latin typeface="Arial"/>
             </a:endParaRPr>
           </a:p>
@@ -1304,8 +1242,8 @@
         </p:nvSpPr>
         <p:spPr>
           <a:xfrm>
-            <a:off x="1155600" y="803520"/>
-            <a:ext cx="13931640" cy="1735920"/>
+            <a:off x="812520" y="364680"/>
+            <a:ext cx="14630040" cy="1526400"/>
           </a:xfrm>
           <a:prstGeom prst="rect">
             <a:avLst/>
@@ -1316,10 +1254,8 @@
             <a:spAutoFit/>
           </a:bodyPr>
           <a:p>
-            <a:endParaRPr b="0" lang="en-US" sz="1400" spc="-1" strike="noStrike">
-              <a:solidFill>
-                <a:srgbClr val="000000"/>
-              </a:solidFill>
+            <a:pPr algn="ctr"/>
+            <a:endParaRPr b="0" lang="en-US" sz="4400" spc="-1" strike="noStrike">
               <a:latin typeface="Arial"/>
             </a:endParaRPr>
           </a:p>
@@ -1359,8 +1295,8 @@
         </p:nvSpPr>
         <p:spPr>
           <a:xfrm>
-            <a:off x="1155600" y="803520"/>
-            <a:ext cx="13931640" cy="8048160"/>
+            <a:off x="812520" y="364680"/>
+            <a:ext cx="14630040" cy="7076880"/>
           </a:xfrm>
           <a:prstGeom prst="rect">
             <a:avLst/>
@@ -1412,8 +1348,8 @@
         </p:nvSpPr>
         <p:spPr>
           <a:xfrm>
-            <a:off x="1155600" y="803520"/>
-            <a:ext cx="13931640" cy="1735920"/>
+            <a:off x="812520" y="364680"/>
+            <a:ext cx="14630040" cy="1526400"/>
           </a:xfrm>
           <a:prstGeom prst="rect">
             <a:avLst/>
@@ -1424,10 +1360,8 @@
             <a:spAutoFit/>
           </a:bodyPr>
           <a:p>
-            <a:endParaRPr b="0" lang="en-US" sz="1400" spc="-1" strike="noStrike">
-              <a:solidFill>
-                <a:srgbClr val="000000"/>
-              </a:solidFill>
+            <a:pPr algn="ctr"/>
+            <a:endParaRPr b="0" lang="en-US" sz="4400" spc="-1" strike="noStrike">
               <a:latin typeface="Arial"/>
             </a:endParaRPr>
           </a:p>
@@ -1457,10 +1391,7 @@
             <a:normAutofit/>
           </a:bodyPr>
           <a:p>
-            <a:endParaRPr b="0" lang="en-US" sz="4000" spc="-1" strike="noStrike">
-              <a:solidFill>
-                <a:srgbClr val="000000"/>
-              </a:solidFill>
+            <a:endParaRPr b="0" lang="en-US" sz="3200" spc="-1" strike="noStrike">
               <a:latin typeface="Arial"/>
             </a:endParaRPr>
           </a:p>
@@ -1490,10 +1421,7 @@
             <a:normAutofit/>
           </a:bodyPr>
           <a:p>
-            <a:endParaRPr b="0" lang="en-US" sz="4000" spc="-1" strike="noStrike">
-              <a:solidFill>
-                <a:srgbClr val="000000"/>
-              </a:solidFill>
+            <a:endParaRPr b="0" lang="en-US" sz="3200" spc="-1" strike="noStrike">
               <a:latin typeface="Arial"/>
             </a:endParaRPr>
           </a:p>
@@ -1523,10 +1451,7 @@
             <a:normAutofit/>
           </a:bodyPr>
           <a:p>
-            <a:endParaRPr b="0" lang="en-US" sz="4000" spc="-1" strike="noStrike">
-              <a:solidFill>
-                <a:srgbClr val="000000"/>
-              </a:solidFill>
+            <a:endParaRPr b="0" lang="en-US" sz="3200" spc="-1" strike="noStrike">
               <a:latin typeface="Arial"/>
             </a:endParaRPr>
           </a:p>
@@ -1566,8 +1491,8 @@
         </p:nvSpPr>
         <p:spPr>
           <a:xfrm>
-            <a:off x="1155600" y="803520"/>
-            <a:ext cx="13931640" cy="1735920"/>
+            <a:off x="812520" y="364680"/>
+            <a:ext cx="14630040" cy="1526400"/>
           </a:xfrm>
           <a:prstGeom prst="rect">
             <a:avLst/>
@@ -1578,10 +1503,8 @@
             <a:spAutoFit/>
           </a:bodyPr>
           <a:p>
-            <a:endParaRPr b="0" lang="en-US" sz="1400" spc="-1" strike="noStrike">
-              <a:solidFill>
-                <a:srgbClr val="000000"/>
-              </a:solidFill>
+            <a:pPr algn="ctr"/>
+            <a:endParaRPr b="0" lang="en-US" sz="4400" spc="-1" strike="noStrike">
               <a:latin typeface="Arial"/>
             </a:endParaRPr>
           </a:p>
@@ -1652,8 +1575,8 @@
         </p:nvSpPr>
         <p:spPr>
           <a:xfrm>
-            <a:off x="1155600" y="803520"/>
-            <a:ext cx="13931640" cy="1735920"/>
+            <a:off x="812520" y="364680"/>
+            <a:ext cx="14630040" cy="1526400"/>
           </a:xfrm>
           <a:prstGeom prst="rect">
             <a:avLst/>
@@ -1664,10 +1587,8 @@
             <a:spAutoFit/>
           </a:bodyPr>
           <a:p>
-            <a:endParaRPr b="0" lang="en-US" sz="1400" spc="-1" strike="noStrike">
-              <a:solidFill>
-                <a:srgbClr val="000000"/>
-              </a:solidFill>
+            <a:pPr algn="ctr"/>
+            <a:endParaRPr b="0" lang="en-US" sz="4400" spc="-1" strike="noStrike">
               <a:latin typeface="Arial"/>
             </a:endParaRPr>
           </a:p>
@@ -1697,10 +1618,7 @@
             <a:normAutofit/>
           </a:bodyPr>
           <a:p>
-            <a:endParaRPr b="0" lang="en-US" sz="4000" spc="-1" strike="noStrike">
-              <a:solidFill>
-                <a:srgbClr val="000000"/>
-              </a:solidFill>
+            <a:endParaRPr b="0" lang="en-US" sz="3200" spc="-1" strike="noStrike">
               <a:latin typeface="Arial"/>
             </a:endParaRPr>
           </a:p>
@@ -1730,10 +1648,7 @@
             <a:normAutofit/>
           </a:bodyPr>
           <a:p>
-            <a:endParaRPr b="0" lang="en-US" sz="4000" spc="-1" strike="noStrike">
-              <a:solidFill>
-                <a:srgbClr val="000000"/>
-              </a:solidFill>
+            <a:endParaRPr b="0" lang="en-US" sz="3200" spc="-1" strike="noStrike">
               <a:latin typeface="Arial"/>
             </a:endParaRPr>
           </a:p>
@@ -1763,10 +1678,7 @@
             <a:normAutofit/>
           </a:bodyPr>
           <a:p>
-            <a:endParaRPr b="0" lang="en-US" sz="4000" spc="-1" strike="noStrike">
-              <a:solidFill>
-                <a:srgbClr val="000000"/>
-              </a:solidFill>
+            <a:endParaRPr b="0" lang="en-US" sz="3200" spc="-1" strike="noStrike">
               <a:latin typeface="Arial"/>
             </a:endParaRPr>
           </a:p>
@@ -1806,8 +1718,8 @@
         </p:nvSpPr>
         <p:spPr>
           <a:xfrm>
-            <a:off x="1155600" y="803520"/>
-            <a:ext cx="13931640" cy="1735920"/>
+            <a:off x="812520" y="364680"/>
+            <a:ext cx="14630040" cy="1526400"/>
           </a:xfrm>
           <a:prstGeom prst="rect">
             <a:avLst/>
@@ -1818,10 +1730,8 @@
             <a:spAutoFit/>
           </a:bodyPr>
           <a:p>
-            <a:endParaRPr b="0" lang="en-US" sz="1400" spc="-1" strike="noStrike">
-              <a:solidFill>
-                <a:srgbClr val="000000"/>
-              </a:solidFill>
+            <a:pPr algn="ctr"/>
+            <a:endParaRPr b="0" lang="en-US" sz="4400" spc="-1" strike="noStrike">
               <a:latin typeface="Arial"/>
             </a:endParaRPr>
           </a:p>
@@ -1851,10 +1761,7 @@
             <a:normAutofit/>
           </a:bodyPr>
           <a:p>
-            <a:endParaRPr b="0" lang="en-US" sz="4000" spc="-1" strike="noStrike">
-              <a:solidFill>
-                <a:srgbClr val="000000"/>
-              </a:solidFill>
+            <a:endParaRPr b="0" lang="en-US" sz="3200" spc="-1" strike="noStrike">
               <a:latin typeface="Arial"/>
             </a:endParaRPr>
           </a:p>
@@ -1884,10 +1791,7 @@
             <a:normAutofit/>
           </a:bodyPr>
           <a:p>
-            <a:endParaRPr b="0" lang="en-US" sz="4000" spc="-1" strike="noStrike">
-              <a:solidFill>
-                <a:srgbClr val="000000"/>
-              </a:solidFill>
+            <a:endParaRPr b="0" lang="en-US" sz="3200" spc="-1" strike="noStrike">
               <a:latin typeface="Arial"/>
             </a:endParaRPr>
           </a:p>
@@ -1917,10 +1821,7 @@
             <a:normAutofit/>
           </a:bodyPr>
           <a:p>
-            <a:endParaRPr b="0" lang="en-US" sz="4000" spc="-1" strike="noStrike">
-              <a:solidFill>
-                <a:srgbClr val="000000"/>
-              </a:solidFill>
+            <a:endParaRPr b="0" lang="en-US" sz="3200" spc="-1" strike="noStrike">
               <a:latin typeface="Arial"/>
             </a:endParaRPr>
           </a:p>
@@ -1960,8 +1861,8 @@
         </p:nvSpPr>
         <p:spPr>
           <a:xfrm>
-            <a:off x="1155600" y="803520"/>
-            <a:ext cx="13931640" cy="1735920"/>
+            <a:off x="812520" y="364680"/>
+            <a:ext cx="14630040" cy="1526400"/>
           </a:xfrm>
           <a:prstGeom prst="rect">
             <a:avLst/>
@@ -1972,10 +1873,8 @@
             <a:spAutoFit/>
           </a:bodyPr>
           <a:p>
-            <a:endParaRPr b="0" lang="en-US" sz="1400" spc="-1" strike="noStrike">
-              <a:solidFill>
-                <a:srgbClr val="000000"/>
-              </a:solidFill>
+            <a:pPr algn="ctr"/>
+            <a:endParaRPr b="0" lang="en-US" sz="4400" spc="-1" strike="noStrike">
               <a:latin typeface="Arial"/>
             </a:endParaRPr>
           </a:p>
@@ -2005,10 +1904,7 @@
             <a:normAutofit/>
           </a:bodyPr>
           <a:p>
-            <a:endParaRPr b="0" lang="en-US" sz="4000" spc="-1" strike="noStrike">
-              <a:solidFill>
-                <a:srgbClr val="000000"/>
-              </a:solidFill>
+            <a:endParaRPr b="0" lang="en-US" sz="3200" spc="-1" strike="noStrike">
               <a:latin typeface="Arial"/>
             </a:endParaRPr>
           </a:p>
@@ -2038,10 +1934,7 @@
             <a:normAutofit/>
           </a:bodyPr>
           <a:p>
-            <a:endParaRPr b="0" lang="en-US" sz="4000" spc="-1" strike="noStrike">
-              <a:solidFill>
-                <a:srgbClr val="000000"/>
-              </a:solidFill>
+            <a:endParaRPr b="0" lang="en-US" sz="3200" spc="-1" strike="noStrike">
               <a:latin typeface="Arial"/>
             </a:endParaRPr>
           </a:p>
@@ -2081,8 +1974,8 @@
         </p:nvSpPr>
         <p:spPr>
           <a:xfrm>
-            <a:off x="1155600" y="803520"/>
-            <a:ext cx="13931640" cy="1735920"/>
+            <a:off x="812520" y="364680"/>
+            <a:ext cx="14630040" cy="1526400"/>
           </a:xfrm>
           <a:prstGeom prst="rect">
             <a:avLst/>
@@ -2093,10 +1986,8 @@
             <a:spAutoFit/>
           </a:bodyPr>
           <a:p>
-            <a:endParaRPr b="0" lang="en-US" sz="1400" spc="-1" strike="noStrike">
-              <a:solidFill>
-                <a:srgbClr val="000000"/>
-              </a:solidFill>
+            <a:pPr algn="ctr"/>
+            <a:endParaRPr b="0" lang="en-US" sz="4400" spc="-1" strike="noStrike">
               <a:latin typeface="Arial"/>
             </a:endParaRPr>
           </a:p>
@@ -2126,10 +2017,7 @@
             <a:normAutofit/>
           </a:bodyPr>
           <a:p>
-            <a:endParaRPr b="0" lang="en-US" sz="4000" spc="-1" strike="noStrike">
-              <a:solidFill>
-                <a:srgbClr val="000000"/>
-              </a:solidFill>
+            <a:endParaRPr b="0" lang="en-US" sz="3200" spc="-1" strike="noStrike">
               <a:latin typeface="Arial"/>
             </a:endParaRPr>
           </a:p>
@@ -2159,10 +2047,7 @@
             <a:normAutofit/>
           </a:bodyPr>
           <a:p>
-            <a:endParaRPr b="0" lang="en-US" sz="4000" spc="-1" strike="noStrike">
-              <a:solidFill>
-                <a:srgbClr val="000000"/>
-              </a:solidFill>
+            <a:endParaRPr b="0" lang="en-US" sz="3200" spc="-1" strike="noStrike">
               <a:latin typeface="Arial"/>
             </a:endParaRPr>
           </a:p>
@@ -2192,10 +2077,7 @@
             <a:normAutofit/>
           </a:bodyPr>
           <a:p>
-            <a:endParaRPr b="0" lang="en-US" sz="4000" spc="-1" strike="noStrike">
-              <a:solidFill>
-                <a:srgbClr val="000000"/>
-              </a:solidFill>
+            <a:endParaRPr b="0" lang="en-US" sz="3200" spc="-1" strike="noStrike">
               <a:latin typeface="Arial"/>
             </a:endParaRPr>
           </a:p>
@@ -2225,10 +2107,7 @@
             <a:normAutofit/>
           </a:bodyPr>
           <a:p>
-            <a:endParaRPr b="0" lang="en-US" sz="4000" spc="-1" strike="noStrike">
-              <a:solidFill>
-                <a:srgbClr val="000000"/>
-              </a:solidFill>
+            <a:endParaRPr b="0" lang="en-US" sz="3200" spc="-1" strike="noStrike">
               <a:latin typeface="Arial"/>
             </a:endParaRPr>
           </a:p>
@@ -2268,8 +2147,8 @@
         </p:nvSpPr>
         <p:spPr>
           <a:xfrm>
-            <a:off x="1155600" y="803520"/>
-            <a:ext cx="13931640" cy="1735920"/>
+            <a:off x="812520" y="364680"/>
+            <a:ext cx="14630040" cy="1526400"/>
           </a:xfrm>
           <a:prstGeom prst="rect">
             <a:avLst/>
@@ -2280,10 +2159,8 @@
             <a:spAutoFit/>
           </a:bodyPr>
           <a:p>
-            <a:endParaRPr b="0" lang="en-US" sz="1400" spc="-1" strike="noStrike">
-              <a:solidFill>
-                <a:srgbClr val="000000"/>
-              </a:solidFill>
+            <a:pPr algn="ctr"/>
+            <a:endParaRPr b="0" lang="en-US" sz="4400" spc="-1" strike="noStrike">
               <a:latin typeface="Arial"/>
             </a:endParaRPr>
           </a:p>
@@ -2313,10 +2190,7 @@
             <a:normAutofit/>
           </a:bodyPr>
           <a:p>
-            <a:endParaRPr b="0" lang="en-US" sz="4000" spc="-1" strike="noStrike">
-              <a:solidFill>
-                <a:srgbClr val="000000"/>
-              </a:solidFill>
+            <a:endParaRPr b="0" lang="en-US" sz="3200" spc="-1" strike="noStrike">
               <a:latin typeface="Arial"/>
             </a:endParaRPr>
           </a:p>
@@ -2346,10 +2220,7 @@
             <a:normAutofit/>
           </a:bodyPr>
           <a:p>
-            <a:endParaRPr b="0" lang="en-US" sz="4000" spc="-1" strike="noStrike">
-              <a:solidFill>
-                <a:srgbClr val="000000"/>
-              </a:solidFill>
+            <a:endParaRPr b="0" lang="en-US" sz="3200" spc="-1" strike="noStrike">
               <a:latin typeface="Arial"/>
             </a:endParaRPr>
           </a:p>
@@ -2379,10 +2250,7 @@
             <a:normAutofit/>
           </a:bodyPr>
           <a:p>
-            <a:endParaRPr b="0" lang="en-US" sz="4000" spc="-1" strike="noStrike">
-              <a:solidFill>
-                <a:srgbClr val="000000"/>
-              </a:solidFill>
+            <a:endParaRPr b="0" lang="en-US" sz="3200" spc="-1" strike="noStrike">
               <a:latin typeface="Arial"/>
             </a:endParaRPr>
           </a:p>
@@ -2412,10 +2280,7 @@
             <a:normAutofit/>
           </a:bodyPr>
           <a:p>
-            <a:endParaRPr b="0" lang="en-US" sz="4000" spc="-1" strike="noStrike">
-              <a:solidFill>
-                <a:srgbClr val="000000"/>
-              </a:solidFill>
+            <a:endParaRPr b="0" lang="en-US" sz="3200" spc="-1" strike="noStrike">
               <a:latin typeface="Arial"/>
             </a:endParaRPr>
           </a:p>
@@ -2445,10 +2310,7 @@
             <a:normAutofit/>
           </a:bodyPr>
           <a:p>
-            <a:endParaRPr b="0" lang="en-US" sz="4000" spc="-1" strike="noStrike">
-              <a:solidFill>
-                <a:srgbClr val="000000"/>
-              </a:solidFill>
+            <a:endParaRPr b="0" lang="en-US" sz="3200" spc="-1" strike="noStrike">
               <a:latin typeface="Arial"/>
             </a:endParaRPr>
           </a:p>
@@ -2478,10 +2340,7 @@
             <a:normAutofit/>
           </a:bodyPr>
           <a:p>
-            <a:endParaRPr b="0" lang="en-US" sz="4000" spc="-1" strike="noStrike">
-              <a:solidFill>
-                <a:srgbClr val="000000"/>
-              </a:solidFill>
+            <a:endParaRPr b="0" lang="en-US" sz="3200" spc="-1" strike="noStrike">
               <a:latin typeface="Arial"/>
             </a:endParaRPr>
           </a:p>
@@ -2543,8 +2402,8 @@
         </p:nvSpPr>
         <p:spPr>
           <a:xfrm>
-            <a:off x="1155600" y="803520"/>
-            <a:ext cx="13931640" cy="1735920"/>
+            <a:off x="812520" y="364680"/>
+            <a:ext cx="14630040" cy="1526400"/>
           </a:xfrm>
           <a:prstGeom prst="rect">
             <a:avLst/>
@@ -2555,10 +2414,8 @@
             <a:spAutoFit/>
           </a:bodyPr>
           <a:p>
-            <a:endParaRPr b="0" lang="en-US" sz="1400" spc="-1" strike="noStrike">
-              <a:solidFill>
-                <a:srgbClr val="000000"/>
-              </a:solidFill>
+            <a:pPr algn="ctr"/>
+            <a:endParaRPr b="0" lang="en-US" sz="4400" spc="-1" strike="noStrike">
               <a:latin typeface="Arial"/>
             </a:endParaRPr>
           </a:p>
@@ -2629,8 +2486,8 @@
         </p:nvSpPr>
         <p:spPr>
           <a:xfrm>
-            <a:off x="1155600" y="803520"/>
-            <a:ext cx="13931640" cy="1735920"/>
+            <a:off x="812520" y="364680"/>
+            <a:ext cx="14630040" cy="1526400"/>
           </a:xfrm>
           <a:prstGeom prst="rect">
             <a:avLst/>
@@ -2641,10 +2498,8 @@
             <a:spAutoFit/>
           </a:bodyPr>
           <a:p>
-            <a:endParaRPr b="0" lang="en-US" sz="1400" spc="-1" strike="noStrike">
-              <a:solidFill>
-                <a:srgbClr val="000000"/>
-              </a:solidFill>
+            <a:pPr algn="ctr"/>
+            <a:endParaRPr b="0" lang="en-US" sz="4400" spc="-1" strike="noStrike">
               <a:latin typeface="Arial"/>
             </a:endParaRPr>
           </a:p>
@@ -2674,10 +2529,7 @@
             <a:normAutofit/>
           </a:bodyPr>
           <a:p>
-            <a:endParaRPr b="0" lang="en-US" sz="4000" spc="-1" strike="noStrike">
-              <a:solidFill>
-                <a:srgbClr val="000000"/>
-              </a:solidFill>
+            <a:endParaRPr b="0" lang="en-US" sz="3200" spc="-1" strike="noStrike">
               <a:latin typeface="Arial"/>
             </a:endParaRPr>
           </a:p>
@@ -2717,8 +2569,8 @@
         </p:nvSpPr>
         <p:spPr>
           <a:xfrm>
-            <a:off x="1155600" y="803520"/>
-            <a:ext cx="13931640" cy="1735920"/>
+            <a:off x="812520" y="364680"/>
+            <a:ext cx="14630040" cy="1526400"/>
           </a:xfrm>
           <a:prstGeom prst="rect">
             <a:avLst/>
@@ -2729,10 +2581,8 @@
             <a:spAutoFit/>
           </a:bodyPr>
           <a:p>
-            <a:endParaRPr b="0" lang="en-US" sz="1400" spc="-1" strike="noStrike">
-              <a:solidFill>
-                <a:srgbClr val="000000"/>
-              </a:solidFill>
+            <a:pPr algn="ctr"/>
+            <a:endParaRPr b="0" lang="en-US" sz="4400" spc="-1" strike="noStrike">
               <a:latin typeface="Arial"/>
             </a:endParaRPr>
           </a:p>
@@ -2762,10 +2612,7 @@
             <a:normAutofit/>
           </a:bodyPr>
           <a:p>
-            <a:endParaRPr b="0" lang="en-US" sz="4000" spc="-1" strike="noStrike">
-              <a:solidFill>
-                <a:srgbClr val="000000"/>
-              </a:solidFill>
+            <a:endParaRPr b="0" lang="en-US" sz="3200" spc="-1" strike="noStrike">
               <a:latin typeface="Arial"/>
             </a:endParaRPr>
           </a:p>
@@ -2795,10 +2642,7 @@
             <a:normAutofit/>
           </a:bodyPr>
           <a:p>
-            <a:endParaRPr b="0" lang="en-US" sz="4000" spc="-1" strike="noStrike">
-              <a:solidFill>
-                <a:srgbClr val="000000"/>
-              </a:solidFill>
+            <a:endParaRPr b="0" lang="en-US" sz="3200" spc="-1" strike="noStrike">
               <a:latin typeface="Arial"/>
             </a:endParaRPr>
           </a:p>
@@ -2838,8 +2682,8 @@
         </p:nvSpPr>
         <p:spPr>
           <a:xfrm>
-            <a:off x="1155600" y="803520"/>
-            <a:ext cx="13931640" cy="1735920"/>
+            <a:off x="812520" y="364680"/>
+            <a:ext cx="14630040" cy="1526400"/>
           </a:xfrm>
           <a:prstGeom prst="rect">
             <a:avLst/>
@@ -2850,10 +2694,8 @@
             <a:spAutoFit/>
           </a:bodyPr>
           <a:p>
-            <a:endParaRPr b="0" lang="en-US" sz="1400" spc="-1" strike="noStrike">
-              <a:solidFill>
-                <a:srgbClr val="000000"/>
-              </a:solidFill>
+            <a:pPr algn="ctr"/>
+            <a:endParaRPr b="0" lang="en-US" sz="4400" spc="-1" strike="noStrike">
               <a:latin typeface="Arial"/>
             </a:endParaRPr>
           </a:p>
@@ -2893,8 +2735,8 @@
         </p:nvSpPr>
         <p:spPr>
           <a:xfrm>
-            <a:off x="1155600" y="803520"/>
-            <a:ext cx="13931640" cy="1735920"/>
+            <a:off x="812520" y="364680"/>
+            <a:ext cx="14630040" cy="1526400"/>
           </a:xfrm>
           <a:prstGeom prst="rect">
             <a:avLst/>
@@ -2905,10 +2747,8 @@
             <a:spAutoFit/>
           </a:bodyPr>
           <a:p>
-            <a:endParaRPr b="0" lang="en-US" sz="1400" spc="-1" strike="noStrike">
-              <a:solidFill>
-                <a:srgbClr val="000000"/>
-              </a:solidFill>
+            <a:pPr algn="ctr"/>
+            <a:endParaRPr b="0" lang="en-US" sz="4400" spc="-1" strike="noStrike">
               <a:latin typeface="Arial"/>
             </a:endParaRPr>
           </a:p>
@@ -2938,10 +2778,7 @@
             <a:normAutofit/>
           </a:bodyPr>
           <a:p>
-            <a:endParaRPr b="0" lang="en-US" sz="4000" spc="-1" strike="noStrike">
-              <a:solidFill>
-                <a:srgbClr val="000000"/>
-              </a:solidFill>
+            <a:endParaRPr b="0" lang="en-US" sz="3200" spc="-1" strike="noStrike">
               <a:latin typeface="Arial"/>
             </a:endParaRPr>
           </a:p>
@@ -2981,8 +2818,8 @@
         </p:nvSpPr>
         <p:spPr>
           <a:xfrm>
-            <a:off x="1155600" y="803520"/>
-            <a:ext cx="13931640" cy="8048160"/>
+            <a:off x="812520" y="364680"/>
+            <a:ext cx="14630040" cy="7076880"/>
           </a:xfrm>
           <a:prstGeom prst="rect">
             <a:avLst/>
@@ -3034,8 +2871,8 @@
         </p:nvSpPr>
         <p:spPr>
           <a:xfrm>
-            <a:off x="1155600" y="803520"/>
-            <a:ext cx="13931640" cy="1735920"/>
+            <a:off x="812520" y="364680"/>
+            <a:ext cx="14630040" cy="1526400"/>
           </a:xfrm>
           <a:prstGeom prst="rect">
             <a:avLst/>
@@ -3046,10 +2883,8 @@
             <a:spAutoFit/>
           </a:bodyPr>
           <a:p>
-            <a:endParaRPr b="0" lang="en-US" sz="1400" spc="-1" strike="noStrike">
-              <a:solidFill>
-                <a:srgbClr val="000000"/>
-              </a:solidFill>
+            <a:pPr algn="ctr"/>
+            <a:endParaRPr b="0" lang="en-US" sz="4400" spc="-1" strike="noStrike">
               <a:latin typeface="Arial"/>
             </a:endParaRPr>
           </a:p>
@@ -3079,10 +2914,7 @@
             <a:normAutofit/>
           </a:bodyPr>
           <a:p>
-            <a:endParaRPr b="0" lang="en-US" sz="4000" spc="-1" strike="noStrike">
-              <a:solidFill>
-                <a:srgbClr val="000000"/>
-              </a:solidFill>
+            <a:endParaRPr b="0" lang="en-US" sz="3200" spc="-1" strike="noStrike">
               <a:latin typeface="Arial"/>
             </a:endParaRPr>
           </a:p>
@@ -3112,10 +2944,7 @@
             <a:normAutofit/>
           </a:bodyPr>
           <a:p>
-            <a:endParaRPr b="0" lang="en-US" sz="4000" spc="-1" strike="noStrike">
-              <a:solidFill>
-                <a:srgbClr val="000000"/>
-              </a:solidFill>
+            <a:endParaRPr b="0" lang="en-US" sz="3200" spc="-1" strike="noStrike">
               <a:latin typeface="Arial"/>
             </a:endParaRPr>
           </a:p>
@@ -3145,10 +2974,7 @@
             <a:normAutofit/>
           </a:bodyPr>
           <a:p>
-            <a:endParaRPr b="0" lang="en-US" sz="4000" spc="-1" strike="noStrike">
-              <a:solidFill>
-                <a:srgbClr val="000000"/>
-              </a:solidFill>
+            <a:endParaRPr b="0" lang="en-US" sz="3200" spc="-1" strike="noStrike">
               <a:latin typeface="Arial"/>
             </a:endParaRPr>
           </a:p>
@@ -3188,8 +3014,8 @@
         </p:nvSpPr>
         <p:spPr>
           <a:xfrm>
-            <a:off x="1155600" y="803520"/>
-            <a:ext cx="13931640" cy="1735920"/>
+            <a:off x="812520" y="364680"/>
+            <a:ext cx="14630040" cy="1526400"/>
           </a:xfrm>
           <a:prstGeom prst="rect">
             <a:avLst/>
@@ -3200,10 +3026,8 @@
             <a:spAutoFit/>
           </a:bodyPr>
           <a:p>
-            <a:endParaRPr b="0" lang="en-US" sz="1400" spc="-1" strike="noStrike">
-              <a:solidFill>
-                <a:srgbClr val="000000"/>
-              </a:solidFill>
+            <a:pPr algn="ctr"/>
+            <a:endParaRPr b="0" lang="en-US" sz="4400" spc="-1" strike="noStrike">
               <a:latin typeface="Arial"/>
             </a:endParaRPr>
           </a:p>
@@ -3233,10 +3057,7 @@
             <a:normAutofit/>
           </a:bodyPr>
           <a:p>
-            <a:endParaRPr b="0" lang="en-US" sz="4000" spc="-1" strike="noStrike">
-              <a:solidFill>
-                <a:srgbClr val="000000"/>
-              </a:solidFill>
+            <a:endParaRPr b="0" lang="en-US" sz="3200" spc="-1" strike="noStrike">
               <a:latin typeface="Arial"/>
             </a:endParaRPr>
           </a:p>
@@ -3266,10 +3087,7 @@
             <a:normAutofit/>
           </a:bodyPr>
           <a:p>
-            <a:endParaRPr b="0" lang="en-US" sz="4000" spc="-1" strike="noStrike">
-              <a:solidFill>
-                <a:srgbClr val="000000"/>
-              </a:solidFill>
+            <a:endParaRPr b="0" lang="en-US" sz="3200" spc="-1" strike="noStrike">
               <a:latin typeface="Arial"/>
             </a:endParaRPr>
           </a:p>
@@ -3299,10 +3117,7 @@
             <a:normAutofit/>
           </a:bodyPr>
           <a:p>
-            <a:endParaRPr b="0" lang="en-US" sz="4000" spc="-1" strike="noStrike">
-              <a:solidFill>
-                <a:srgbClr val="000000"/>
-              </a:solidFill>
+            <a:endParaRPr b="0" lang="en-US" sz="3200" spc="-1" strike="noStrike">
               <a:latin typeface="Arial"/>
             </a:endParaRPr>
           </a:p>
@@ -3342,8 +3157,8 @@
         </p:nvSpPr>
         <p:spPr>
           <a:xfrm>
-            <a:off x="1155600" y="803520"/>
-            <a:ext cx="13931640" cy="1735920"/>
+            <a:off x="812520" y="364680"/>
+            <a:ext cx="14630040" cy="1526400"/>
           </a:xfrm>
           <a:prstGeom prst="rect">
             <a:avLst/>
@@ -3354,10 +3169,8 @@
             <a:spAutoFit/>
           </a:bodyPr>
           <a:p>
-            <a:endParaRPr b="0" lang="en-US" sz="1400" spc="-1" strike="noStrike">
-              <a:solidFill>
-                <a:srgbClr val="000000"/>
-              </a:solidFill>
+            <a:pPr algn="ctr"/>
+            <a:endParaRPr b="0" lang="en-US" sz="4400" spc="-1" strike="noStrike">
               <a:latin typeface="Arial"/>
             </a:endParaRPr>
           </a:p>
@@ -3387,10 +3200,7 @@
             <a:normAutofit/>
           </a:bodyPr>
           <a:p>
-            <a:endParaRPr b="0" lang="en-US" sz="4000" spc="-1" strike="noStrike">
-              <a:solidFill>
-                <a:srgbClr val="000000"/>
-              </a:solidFill>
+            <a:endParaRPr b="0" lang="en-US" sz="3200" spc="-1" strike="noStrike">
               <a:latin typeface="Arial"/>
             </a:endParaRPr>
           </a:p>
@@ -3420,10 +3230,7 @@
             <a:normAutofit/>
           </a:bodyPr>
           <a:p>
-            <a:endParaRPr b="0" lang="en-US" sz="4000" spc="-1" strike="noStrike">
-              <a:solidFill>
-                <a:srgbClr val="000000"/>
-              </a:solidFill>
+            <a:endParaRPr b="0" lang="en-US" sz="3200" spc="-1" strike="noStrike">
               <a:latin typeface="Arial"/>
             </a:endParaRPr>
           </a:p>
@@ -3453,10 +3260,7 @@
             <a:normAutofit/>
           </a:bodyPr>
           <a:p>
-            <a:endParaRPr b="0" lang="en-US" sz="4000" spc="-1" strike="noStrike">
-              <a:solidFill>
-                <a:srgbClr val="000000"/>
-              </a:solidFill>
+            <a:endParaRPr b="0" lang="en-US" sz="3200" spc="-1" strike="noStrike">
               <a:latin typeface="Arial"/>
             </a:endParaRPr>
           </a:p>
@@ -3496,8 +3300,8 @@
         </p:nvSpPr>
         <p:spPr>
           <a:xfrm>
-            <a:off x="1155600" y="803520"/>
-            <a:ext cx="13931640" cy="1735920"/>
+            <a:off x="812520" y="364680"/>
+            <a:ext cx="14630040" cy="1526400"/>
           </a:xfrm>
           <a:prstGeom prst="rect">
             <a:avLst/>
@@ -3508,10 +3312,8 @@
             <a:spAutoFit/>
           </a:bodyPr>
           <a:p>
-            <a:endParaRPr b="0" lang="en-US" sz="1400" spc="-1" strike="noStrike">
-              <a:solidFill>
-                <a:srgbClr val="000000"/>
-              </a:solidFill>
+            <a:pPr algn="ctr"/>
+            <a:endParaRPr b="0" lang="en-US" sz="4400" spc="-1" strike="noStrike">
               <a:latin typeface="Arial"/>
             </a:endParaRPr>
           </a:p>
@@ -3541,10 +3343,7 @@
             <a:normAutofit/>
           </a:bodyPr>
           <a:p>
-            <a:endParaRPr b="0" lang="en-US" sz="4000" spc="-1" strike="noStrike">
-              <a:solidFill>
-                <a:srgbClr val="000000"/>
-              </a:solidFill>
+            <a:endParaRPr b="0" lang="en-US" sz="3200" spc="-1" strike="noStrike">
               <a:latin typeface="Arial"/>
             </a:endParaRPr>
           </a:p>
@@ -3574,10 +3373,7 @@
             <a:normAutofit/>
           </a:bodyPr>
           <a:p>
-            <a:endParaRPr b="0" lang="en-US" sz="4000" spc="-1" strike="noStrike">
-              <a:solidFill>
-                <a:srgbClr val="000000"/>
-              </a:solidFill>
+            <a:endParaRPr b="0" lang="en-US" sz="3200" spc="-1" strike="noStrike">
               <a:latin typeface="Arial"/>
             </a:endParaRPr>
           </a:p>
@@ -3617,8 +3413,8 @@
         </p:nvSpPr>
         <p:spPr>
           <a:xfrm>
-            <a:off x="1155600" y="803520"/>
-            <a:ext cx="13931640" cy="1735920"/>
+            <a:off x="812520" y="364680"/>
+            <a:ext cx="14630040" cy="1526400"/>
           </a:xfrm>
           <a:prstGeom prst="rect">
             <a:avLst/>
@@ -3629,10 +3425,8 @@
             <a:spAutoFit/>
           </a:bodyPr>
           <a:p>
-            <a:endParaRPr b="0" lang="en-US" sz="1400" spc="-1" strike="noStrike">
-              <a:solidFill>
-                <a:srgbClr val="000000"/>
-              </a:solidFill>
+            <a:pPr algn="ctr"/>
+            <a:endParaRPr b="0" lang="en-US" sz="4400" spc="-1" strike="noStrike">
               <a:latin typeface="Arial"/>
             </a:endParaRPr>
           </a:p>
@@ -3662,10 +3456,7 @@
             <a:normAutofit/>
           </a:bodyPr>
           <a:p>
-            <a:endParaRPr b="0" lang="en-US" sz="4000" spc="-1" strike="noStrike">
-              <a:solidFill>
-                <a:srgbClr val="000000"/>
-              </a:solidFill>
+            <a:endParaRPr b="0" lang="en-US" sz="3200" spc="-1" strike="noStrike">
               <a:latin typeface="Arial"/>
             </a:endParaRPr>
           </a:p>
@@ -3695,10 +3486,7 @@
             <a:normAutofit/>
           </a:bodyPr>
           <a:p>
-            <a:endParaRPr b="0" lang="en-US" sz="4000" spc="-1" strike="noStrike">
-              <a:solidFill>
-                <a:srgbClr val="000000"/>
-              </a:solidFill>
+            <a:endParaRPr b="0" lang="en-US" sz="3200" spc="-1" strike="noStrike">
               <a:latin typeface="Arial"/>
             </a:endParaRPr>
           </a:p>
@@ -3728,10 +3516,7 @@
             <a:normAutofit/>
           </a:bodyPr>
           <a:p>
-            <a:endParaRPr b="0" lang="en-US" sz="4000" spc="-1" strike="noStrike">
-              <a:solidFill>
-                <a:srgbClr val="000000"/>
-              </a:solidFill>
+            <a:endParaRPr b="0" lang="en-US" sz="3200" spc="-1" strike="noStrike">
               <a:latin typeface="Arial"/>
             </a:endParaRPr>
           </a:p>
@@ -3761,10 +3546,7 @@
             <a:normAutofit/>
           </a:bodyPr>
           <a:p>
-            <a:endParaRPr b="0" lang="en-US" sz="4000" spc="-1" strike="noStrike">
-              <a:solidFill>
-                <a:srgbClr val="000000"/>
-              </a:solidFill>
+            <a:endParaRPr b="0" lang="en-US" sz="3200" spc="-1" strike="noStrike">
               <a:latin typeface="Arial"/>
             </a:endParaRPr>
           </a:p>
@@ -3804,8 +3586,8 @@
         </p:nvSpPr>
         <p:spPr>
           <a:xfrm>
-            <a:off x="1155600" y="803520"/>
-            <a:ext cx="13931640" cy="1735920"/>
+            <a:off x="812520" y="364680"/>
+            <a:ext cx="14630040" cy="1526400"/>
           </a:xfrm>
           <a:prstGeom prst="rect">
             <a:avLst/>
@@ -3816,10 +3598,8 @@
             <a:spAutoFit/>
           </a:bodyPr>
           <a:p>
-            <a:endParaRPr b="0" lang="en-US" sz="1400" spc="-1" strike="noStrike">
-              <a:solidFill>
-                <a:srgbClr val="000000"/>
-              </a:solidFill>
+            <a:pPr algn="ctr"/>
+            <a:endParaRPr b="0" lang="en-US" sz="4400" spc="-1" strike="noStrike">
               <a:latin typeface="Arial"/>
             </a:endParaRPr>
           </a:p>
@@ -3849,10 +3629,7 @@
             <a:normAutofit/>
           </a:bodyPr>
           <a:p>
-            <a:endParaRPr b="0" lang="en-US" sz="4000" spc="-1" strike="noStrike">
-              <a:solidFill>
-                <a:srgbClr val="000000"/>
-              </a:solidFill>
+            <a:endParaRPr b="0" lang="en-US" sz="3200" spc="-1" strike="noStrike">
               <a:latin typeface="Arial"/>
             </a:endParaRPr>
           </a:p>
@@ -3882,10 +3659,7 @@
             <a:normAutofit/>
           </a:bodyPr>
           <a:p>
-            <a:endParaRPr b="0" lang="en-US" sz="4000" spc="-1" strike="noStrike">
-              <a:solidFill>
-                <a:srgbClr val="000000"/>
-              </a:solidFill>
+            <a:endParaRPr b="0" lang="en-US" sz="3200" spc="-1" strike="noStrike">
               <a:latin typeface="Arial"/>
             </a:endParaRPr>
           </a:p>
@@ -3915,10 +3689,7 @@
             <a:normAutofit/>
           </a:bodyPr>
           <a:p>
-            <a:endParaRPr b="0" lang="en-US" sz="4000" spc="-1" strike="noStrike">
-              <a:solidFill>
-                <a:srgbClr val="000000"/>
-              </a:solidFill>
+            <a:endParaRPr b="0" lang="en-US" sz="3200" spc="-1" strike="noStrike">
               <a:latin typeface="Arial"/>
             </a:endParaRPr>
           </a:p>
@@ -3948,10 +3719,7 @@
             <a:normAutofit/>
           </a:bodyPr>
           <a:p>
-            <a:endParaRPr b="0" lang="en-US" sz="4000" spc="-1" strike="noStrike">
-              <a:solidFill>
-                <a:srgbClr val="000000"/>
-              </a:solidFill>
+            <a:endParaRPr b="0" lang="en-US" sz="3200" spc="-1" strike="noStrike">
               <a:latin typeface="Arial"/>
             </a:endParaRPr>
           </a:p>
@@ -3981,10 +3749,7 @@
             <a:normAutofit/>
           </a:bodyPr>
           <a:p>
-            <a:endParaRPr b="0" lang="en-US" sz="4000" spc="-1" strike="noStrike">
-              <a:solidFill>
-                <a:srgbClr val="000000"/>
-              </a:solidFill>
+            <a:endParaRPr b="0" lang="en-US" sz="3200" spc="-1" strike="noStrike">
               <a:latin typeface="Arial"/>
             </a:endParaRPr>
           </a:p>
@@ -4014,10 +3779,7 @@
             <a:normAutofit/>
           </a:bodyPr>
           <a:p>
-            <a:endParaRPr b="0" lang="en-US" sz="4000" spc="-1" strike="noStrike">
-              <a:solidFill>
-                <a:srgbClr val="000000"/>
-              </a:solidFill>
+            <a:endParaRPr b="0" lang="en-US" sz="3200" spc="-1" strike="noStrike">
               <a:latin typeface="Arial"/>
             </a:endParaRPr>
           </a:p>
@@ -4079,8 +3841,8 @@
         </p:nvSpPr>
         <p:spPr>
           <a:xfrm>
-            <a:off x="1155600" y="803520"/>
-            <a:ext cx="13931640" cy="1735920"/>
+            <a:off x="812520" y="364680"/>
+            <a:ext cx="14630040" cy="1526400"/>
           </a:xfrm>
           <a:prstGeom prst="rect">
             <a:avLst/>
@@ -4091,10 +3853,8 @@
             <a:spAutoFit/>
           </a:bodyPr>
           <a:p>
-            <a:endParaRPr b="0" lang="en-US" sz="1400" spc="-1" strike="noStrike">
-              <a:solidFill>
-                <a:srgbClr val="000000"/>
-              </a:solidFill>
+            <a:pPr algn="ctr"/>
+            <a:endParaRPr b="0" lang="en-US" sz="4400" spc="-1" strike="noStrike">
               <a:latin typeface="Arial"/>
             </a:endParaRPr>
           </a:p>
@@ -4165,8 +3925,8 @@
         </p:nvSpPr>
         <p:spPr>
           <a:xfrm>
-            <a:off x="1155600" y="803520"/>
-            <a:ext cx="13931640" cy="1735920"/>
+            <a:off x="812520" y="364680"/>
+            <a:ext cx="14630040" cy="1526400"/>
           </a:xfrm>
           <a:prstGeom prst="rect">
             <a:avLst/>
@@ -4177,10 +3937,8 @@
             <a:spAutoFit/>
           </a:bodyPr>
           <a:p>
-            <a:endParaRPr b="0" lang="en-US" sz="1400" spc="-1" strike="noStrike">
-              <a:solidFill>
-                <a:srgbClr val="000000"/>
-              </a:solidFill>
+            <a:pPr algn="ctr"/>
+            <a:endParaRPr b="0" lang="en-US" sz="4400" spc="-1" strike="noStrike">
               <a:latin typeface="Arial"/>
             </a:endParaRPr>
           </a:p>
@@ -4210,10 +3968,7 @@
             <a:normAutofit/>
           </a:bodyPr>
           <a:p>
-            <a:endParaRPr b="0" lang="en-US" sz="4000" spc="-1" strike="noStrike">
-              <a:solidFill>
-                <a:srgbClr val="000000"/>
-              </a:solidFill>
+            <a:endParaRPr b="0" lang="en-US" sz="3200" spc="-1" strike="noStrike">
               <a:latin typeface="Arial"/>
             </a:endParaRPr>
           </a:p>
@@ -4253,8 +4008,8 @@
         </p:nvSpPr>
         <p:spPr>
           <a:xfrm>
-            <a:off x="1155600" y="803520"/>
-            <a:ext cx="13931640" cy="1735920"/>
+            <a:off x="812520" y="364680"/>
+            <a:ext cx="14630040" cy="1526400"/>
           </a:xfrm>
           <a:prstGeom prst="rect">
             <a:avLst/>
@@ -4265,10 +4020,8 @@
             <a:spAutoFit/>
           </a:bodyPr>
           <a:p>
-            <a:endParaRPr b="0" lang="en-US" sz="1400" spc="-1" strike="noStrike">
-              <a:solidFill>
-                <a:srgbClr val="000000"/>
-              </a:solidFill>
+            <a:pPr algn="ctr"/>
+            <a:endParaRPr b="0" lang="en-US" sz="4400" spc="-1" strike="noStrike">
               <a:latin typeface="Arial"/>
             </a:endParaRPr>
           </a:p>
@@ -4298,10 +4051,7 @@
             <a:normAutofit/>
           </a:bodyPr>
           <a:p>
-            <a:endParaRPr b="0" lang="en-US" sz="4000" spc="-1" strike="noStrike">
-              <a:solidFill>
-                <a:srgbClr val="000000"/>
-              </a:solidFill>
+            <a:endParaRPr b="0" lang="en-US" sz="3200" spc="-1" strike="noStrike">
               <a:latin typeface="Arial"/>
             </a:endParaRPr>
           </a:p>
@@ -4331,10 +4081,7 @@
             <a:normAutofit/>
           </a:bodyPr>
           <a:p>
-            <a:endParaRPr b="0" lang="en-US" sz="4000" spc="-1" strike="noStrike">
-              <a:solidFill>
-                <a:srgbClr val="000000"/>
-              </a:solidFill>
+            <a:endParaRPr b="0" lang="en-US" sz="3200" spc="-1" strike="noStrike">
               <a:latin typeface="Arial"/>
             </a:endParaRPr>
           </a:p>
@@ -4374,8 +4121,8 @@
         </p:nvSpPr>
         <p:spPr>
           <a:xfrm>
-            <a:off x="1155600" y="803520"/>
-            <a:ext cx="13931640" cy="1735920"/>
+            <a:off x="812520" y="364680"/>
+            <a:ext cx="14630040" cy="1526400"/>
           </a:xfrm>
           <a:prstGeom prst="rect">
             <a:avLst/>
@@ -4386,10 +4133,8 @@
             <a:spAutoFit/>
           </a:bodyPr>
           <a:p>
-            <a:endParaRPr b="0" lang="en-US" sz="1400" spc="-1" strike="noStrike">
-              <a:solidFill>
-                <a:srgbClr val="000000"/>
-              </a:solidFill>
+            <a:pPr algn="ctr"/>
+            <a:endParaRPr b="0" lang="en-US" sz="4400" spc="-1" strike="noStrike">
               <a:latin typeface="Arial"/>
             </a:endParaRPr>
           </a:p>
@@ -4419,10 +4164,7 @@
             <a:normAutofit/>
           </a:bodyPr>
           <a:p>
-            <a:endParaRPr b="0" lang="en-US" sz="4000" spc="-1" strike="noStrike">
-              <a:solidFill>
-                <a:srgbClr val="000000"/>
-              </a:solidFill>
+            <a:endParaRPr b="0" lang="en-US" sz="3200" spc="-1" strike="noStrike">
               <a:latin typeface="Arial"/>
             </a:endParaRPr>
           </a:p>
@@ -4452,10 +4194,7 @@
             <a:normAutofit/>
           </a:bodyPr>
           <a:p>
-            <a:endParaRPr b="0" lang="en-US" sz="4000" spc="-1" strike="noStrike">
-              <a:solidFill>
-                <a:srgbClr val="000000"/>
-              </a:solidFill>
+            <a:endParaRPr b="0" lang="en-US" sz="3200" spc="-1" strike="noStrike">
               <a:latin typeface="Arial"/>
             </a:endParaRPr>
           </a:p>
@@ -4495,8 +4234,8 @@
         </p:nvSpPr>
         <p:spPr>
           <a:xfrm>
-            <a:off x="1155600" y="803520"/>
-            <a:ext cx="13931640" cy="1735920"/>
+            <a:off x="812520" y="364680"/>
+            <a:ext cx="14630040" cy="1526400"/>
           </a:xfrm>
           <a:prstGeom prst="rect">
             <a:avLst/>
@@ -4507,10 +4246,8 @@
             <a:spAutoFit/>
           </a:bodyPr>
           <a:p>
-            <a:endParaRPr b="0" lang="en-US" sz="1400" spc="-1" strike="noStrike">
-              <a:solidFill>
-                <a:srgbClr val="000000"/>
-              </a:solidFill>
+            <a:pPr algn="ctr"/>
+            <a:endParaRPr b="0" lang="en-US" sz="4400" spc="-1" strike="noStrike">
               <a:latin typeface="Arial"/>
             </a:endParaRPr>
           </a:p>
@@ -4550,8 +4287,8 @@
         </p:nvSpPr>
         <p:spPr>
           <a:xfrm>
-            <a:off x="1155600" y="803520"/>
-            <a:ext cx="13931640" cy="8048160"/>
+            <a:off x="812520" y="364680"/>
+            <a:ext cx="14630040" cy="7076880"/>
           </a:xfrm>
           <a:prstGeom prst="rect">
             <a:avLst/>
@@ -4603,8 +4340,8 @@
         </p:nvSpPr>
         <p:spPr>
           <a:xfrm>
-            <a:off x="1155600" y="803520"/>
-            <a:ext cx="13931640" cy="1735920"/>
+            <a:off x="812520" y="364680"/>
+            <a:ext cx="14630040" cy="1526400"/>
           </a:xfrm>
           <a:prstGeom prst="rect">
             <a:avLst/>
@@ -4615,10 +4352,8 @@
             <a:spAutoFit/>
           </a:bodyPr>
           <a:p>
-            <a:endParaRPr b="0" lang="en-US" sz="1400" spc="-1" strike="noStrike">
-              <a:solidFill>
-                <a:srgbClr val="000000"/>
-              </a:solidFill>
+            <a:pPr algn="ctr"/>
+            <a:endParaRPr b="0" lang="en-US" sz="4400" spc="-1" strike="noStrike">
               <a:latin typeface="Arial"/>
             </a:endParaRPr>
           </a:p>
@@ -4648,10 +4383,7 @@
             <a:normAutofit/>
           </a:bodyPr>
           <a:p>
-            <a:endParaRPr b="0" lang="en-US" sz="4000" spc="-1" strike="noStrike">
-              <a:solidFill>
-                <a:srgbClr val="000000"/>
-              </a:solidFill>
+            <a:endParaRPr b="0" lang="en-US" sz="3200" spc="-1" strike="noStrike">
               <a:latin typeface="Arial"/>
             </a:endParaRPr>
           </a:p>
@@ -4681,10 +4413,7 @@
             <a:normAutofit/>
           </a:bodyPr>
           <a:p>
-            <a:endParaRPr b="0" lang="en-US" sz="4000" spc="-1" strike="noStrike">
-              <a:solidFill>
-                <a:srgbClr val="000000"/>
-              </a:solidFill>
+            <a:endParaRPr b="0" lang="en-US" sz="3200" spc="-1" strike="noStrike">
               <a:latin typeface="Arial"/>
             </a:endParaRPr>
           </a:p>
@@ -4714,10 +4443,7 @@
             <a:normAutofit/>
           </a:bodyPr>
           <a:p>
-            <a:endParaRPr b="0" lang="en-US" sz="4000" spc="-1" strike="noStrike">
-              <a:solidFill>
-                <a:srgbClr val="000000"/>
-              </a:solidFill>
+            <a:endParaRPr b="0" lang="en-US" sz="3200" spc="-1" strike="noStrike">
               <a:latin typeface="Arial"/>
             </a:endParaRPr>
           </a:p>
@@ -4757,8 +4483,8 @@
         </p:nvSpPr>
         <p:spPr>
           <a:xfrm>
-            <a:off x="1155600" y="803520"/>
-            <a:ext cx="13931640" cy="1735920"/>
+            <a:off x="812520" y="364680"/>
+            <a:ext cx="14630040" cy="1526400"/>
           </a:xfrm>
           <a:prstGeom prst="rect">
             <a:avLst/>
@@ -4769,10 +4495,8 @@
             <a:spAutoFit/>
           </a:bodyPr>
           <a:p>
-            <a:endParaRPr b="0" lang="en-US" sz="1400" spc="-1" strike="noStrike">
-              <a:solidFill>
-                <a:srgbClr val="000000"/>
-              </a:solidFill>
+            <a:pPr algn="ctr"/>
+            <a:endParaRPr b="0" lang="en-US" sz="4400" spc="-1" strike="noStrike">
               <a:latin typeface="Arial"/>
             </a:endParaRPr>
           </a:p>
@@ -4802,10 +4526,7 @@
             <a:normAutofit/>
           </a:bodyPr>
           <a:p>
-            <a:endParaRPr b="0" lang="en-US" sz="4000" spc="-1" strike="noStrike">
-              <a:solidFill>
-                <a:srgbClr val="000000"/>
-              </a:solidFill>
+            <a:endParaRPr b="0" lang="en-US" sz="3200" spc="-1" strike="noStrike">
               <a:latin typeface="Arial"/>
             </a:endParaRPr>
           </a:p>
@@ -4835,10 +4556,7 @@
             <a:normAutofit/>
           </a:bodyPr>
           <a:p>
-            <a:endParaRPr b="0" lang="en-US" sz="4000" spc="-1" strike="noStrike">
-              <a:solidFill>
-                <a:srgbClr val="000000"/>
-              </a:solidFill>
+            <a:endParaRPr b="0" lang="en-US" sz="3200" spc="-1" strike="noStrike">
               <a:latin typeface="Arial"/>
             </a:endParaRPr>
           </a:p>
@@ -4868,10 +4586,7 @@
             <a:normAutofit/>
           </a:bodyPr>
           <a:p>
-            <a:endParaRPr b="0" lang="en-US" sz="4000" spc="-1" strike="noStrike">
-              <a:solidFill>
-                <a:srgbClr val="000000"/>
-              </a:solidFill>
+            <a:endParaRPr b="0" lang="en-US" sz="3200" spc="-1" strike="noStrike">
               <a:latin typeface="Arial"/>
             </a:endParaRPr>
           </a:p>
@@ -4911,8 +4626,8 @@
         </p:nvSpPr>
         <p:spPr>
           <a:xfrm>
-            <a:off x="1155600" y="803520"/>
-            <a:ext cx="13931640" cy="1735920"/>
+            <a:off x="812520" y="364680"/>
+            <a:ext cx="14630040" cy="1526400"/>
           </a:xfrm>
           <a:prstGeom prst="rect">
             <a:avLst/>
@@ -4923,10 +4638,8 @@
             <a:spAutoFit/>
           </a:bodyPr>
           <a:p>
-            <a:endParaRPr b="0" lang="en-US" sz="1400" spc="-1" strike="noStrike">
-              <a:solidFill>
-                <a:srgbClr val="000000"/>
-              </a:solidFill>
+            <a:pPr algn="ctr"/>
+            <a:endParaRPr b="0" lang="en-US" sz="4400" spc="-1" strike="noStrike">
               <a:latin typeface="Arial"/>
             </a:endParaRPr>
           </a:p>
@@ -4956,10 +4669,7 @@
             <a:normAutofit/>
           </a:bodyPr>
           <a:p>
-            <a:endParaRPr b="0" lang="en-US" sz="4000" spc="-1" strike="noStrike">
-              <a:solidFill>
-                <a:srgbClr val="000000"/>
-              </a:solidFill>
+            <a:endParaRPr b="0" lang="en-US" sz="3200" spc="-1" strike="noStrike">
               <a:latin typeface="Arial"/>
             </a:endParaRPr>
           </a:p>
@@ -4989,10 +4699,7 @@
             <a:normAutofit/>
           </a:bodyPr>
           <a:p>
-            <a:endParaRPr b="0" lang="en-US" sz="4000" spc="-1" strike="noStrike">
-              <a:solidFill>
-                <a:srgbClr val="000000"/>
-              </a:solidFill>
+            <a:endParaRPr b="0" lang="en-US" sz="3200" spc="-1" strike="noStrike">
               <a:latin typeface="Arial"/>
             </a:endParaRPr>
           </a:p>
@@ -5022,10 +4729,7 @@
             <a:normAutofit/>
           </a:bodyPr>
           <a:p>
-            <a:endParaRPr b="0" lang="en-US" sz="4000" spc="-1" strike="noStrike">
-              <a:solidFill>
-                <a:srgbClr val="000000"/>
-              </a:solidFill>
+            <a:endParaRPr b="0" lang="en-US" sz="3200" spc="-1" strike="noStrike">
               <a:latin typeface="Arial"/>
             </a:endParaRPr>
           </a:p>
@@ -5065,8 +4769,8 @@
         </p:nvSpPr>
         <p:spPr>
           <a:xfrm>
-            <a:off x="1155600" y="803520"/>
-            <a:ext cx="13931640" cy="1735920"/>
+            <a:off x="812520" y="364680"/>
+            <a:ext cx="14630040" cy="1526400"/>
           </a:xfrm>
           <a:prstGeom prst="rect">
             <a:avLst/>
@@ -5077,10 +4781,8 @@
             <a:spAutoFit/>
           </a:bodyPr>
           <a:p>
-            <a:endParaRPr b="0" lang="en-US" sz="1400" spc="-1" strike="noStrike">
-              <a:solidFill>
-                <a:srgbClr val="000000"/>
-              </a:solidFill>
+            <a:pPr algn="ctr"/>
+            <a:endParaRPr b="0" lang="en-US" sz="4400" spc="-1" strike="noStrike">
               <a:latin typeface="Arial"/>
             </a:endParaRPr>
           </a:p>
@@ -5110,10 +4812,7 @@
             <a:normAutofit/>
           </a:bodyPr>
           <a:p>
-            <a:endParaRPr b="0" lang="en-US" sz="4000" spc="-1" strike="noStrike">
-              <a:solidFill>
-                <a:srgbClr val="000000"/>
-              </a:solidFill>
+            <a:endParaRPr b="0" lang="en-US" sz="3200" spc="-1" strike="noStrike">
               <a:latin typeface="Arial"/>
             </a:endParaRPr>
           </a:p>
@@ -5143,10 +4842,7 @@
             <a:normAutofit/>
           </a:bodyPr>
           <a:p>
-            <a:endParaRPr b="0" lang="en-US" sz="4000" spc="-1" strike="noStrike">
-              <a:solidFill>
-                <a:srgbClr val="000000"/>
-              </a:solidFill>
+            <a:endParaRPr b="0" lang="en-US" sz="3200" spc="-1" strike="noStrike">
               <a:latin typeface="Arial"/>
             </a:endParaRPr>
           </a:p>
@@ -5186,8 +4882,8 @@
         </p:nvSpPr>
         <p:spPr>
           <a:xfrm>
-            <a:off x="1155600" y="803520"/>
-            <a:ext cx="13931640" cy="1735920"/>
+            <a:off x="812520" y="364680"/>
+            <a:ext cx="14630040" cy="1526400"/>
           </a:xfrm>
           <a:prstGeom prst="rect">
             <a:avLst/>
@@ -5198,10 +4894,8 @@
             <a:spAutoFit/>
           </a:bodyPr>
           <a:p>
-            <a:endParaRPr b="0" lang="en-US" sz="1400" spc="-1" strike="noStrike">
-              <a:solidFill>
-                <a:srgbClr val="000000"/>
-              </a:solidFill>
+            <a:pPr algn="ctr"/>
+            <a:endParaRPr b="0" lang="en-US" sz="4400" spc="-1" strike="noStrike">
               <a:latin typeface="Arial"/>
             </a:endParaRPr>
           </a:p>
@@ -5231,10 +4925,7 @@
             <a:normAutofit/>
           </a:bodyPr>
           <a:p>
-            <a:endParaRPr b="0" lang="en-US" sz="4000" spc="-1" strike="noStrike">
-              <a:solidFill>
-                <a:srgbClr val="000000"/>
-              </a:solidFill>
+            <a:endParaRPr b="0" lang="en-US" sz="3200" spc="-1" strike="noStrike">
               <a:latin typeface="Arial"/>
             </a:endParaRPr>
           </a:p>
@@ -5264,10 +4955,7 @@
             <a:normAutofit/>
           </a:bodyPr>
           <a:p>
-            <a:endParaRPr b="0" lang="en-US" sz="4000" spc="-1" strike="noStrike">
-              <a:solidFill>
-                <a:srgbClr val="000000"/>
-              </a:solidFill>
+            <a:endParaRPr b="0" lang="en-US" sz="3200" spc="-1" strike="noStrike">
               <a:latin typeface="Arial"/>
             </a:endParaRPr>
           </a:p>
@@ -5297,10 +4985,7 @@
             <a:normAutofit/>
           </a:bodyPr>
           <a:p>
-            <a:endParaRPr b="0" lang="en-US" sz="4000" spc="-1" strike="noStrike">
-              <a:solidFill>
-                <a:srgbClr val="000000"/>
-              </a:solidFill>
+            <a:endParaRPr b="0" lang="en-US" sz="3200" spc="-1" strike="noStrike">
               <a:latin typeface="Arial"/>
             </a:endParaRPr>
           </a:p>
@@ -5330,10 +5015,7 @@
             <a:normAutofit/>
           </a:bodyPr>
           <a:p>
-            <a:endParaRPr b="0" lang="en-US" sz="4000" spc="-1" strike="noStrike">
-              <a:solidFill>
-                <a:srgbClr val="000000"/>
-              </a:solidFill>
+            <a:endParaRPr b="0" lang="en-US" sz="3200" spc="-1" strike="noStrike">
               <a:latin typeface="Arial"/>
             </a:endParaRPr>
           </a:p>
@@ -5373,8 +5055,8 @@
         </p:nvSpPr>
         <p:spPr>
           <a:xfrm>
-            <a:off x="1155600" y="803520"/>
-            <a:ext cx="13931640" cy="1735920"/>
+            <a:off x="812520" y="364680"/>
+            <a:ext cx="14630040" cy="1526400"/>
           </a:xfrm>
           <a:prstGeom prst="rect">
             <a:avLst/>
@@ -5385,10 +5067,8 @@
             <a:spAutoFit/>
           </a:bodyPr>
           <a:p>
-            <a:endParaRPr b="0" lang="en-US" sz="1400" spc="-1" strike="noStrike">
-              <a:solidFill>
-                <a:srgbClr val="000000"/>
-              </a:solidFill>
+            <a:pPr algn="ctr"/>
+            <a:endParaRPr b="0" lang="en-US" sz="4400" spc="-1" strike="noStrike">
               <a:latin typeface="Arial"/>
             </a:endParaRPr>
           </a:p>
@@ -5418,10 +5098,7 @@
             <a:normAutofit/>
           </a:bodyPr>
           <a:p>
-            <a:endParaRPr b="0" lang="en-US" sz="4000" spc="-1" strike="noStrike">
-              <a:solidFill>
-                <a:srgbClr val="000000"/>
-              </a:solidFill>
+            <a:endParaRPr b="0" lang="en-US" sz="3200" spc="-1" strike="noStrike">
               <a:latin typeface="Arial"/>
             </a:endParaRPr>
           </a:p>
@@ -5451,10 +5128,7 @@
             <a:normAutofit/>
           </a:bodyPr>
           <a:p>
-            <a:endParaRPr b="0" lang="en-US" sz="4000" spc="-1" strike="noStrike">
-              <a:solidFill>
-                <a:srgbClr val="000000"/>
-              </a:solidFill>
+            <a:endParaRPr b="0" lang="en-US" sz="3200" spc="-1" strike="noStrike">
               <a:latin typeface="Arial"/>
             </a:endParaRPr>
           </a:p>
@@ -5484,10 +5158,7 @@
             <a:normAutofit/>
           </a:bodyPr>
           <a:p>
-            <a:endParaRPr b="0" lang="en-US" sz="4000" spc="-1" strike="noStrike">
-              <a:solidFill>
-                <a:srgbClr val="000000"/>
-              </a:solidFill>
+            <a:endParaRPr b="0" lang="en-US" sz="3200" spc="-1" strike="noStrike">
               <a:latin typeface="Arial"/>
             </a:endParaRPr>
           </a:p>
@@ -5517,10 +5188,7 @@
             <a:normAutofit/>
           </a:bodyPr>
           <a:p>
-            <a:endParaRPr b="0" lang="en-US" sz="4000" spc="-1" strike="noStrike">
-              <a:solidFill>
-                <a:srgbClr val="000000"/>
-              </a:solidFill>
+            <a:endParaRPr b="0" lang="en-US" sz="3200" spc="-1" strike="noStrike">
               <a:latin typeface="Arial"/>
             </a:endParaRPr>
           </a:p>
@@ -5550,10 +5218,7 @@
             <a:normAutofit/>
           </a:bodyPr>
           <a:p>
-            <a:endParaRPr b="0" lang="en-US" sz="4000" spc="-1" strike="noStrike">
-              <a:solidFill>
-                <a:srgbClr val="000000"/>
-              </a:solidFill>
+            <a:endParaRPr b="0" lang="en-US" sz="3200" spc="-1" strike="noStrike">
               <a:latin typeface="Arial"/>
             </a:endParaRPr>
           </a:p>
@@ -5583,10 +5248,7 @@
             <a:normAutofit/>
           </a:bodyPr>
           <a:p>
-            <a:endParaRPr b="0" lang="en-US" sz="4000" spc="-1" strike="noStrike">
-              <a:solidFill>
-                <a:srgbClr val="000000"/>
-              </a:solidFill>
+            <a:endParaRPr b="0" lang="en-US" sz="3200" spc="-1" strike="noStrike">
               <a:latin typeface="Arial"/>
             </a:endParaRPr>
           </a:p>
@@ -5626,8 +5288,8 @@
         </p:nvSpPr>
         <p:spPr>
           <a:xfrm>
-            <a:off x="1155600" y="803520"/>
-            <a:ext cx="13931640" cy="1735920"/>
+            <a:off x="812520" y="364680"/>
+            <a:ext cx="14630040" cy="1526400"/>
           </a:xfrm>
           <a:prstGeom prst="rect">
             <a:avLst/>
@@ -5638,10 +5300,8 @@
             <a:spAutoFit/>
           </a:bodyPr>
           <a:p>
-            <a:endParaRPr b="0" lang="en-US" sz="1400" spc="-1" strike="noStrike">
-              <a:solidFill>
-                <a:srgbClr val="000000"/>
-              </a:solidFill>
+            <a:pPr algn="ctr"/>
+            <a:endParaRPr b="0" lang="en-US" sz="4400" spc="-1" strike="noStrike">
               <a:latin typeface="Arial"/>
             </a:endParaRPr>
           </a:p>
@@ -5681,8 +5341,8 @@
         </p:nvSpPr>
         <p:spPr>
           <a:xfrm>
-            <a:off x="1155600" y="803520"/>
-            <a:ext cx="13931640" cy="8048160"/>
+            <a:off x="812520" y="364680"/>
+            <a:ext cx="14630040" cy="7076880"/>
           </a:xfrm>
           <a:prstGeom prst="rect">
             <a:avLst/>
@@ -5734,8 +5394,8 @@
         </p:nvSpPr>
         <p:spPr>
           <a:xfrm>
-            <a:off x="1155600" y="803520"/>
-            <a:ext cx="13931640" cy="1735920"/>
+            <a:off x="812520" y="364680"/>
+            <a:ext cx="14630040" cy="1526400"/>
           </a:xfrm>
           <a:prstGeom prst="rect">
             <a:avLst/>
@@ -5746,10 +5406,8 @@
             <a:spAutoFit/>
           </a:bodyPr>
           <a:p>
-            <a:endParaRPr b="0" lang="en-US" sz="1400" spc="-1" strike="noStrike">
-              <a:solidFill>
-                <a:srgbClr val="000000"/>
-              </a:solidFill>
+            <a:pPr algn="ctr"/>
+            <a:endParaRPr b="0" lang="en-US" sz="4400" spc="-1" strike="noStrike">
               <a:latin typeface="Arial"/>
             </a:endParaRPr>
           </a:p>
@@ -5779,10 +5437,7 @@
             <a:normAutofit/>
           </a:bodyPr>
           <a:p>
-            <a:endParaRPr b="0" lang="en-US" sz="4000" spc="-1" strike="noStrike">
-              <a:solidFill>
-                <a:srgbClr val="000000"/>
-              </a:solidFill>
+            <a:endParaRPr b="0" lang="en-US" sz="3200" spc="-1" strike="noStrike">
               <a:latin typeface="Arial"/>
             </a:endParaRPr>
           </a:p>
@@ -5812,10 +5467,7 @@
             <a:normAutofit/>
           </a:bodyPr>
           <a:p>
-            <a:endParaRPr b="0" lang="en-US" sz="4000" spc="-1" strike="noStrike">
-              <a:solidFill>
-                <a:srgbClr val="000000"/>
-              </a:solidFill>
+            <a:endParaRPr b="0" lang="en-US" sz="3200" spc="-1" strike="noStrike">
               <a:latin typeface="Arial"/>
             </a:endParaRPr>
           </a:p>
@@ -5845,10 +5497,7 @@
             <a:normAutofit/>
           </a:bodyPr>
           <a:p>
-            <a:endParaRPr b="0" lang="en-US" sz="4000" spc="-1" strike="noStrike">
-              <a:solidFill>
-                <a:srgbClr val="000000"/>
-              </a:solidFill>
+            <a:endParaRPr b="0" lang="en-US" sz="3200" spc="-1" strike="noStrike">
               <a:latin typeface="Arial"/>
             </a:endParaRPr>
           </a:p>
@@ -5888,8 +5537,8 @@
         </p:nvSpPr>
         <p:spPr>
           <a:xfrm>
-            <a:off x="1155600" y="803520"/>
-            <a:ext cx="13931640" cy="1735920"/>
+            <a:off x="812520" y="364680"/>
+            <a:ext cx="14630040" cy="1526400"/>
           </a:xfrm>
           <a:prstGeom prst="rect">
             <a:avLst/>
@@ -5900,10 +5549,8 @@
             <a:spAutoFit/>
           </a:bodyPr>
           <a:p>
-            <a:endParaRPr b="0" lang="en-US" sz="1400" spc="-1" strike="noStrike">
-              <a:solidFill>
-                <a:srgbClr val="000000"/>
-              </a:solidFill>
+            <a:pPr algn="ctr"/>
+            <a:endParaRPr b="0" lang="en-US" sz="4400" spc="-1" strike="noStrike">
               <a:latin typeface="Arial"/>
             </a:endParaRPr>
           </a:p>
@@ -5933,10 +5580,7 @@
             <a:normAutofit/>
           </a:bodyPr>
           <a:p>
-            <a:endParaRPr b="0" lang="en-US" sz="4000" spc="-1" strike="noStrike">
-              <a:solidFill>
-                <a:srgbClr val="000000"/>
-              </a:solidFill>
+            <a:endParaRPr b="0" lang="en-US" sz="3200" spc="-1" strike="noStrike">
               <a:latin typeface="Arial"/>
             </a:endParaRPr>
           </a:p>
@@ -5966,10 +5610,7 @@
             <a:normAutofit/>
           </a:bodyPr>
           <a:p>
-            <a:endParaRPr b="0" lang="en-US" sz="4000" spc="-1" strike="noStrike">
-              <a:solidFill>
-                <a:srgbClr val="000000"/>
-              </a:solidFill>
+            <a:endParaRPr b="0" lang="en-US" sz="3200" spc="-1" strike="noStrike">
               <a:latin typeface="Arial"/>
             </a:endParaRPr>
           </a:p>
@@ -5999,10 +5640,7 @@
             <a:normAutofit/>
           </a:bodyPr>
           <a:p>
-            <a:endParaRPr b="0" lang="en-US" sz="4000" spc="-1" strike="noStrike">
-              <a:solidFill>
-                <a:srgbClr val="000000"/>
-              </a:solidFill>
+            <a:endParaRPr b="0" lang="en-US" sz="3200" spc="-1" strike="noStrike">
               <a:latin typeface="Arial"/>
             </a:endParaRPr>
           </a:p>
@@ -6042,8 +5680,8 @@
         </p:nvSpPr>
         <p:spPr>
           <a:xfrm>
-            <a:off x="1155600" y="803520"/>
-            <a:ext cx="13931640" cy="1735920"/>
+            <a:off x="812520" y="364680"/>
+            <a:ext cx="14630040" cy="1526400"/>
           </a:xfrm>
           <a:prstGeom prst="rect">
             <a:avLst/>
@@ -6054,10 +5692,8 @@
             <a:spAutoFit/>
           </a:bodyPr>
           <a:p>
-            <a:endParaRPr b="0" lang="en-US" sz="1400" spc="-1" strike="noStrike">
-              <a:solidFill>
-                <a:srgbClr val="000000"/>
-              </a:solidFill>
+            <a:pPr algn="ctr"/>
+            <a:endParaRPr b="0" lang="en-US" sz="4400" spc="-1" strike="noStrike">
               <a:latin typeface="Arial"/>
             </a:endParaRPr>
           </a:p>
@@ -6087,10 +5723,7 @@
             <a:normAutofit/>
           </a:bodyPr>
           <a:p>
-            <a:endParaRPr b="0" lang="en-US" sz="4000" spc="-1" strike="noStrike">
-              <a:solidFill>
-                <a:srgbClr val="000000"/>
-              </a:solidFill>
+            <a:endParaRPr b="0" lang="en-US" sz="3200" spc="-1" strike="noStrike">
               <a:latin typeface="Arial"/>
             </a:endParaRPr>
           </a:p>
@@ -6120,10 +5753,7 @@
             <a:normAutofit/>
           </a:bodyPr>
           <a:p>
-            <a:endParaRPr b="0" lang="en-US" sz="4000" spc="-1" strike="noStrike">
-              <a:solidFill>
-                <a:srgbClr val="000000"/>
-              </a:solidFill>
+            <a:endParaRPr b="0" lang="en-US" sz="3200" spc="-1" strike="noStrike">
               <a:latin typeface="Arial"/>
             </a:endParaRPr>
           </a:p>
@@ -6153,10 +5783,7 @@
             <a:normAutofit/>
           </a:bodyPr>
           <a:p>
-            <a:endParaRPr b="0" lang="en-US" sz="4000" spc="-1" strike="noStrike">
-              <a:solidFill>
-                <a:srgbClr val="000000"/>
-              </a:solidFill>
+            <a:endParaRPr b="0" lang="en-US" sz="3200" spc="-1" strike="noStrike">
               <a:latin typeface="Arial"/>
             </a:endParaRPr>
           </a:p>
@@ -6200,7 +5827,7 @@
         <p:spPr>
           <a:xfrm>
             <a:off x="0" y="0"/>
-            <a:ext cx="16255800" cy="767880"/>
+            <a:ext cx="16255440" cy="767520"/>
           </a:xfrm>
           <a:prstGeom prst="rect">
             <a:avLst/>
@@ -6228,7 +5855,7 @@
         <p:spPr>
           <a:xfrm>
             <a:off x="0" y="8357760"/>
-            <a:ext cx="16255800" cy="785880"/>
+            <a:ext cx="16255440" cy="785520"/>
           </a:xfrm>
           <a:prstGeom prst="rect">
             <a:avLst/>
@@ -6259,94 +5886,26 @@
         </p:nvSpPr>
         <p:spPr>
           <a:xfrm>
-            <a:off x="1155600" y="1536840"/>
-            <a:ext cx="13931640" cy="3085560"/>
-          </a:xfrm>
-          <a:prstGeom prst="rect">
-            <a:avLst/>
-          </a:prstGeom>
-        </p:spPr>
-        <p:txBody>
-          <a:bodyPr tIns="91440" bIns="91440" anchor="b">
+            <a:off x="812520" y="364680"/>
+            <a:ext cx="14630040" cy="1526400"/>
+          </a:xfrm>
+          <a:prstGeom prst="rect">
+            <a:avLst/>
+          </a:prstGeom>
+        </p:spPr>
+        <p:txBody>
+          <a:bodyPr lIns="0" rIns="0" tIns="0" bIns="0" anchor="ctr">
             <a:noAutofit/>
           </a:bodyPr>
           <a:p>
-            <a:r>
-              <a:rPr b="0" lang="en-US" sz="7200" spc="-1" strike="noStrike">
-                <a:solidFill>
-                  <a:srgbClr val="000000"/>
-                </a:solidFill>
-                <a:latin typeface="Arial"/>
-              </a:rPr>
-              <a:t>Clic</a:t>
-            </a:r>
-            <a:r>
-              <a:rPr b="0" lang="en-US" sz="7200" spc="-1" strike="noStrike">
-                <a:solidFill>
-                  <a:srgbClr val="000000"/>
-                </a:solidFill>
-                <a:latin typeface="Arial"/>
-              </a:rPr>
-              <a:t>k to </a:t>
-            </a:r>
-            <a:r>
-              <a:rPr b="0" lang="en-US" sz="7200" spc="-1" strike="noStrike">
-                <a:solidFill>
-                  <a:srgbClr val="000000"/>
-                </a:solidFill>
-                <a:latin typeface="Arial"/>
-              </a:rPr>
-              <a:t>edit </a:t>
-            </a:r>
-            <a:r>
-              <a:rPr b="0" lang="en-US" sz="7200" spc="-1" strike="noStrike">
-                <a:solidFill>
-                  <a:srgbClr val="000000"/>
-                </a:solidFill>
-                <a:latin typeface="Arial"/>
-              </a:rPr>
-              <a:t>the </a:t>
-            </a:r>
-            <a:r>
-              <a:rPr b="0" lang="en-US" sz="7200" spc="-1" strike="noStrike">
-                <a:solidFill>
-                  <a:srgbClr val="000000"/>
-                </a:solidFill>
-                <a:latin typeface="Arial"/>
-              </a:rPr>
-              <a:t>title </a:t>
-            </a:r>
-            <a:r>
-              <a:rPr b="0" lang="en-US" sz="7200" spc="-1" strike="noStrike">
-                <a:solidFill>
-                  <a:srgbClr val="000000"/>
-                </a:solidFill>
-                <a:latin typeface="Arial"/>
-              </a:rPr>
-              <a:t>text </a:t>
-            </a:r>
-            <a:r>
-              <a:rPr b="0" lang="en-US" sz="7200" spc="-1" strike="noStrike">
-                <a:solidFill>
-                  <a:srgbClr val="000000"/>
-                </a:solidFill>
-                <a:latin typeface="Arial"/>
-              </a:rPr>
-              <a:t>for</a:t>
-            </a:r>
-            <a:r>
-              <a:rPr b="0" lang="en-US" sz="7200" spc="-1" strike="noStrike">
-                <a:solidFill>
-                  <a:srgbClr val="000000"/>
-                </a:solidFill>
-                <a:latin typeface="Arial"/>
-              </a:rPr>
-              <a:t>mat</a:t>
-            </a:r>
-            <a:endParaRPr b="0" lang="en-US" sz="7200" spc="-1" strike="noStrike">
-              <a:solidFill>
-                <a:srgbClr val="000000"/>
-              </a:solidFill>
+            <a:pPr algn="ctr"/>
+            <a:r>
+              <a:rPr b="0" lang="en-US" sz="4400" spc="-1" strike="noStrike">
+                <a:latin typeface="Arial"/>
+              </a:rPr>
+              <a:t>Click to edit the title text format</a:t>
+            </a:r>
+            <a:endParaRPr b="0" lang="en-US" sz="4400" spc="-1" strike="noStrike">
               <a:latin typeface="Arial"/>
             </a:endParaRPr>
           </a:p>
@@ -6364,16 +5923,16 @@
         </p:nvSpPr>
         <p:spPr>
           <a:xfrm>
-            <a:off x="1155600" y="4711680"/>
-            <a:ext cx="13931640" cy="1053720"/>
-          </a:xfrm>
-          <a:prstGeom prst="rect">
-            <a:avLst/>
-          </a:prstGeom>
-        </p:spPr>
-        <p:txBody>
-          <a:bodyPr tIns="91440" bIns="91440">
-            <a:noAutofit/>
+            <a:off x="812520" y="2139480"/>
+            <a:ext cx="14630040" cy="5302800"/>
+          </a:xfrm>
+          <a:prstGeom prst="rect">
+            <a:avLst/>
+          </a:prstGeom>
+        </p:spPr>
+        <p:txBody>
+          <a:bodyPr lIns="0" rIns="0" tIns="0" bIns="0">
+            <a:normAutofit/>
           </a:bodyPr>
           <a:p>
             <a:pPr marL="432000" indent="-324000">
@@ -6388,18 +5947,12 @@
               <a:buChar char=""/>
             </a:pPr>
             <a:r>
-              <a:rPr b="0" lang="en-US" sz="4000" spc="-1" strike="noStrike">
-                <a:solidFill>
-                  <a:srgbClr val="000000"/>
-                </a:solidFill>
+              <a:rPr b="0" lang="en-US" sz="3200" spc="-1" strike="noStrike">
                 <a:latin typeface="Arial"/>
               </a:rPr>
               <a:t>Click to edit the outline text format</a:t>
             </a:r>
-            <a:endParaRPr b="0" lang="en-US" sz="4000" spc="-1" strike="noStrike">
-              <a:solidFill>
-                <a:srgbClr val="000000"/>
-              </a:solidFill>
+            <a:endParaRPr b="0" lang="en-US" sz="3200" spc="-1" strike="noStrike">
               <a:latin typeface="Arial"/>
             </a:endParaRPr>
           </a:p>
@@ -6416,18 +5969,12 @@
               <a:buChar char=""/>
             </a:pPr>
             <a:r>
-              <a:rPr b="0" lang="en-US" sz="4000" spc="-1" strike="noStrike">
-                <a:solidFill>
-                  <a:srgbClr val="000000"/>
-                </a:solidFill>
+              <a:rPr b="0" lang="en-US" sz="2800" spc="-1" strike="noStrike">
                 <a:latin typeface="Arial"/>
               </a:rPr>
               <a:t>Second Outline Level</a:t>
             </a:r>
-            <a:endParaRPr b="0" lang="en-US" sz="4000" spc="-1" strike="noStrike">
-              <a:solidFill>
-                <a:srgbClr val="000000"/>
-              </a:solidFill>
+            <a:endParaRPr b="0" lang="en-US" sz="2800" spc="-1" strike="noStrike">
               <a:latin typeface="Arial"/>
             </a:endParaRPr>
           </a:p>
@@ -6444,18 +5991,12 @@
               <a:buChar char=""/>
             </a:pPr>
             <a:r>
-              <a:rPr b="0" lang="en-US" sz="4000" spc="-1" strike="noStrike">
-                <a:solidFill>
-                  <a:srgbClr val="000000"/>
-                </a:solidFill>
+              <a:rPr b="0" lang="en-US" sz="2400" spc="-1" strike="noStrike">
                 <a:latin typeface="Arial"/>
               </a:rPr>
               <a:t>Third Outline Level</a:t>
             </a:r>
-            <a:endParaRPr b="0" lang="en-US" sz="4000" spc="-1" strike="noStrike">
-              <a:solidFill>
-                <a:srgbClr val="000000"/>
-              </a:solidFill>
+            <a:endParaRPr b="0" lang="en-US" sz="2400" spc="-1" strike="noStrike">
               <a:latin typeface="Arial"/>
             </a:endParaRPr>
           </a:p>
@@ -6472,18 +6013,12 @@
               <a:buChar char=""/>
             </a:pPr>
             <a:r>
-              <a:rPr b="0" lang="en-US" sz="4000" spc="-1" strike="noStrike">
-                <a:solidFill>
-                  <a:srgbClr val="000000"/>
-                </a:solidFill>
+              <a:rPr b="0" lang="en-US" sz="2000" spc="-1" strike="noStrike">
                 <a:latin typeface="Arial"/>
               </a:rPr>
               <a:t>Fourth Outline Level</a:t>
             </a:r>
-            <a:endParaRPr b="0" lang="en-US" sz="4000" spc="-1" strike="noStrike">
-              <a:solidFill>
-                <a:srgbClr val="000000"/>
-              </a:solidFill>
+            <a:endParaRPr b="0" lang="en-US" sz="2000" spc="-1" strike="noStrike">
               <a:latin typeface="Arial"/>
             </a:endParaRPr>
           </a:p>
@@ -6500,18 +6035,12 @@
               <a:buChar char=""/>
             </a:pPr>
             <a:r>
-              <a:rPr b="0" lang="en-US" sz="4000" spc="-1" strike="noStrike">
-                <a:solidFill>
-                  <a:srgbClr val="000000"/>
-                </a:solidFill>
+              <a:rPr b="0" lang="en-US" sz="2000" spc="-1" strike="noStrike">
                 <a:latin typeface="Arial"/>
               </a:rPr>
               <a:t>Fifth Outline Level</a:t>
             </a:r>
-            <a:endParaRPr b="0" lang="en-US" sz="4000" spc="-1" strike="noStrike">
-              <a:solidFill>
-                <a:srgbClr val="000000"/>
-              </a:solidFill>
+            <a:endParaRPr b="0" lang="en-US" sz="2000" spc="-1" strike="noStrike">
               <a:latin typeface="Arial"/>
             </a:endParaRPr>
           </a:p>
@@ -6528,18 +6057,12 @@
               <a:buChar char=""/>
             </a:pPr>
             <a:r>
-              <a:rPr b="0" lang="en-US" sz="4000" spc="-1" strike="noStrike">
-                <a:solidFill>
-                  <a:srgbClr val="000000"/>
-                </a:solidFill>
+              <a:rPr b="0" lang="en-US" sz="2000" spc="-1" strike="noStrike">
                 <a:latin typeface="Arial"/>
               </a:rPr>
               <a:t>Sixth Outline Level</a:t>
             </a:r>
-            <a:endParaRPr b="0" lang="en-US" sz="4000" spc="-1" strike="noStrike">
-              <a:solidFill>
-                <a:srgbClr val="000000"/>
-              </a:solidFill>
+            <a:endParaRPr b="0" lang="en-US" sz="2000" spc="-1" strike="noStrike">
               <a:latin typeface="Arial"/>
             </a:endParaRPr>
           </a:p>
@@ -6556,18 +6079,12 @@
               <a:buChar char=""/>
             </a:pPr>
             <a:r>
-              <a:rPr b="0" lang="en-US" sz="4000" spc="-1" strike="noStrike">
-                <a:solidFill>
-                  <a:srgbClr val="000000"/>
-                </a:solidFill>
+              <a:rPr b="0" lang="en-US" sz="2000" spc="-1" strike="noStrike">
                 <a:latin typeface="Arial"/>
               </a:rPr>
               <a:t>Seventh Outline Level</a:t>
             </a:r>
-            <a:endParaRPr b="0" lang="en-US" sz="4000" spc="-1" strike="noStrike">
-              <a:solidFill>
-                <a:srgbClr val="000000"/>
-              </a:solidFill>
+            <a:endParaRPr b="0" lang="en-US" sz="2000" spc="-1" strike="noStrike">
               <a:latin typeface="Arial"/>
             </a:endParaRPr>
           </a:p>
@@ -6626,7 +6143,7 @@
         <p:spPr>
           <a:xfrm>
             <a:off x="0" y="0"/>
-            <a:ext cx="16255800" cy="767880"/>
+            <a:ext cx="16255440" cy="767520"/>
           </a:xfrm>
           <a:prstGeom prst="rect">
             <a:avLst/>
@@ -6654,7 +6171,7 @@
         <p:spPr>
           <a:xfrm>
             <a:off x="0" y="8357760"/>
-            <a:ext cx="16255800" cy="785880"/>
+            <a:ext cx="16255440" cy="785520"/>
           </a:xfrm>
           <a:prstGeom prst="rect">
             <a:avLst/>
@@ -6685,31 +6202,26 @@
         </p:nvSpPr>
         <p:spPr>
           <a:xfrm>
-            <a:off x="1155600" y="803520"/>
-            <a:ext cx="13931640" cy="1735920"/>
-          </a:xfrm>
-          <a:prstGeom prst="rect">
-            <a:avLst/>
-          </a:prstGeom>
-        </p:spPr>
-        <p:txBody>
-          <a:bodyPr tIns="91440" bIns="91440" anchor="ctr">
+            <a:off x="812520" y="364680"/>
+            <a:ext cx="14630040" cy="1526400"/>
+          </a:xfrm>
+          <a:prstGeom prst="rect">
+            <a:avLst/>
+          </a:prstGeom>
+        </p:spPr>
+        <p:txBody>
+          <a:bodyPr lIns="0" rIns="0" tIns="0" bIns="0" anchor="ctr">
             <a:noAutofit/>
           </a:bodyPr>
           <a:p>
-            <a:r>
-              <a:rPr b="0" lang="en-US" sz="7200" spc="-1" strike="noStrike">
-                <a:solidFill>
-                  <a:srgbClr val="000000"/>
-                </a:solidFill>
+            <a:pPr algn="ctr"/>
+            <a:r>
+              <a:rPr b="0" lang="en-US" sz="4400" spc="-1" strike="noStrike">
                 <a:latin typeface="Arial"/>
               </a:rPr>
               <a:t>Click to edit the title text format</a:t>
             </a:r>
-            <a:endParaRPr b="0" lang="en-US" sz="7200" spc="-1" strike="noStrike">
-              <a:solidFill>
-                <a:srgbClr val="000000"/>
-              </a:solidFill>
+            <a:endParaRPr b="0" lang="en-US" sz="4400" spc="-1" strike="noStrike">
               <a:latin typeface="Arial"/>
             </a:endParaRPr>
           </a:p>
@@ -6751,18 +6263,12 @@
               <a:buChar char=""/>
             </a:pPr>
             <a:r>
-              <a:rPr b="0" lang="en-US" sz="4000" spc="-1" strike="noStrike">
-                <a:solidFill>
-                  <a:srgbClr val="000000"/>
-                </a:solidFill>
+              <a:rPr b="0" lang="en-US" sz="3200" spc="-1" strike="noStrike">
                 <a:latin typeface="Arial"/>
               </a:rPr>
               <a:t>Click to edit the outline text format</a:t>
             </a:r>
-            <a:endParaRPr b="0" lang="en-US" sz="4000" spc="-1" strike="noStrike">
-              <a:solidFill>
-                <a:srgbClr val="000000"/>
-              </a:solidFill>
+            <a:endParaRPr b="0" lang="en-US" sz="3200" spc="-1" strike="noStrike">
               <a:latin typeface="Arial"/>
             </a:endParaRPr>
           </a:p>
@@ -6779,18 +6285,12 @@
               <a:buChar char=""/>
             </a:pPr>
             <a:r>
-              <a:rPr b="0" lang="en-US" sz="1400" spc="-1" strike="noStrike">
-                <a:solidFill>
-                  <a:srgbClr val="000000"/>
-                </a:solidFill>
+              <a:rPr b="0" lang="en-US" sz="2800" spc="-1" strike="noStrike">
                 <a:latin typeface="Arial"/>
               </a:rPr>
               <a:t>Second Outline Level</a:t>
             </a:r>
-            <a:endParaRPr b="0" lang="en-US" sz="1400" spc="-1" strike="noStrike">
-              <a:solidFill>
-                <a:srgbClr val="000000"/>
-              </a:solidFill>
+            <a:endParaRPr b="0" lang="en-US" sz="2800" spc="-1" strike="noStrike">
               <a:latin typeface="Arial"/>
             </a:endParaRPr>
           </a:p>
@@ -6807,18 +6307,12 @@
               <a:buChar char=""/>
             </a:pPr>
             <a:r>
-              <a:rPr b="0" lang="en-US" sz="1400" spc="-1" strike="noStrike">
-                <a:solidFill>
-                  <a:srgbClr val="000000"/>
-                </a:solidFill>
+              <a:rPr b="0" lang="en-US" sz="2400" spc="-1" strike="noStrike">
                 <a:latin typeface="Arial"/>
               </a:rPr>
               <a:t>Third Outline Level</a:t>
             </a:r>
-            <a:endParaRPr b="0" lang="en-US" sz="1400" spc="-1" strike="noStrike">
-              <a:solidFill>
-                <a:srgbClr val="000000"/>
-              </a:solidFill>
+            <a:endParaRPr b="0" lang="en-US" sz="2400" spc="-1" strike="noStrike">
               <a:latin typeface="Arial"/>
             </a:endParaRPr>
           </a:p>
@@ -6835,18 +6329,12 @@
               <a:buChar char=""/>
             </a:pPr>
             <a:r>
-              <a:rPr b="0" lang="en-US" sz="1400" spc="-1" strike="noStrike">
-                <a:solidFill>
-                  <a:srgbClr val="000000"/>
-                </a:solidFill>
+              <a:rPr b="0" lang="en-US" sz="2000" spc="-1" strike="noStrike">
                 <a:latin typeface="Arial"/>
               </a:rPr>
               <a:t>Fourth Outline Level</a:t>
             </a:r>
-            <a:endParaRPr b="0" lang="en-US" sz="1400" spc="-1" strike="noStrike">
-              <a:solidFill>
-                <a:srgbClr val="000000"/>
-              </a:solidFill>
+            <a:endParaRPr b="0" lang="en-US" sz="2000" spc="-1" strike="noStrike">
               <a:latin typeface="Arial"/>
             </a:endParaRPr>
           </a:p>
@@ -6864,17 +6352,11 @@
             </a:pPr>
             <a:r>
               <a:rPr b="0" lang="en-US" sz="2000" spc="-1" strike="noStrike">
-                <a:solidFill>
-                  <a:srgbClr val="000000"/>
-                </a:solidFill>
                 <a:latin typeface="Arial"/>
               </a:rPr>
               <a:t>Fifth Outline Level</a:t>
             </a:r>
             <a:endParaRPr b="0" lang="en-US" sz="2000" spc="-1" strike="noStrike">
-              <a:solidFill>
-                <a:srgbClr val="000000"/>
-              </a:solidFill>
               <a:latin typeface="Arial"/>
             </a:endParaRPr>
           </a:p>
@@ -6892,17 +6374,11 @@
             </a:pPr>
             <a:r>
               <a:rPr b="0" lang="en-US" sz="2000" spc="-1" strike="noStrike">
-                <a:solidFill>
-                  <a:srgbClr val="000000"/>
-                </a:solidFill>
                 <a:latin typeface="Arial"/>
               </a:rPr>
               <a:t>Sixth Outline Level</a:t>
             </a:r>
             <a:endParaRPr b="0" lang="en-US" sz="2000" spc="-1" strike="noStrike">
-              <a:solidFill>
-                <a:srgbClr val="000000"/>
-              </a:solidFill>
               <a:latin typeface="Arial"/>
             </a:endParaRPr>
           </a:p>
@@ -6920,17 +6396,11 @@
             </a:pPr>
             <a:r>
               <a:rPr b="0" lang="en-US" sz="2000" spc="-1" strike="noStrike">
-                <a:solidFill>
-                  <a:srgbClr val="000000"/>
-                </a:solidFill>
                 <a:latin typeface="Arial"/>
               </a:rPr>
               <a:t>Seventh Outline Level</a:t>
             </a:r>
             <a:endParaRPr b="0" lang="en-US" sz="2000" spc="-1" strike="noStrike">
-              <a:solidFill>
-                <a:srgbClr val="000000"/>
-              </a:solidFill>
               <a:latin typeface="Arial"/>
             </a:endParaRPr>
           </a:p>
@@ -6989,7 +6459,7 @@
         <p:spPr>
           <a:xfrm>
             <a:off x="0" y="0"/>
-            <a:ext cx="16255800" cy="767880"/>
+            <a:ext cx="16255440" cy="767520"/>
           </a:xfrm>
           <a:prstGeom prst="rect">
             <a:avLst/>
@@ -7017,7 +6487,7 @@
         <p:spPr>
           <a:xfrm>
             <a:off x="0" y="8357760"/>
-            <a:ext cx="16255800" cy="785880"/>
+            <a:ext cx="16255440" cy="785520"/>
           </a:xfrm>
           <a:prstGeom prst="rect">
             <a:avLst/>
@@ -7048,31 +6518,26 @@
         </p:nvSpPr>
         <p:spPr>
           <a:xfrm>
-            <a:off x="1155600" y="803520"/>
-            <a:ext cx="13931640" cy="1735920"/>
-          </a:xfrm>
-          <a:prstGeom prst="rect">
-            <a:avLst/>
-          </a:prstGeom>
-        </p:spPr>
-        <p:txBody>
-          <a:bodyPr tIns="91440" bIns="91440" anchor="ctr">
+            <a:off x="812520" y="364680"/>
+            <a:ext cx="14630040" cy="1526400"/>
+          </a:xfrm>
+          <a:prstGeom prst="rect">
+            <a:avLst/>
+          </a:prstGeom>
+        </p:spPr>
+        <p:txBody>
+          <a:bodyPr lIns="0" rIns="0" tIns="0" bIns="0" anchor="ctr">
             <a:noAutofit/>
           </a:bodyPr>
           <a:p>
-            <a:r>
-              <a:rPr b="0" lang="en-US" sz="7200" spc="-1" strike="noStrike">
-                <a:solidFill>
-                  <a:srgbClr val="000000"/>
-                </a:solidFill>
+            <a:pPr algn="ctr"/>
+            <a:r>
+              <a:rPr b="0" lang="en-US" sz="4400" spc="-1" strike="noStrike">
                 <a:latin typeface="Arial"/>
               </a:rPr>
               <a:t>Click to edit the title text format</a:t>
             </a:r>
-            <a:endParaRPr b="0" lang="en-US" sz="7200" spc="-1" strike="noStrike">
-              <a:solidFill>
-                <a:srgbClr val="000000"/>
-              </a:solidFill>
+            <a:endParaRPr b="0" lang="en-US" sz="4400" spc="-1" strike="noStrike">
               <a:latin typeface="Arial"/>
             </a:endParaRPr>
           </a:p>
@@ -7090,16 +6555,16 @@
         </p:nvSpPr>
         <p:spPr>
           <a:xfrm>
-            <a:off x="1155600" y="2603520"/>
-            <a:ext cx="13931640" cy="5702040"/>
-          </a:xfrm>
-          <a:prstGeom prst="rect">
-            <a:avLst/>
-          </a:prstGeom>
-        </p:spPr>
-        <p:txBody>
-          <a:bodyPr tIns="91440" bIns="91440" anchor="ctr">
-            <a:noAutofit/>
+            <a:off x="812520" y="2139480"/>
+            <a:ext cx="14630040" cy="5302800"/>
+          </a:xfrm>
+          <a:prstGeom prst="rect">
+            <a:avLst/>
+          </a:prstGeom>
+        </p:spPr>
+        <p:txBody>
+          <a:bodyPr lIns="0" rIns="0" tIns="0" bIns="0">
+            <a:normAutofit/>
           </a:bodyPr>
           <a:p>
             <a:pPr marL="432000" indent="-324000">
@@ -7114,18 +6579,12 @@
               <a:buChar char=""/>
             </a:pPr>
             <a:r>
-              <a:rPr b="0" lang="en-US" sz="4000" spc="-1" strike="noStrike">
-                <a:solidFill>
-                  <a:srgbClr val="000000"/>
-                </a:solidFill>
+              <a:rPr b="0" lang="en-US" sz="3200" spc="-1" strike="noStrike">
                 <a:latin typeface="Arial"/>
               </a:rPr>
               <a:t>Click to edit the outline text format</a:t>
             </a:r>
-            <a:endParaRPr b="0" lang="en-US" sz="4000" spc="-1" strike="noStrike">
-              <a:solidFill>
-                <a:srgbClr val="000000"/>
-              </a:solidFill>
+            <a:endParaRPr b="0" lang="en-US" sz="3200" spc="-1" strike="noStrike">
               <a:latin typeface="Arial"/>
             </a:endParaRPr>
           </a:p>
@@ -7142,18 +6601,12 @@
               <a:buChar char=""/>
             </a:pPr>
             <a:r>
-              <a:rPr b="0" lang="en-US" sz="4000" spc="-1" strike="noStrike">
-                <a:solidFill>
-                  <a:srgbClr val="000000"/>
-                </a:solidFill>
+              <a:rPr b="0" lang="en-US" sz="2800" spc="-1" strike="noStrike">
                 <a:latin typeface="Arial"/>
               </a:rPr>
               <a:t>Second Outline Level</a:t>
             </a:r>
-            <a:endParaRPr b="0" lang="en-US" sz="4000" spc="-1" strike="noStrike">
-              <a:solidFill>
-                <a:srgbClr val="000000"/>
-              </a:solidFill>
+            <a:endParaRPr b="0" lang="en-US" sz="2800" spc="-1" strike="noStrike">
               <a:latin typeface="Arial"/>
             </a:endParaRPr>
           </a:p>
@@ -7170,18 +6623,12 @@
               <a:buChar char=""/>
             </a:pPr>
             <a:r>
-              <a:rPr b="0" lang="en-US" sz="4000" spc="-1" strike="noStrike">
-                <a:solidFill>
-                  <a:srgbClr val="000000"/>
-                </a:solidFill>
+              <a:rPr b="0" lang="en-US" sz="2400" spc="-1" strike="noStrike">
                 <a:latin typeface="Arial"/>
               </a:rPr>
               <a:t>Third Outline Level</a:t>
             </a:r>
-            <a:endParaRPr b="0" lang="en-US" sz="4000" spc="-1" strike="noStrike">
-              <a:solidFill>
-                <a:srgbClr val="000000"/>
-              </a:solidFill>
+            <a:endParaRPr b="0" lang="en-US" sz="2400" spc="-1" strike="noStrike">
               <a:latin typeface="Arial"/>
             </a:endParaRPr>
           </a:p>
@@ -7198,18 +6645,12 @@
               <a:buChar char=""/>
             </a:pPr>
             <a:r>
-              <a:rPr b="0" lang="en-US" sz="4000" spc="-1" strike="noStrike">
-                <a:solidFill>
-                  <a:srgbClr val="000000"/>
-                </a:solidFill>
+              <a:rPr b="0" lang="en-US" sz="2000" spc="-1" strike="noStrike">
                 <a:latin typeface="Arial"/>
               </a:rPr>
               <a:t>Fourth Outline Level</a:t>
             </a:r>
-            <a:endParaRPr b="0" lang="en-US" sz="4000" spc="-1" strike="noStrike">
-              <a:solidFill>
-                <a:srgbClr val="000000"/>
-              </a:solidFill>
+            <a:endParaRPr b="0" lang="en-US" sz="2000" spc="-1" strike="noStrike">
               <a:latin typeface="Arial"/>
             </a:endParaRPr>
           </a:p>
@@ -7226,18 +6667,12 @@
               <a:buChar char=""/>
             </a:pPr>
             <a:r>
-              <a:rPr b="0" lang="en-US" sz="4000" spc="-1" strike="noStrike">
-                <a:solidFill>
-                  <a:srgbClr val="000000"/>
-                </a:solidFill>
+              <a:rPr b="0" lang="en-US" sz="2000" spc="-1" strike="noStrike">
                 <a:latin typeface="Arial"/>
               </a:rPr>
               <a:t>Fifth Outline Level</a:t>
             </a:r>
-            <a:endParaRPr b="0" lang="en-US" sz="4000" spc="-1" strike="noStrike">
-              <a:solidFill>
-                <a:srgbClr val="000000"/>
-              </a:solidFill>
+            <a:endParaRPr b="0" lang="en-US" sz="2000" spc="-1" strike="noStrike">
               <a:latin typeface="Arial"/>
             </a:endParaRPr>
           </a:p>
@@ -7254,18 +6689,12 @@
               <a:buChar char=""/>
             </a:pPr>
             <a:r>
-              <a:rPr b="0" lang="en-US" sz="4000" spc="-1" strike="noStrike">
-                <a:solidFill>
-                  <a:srgbClr val="000000"/>
-                </a:solidFill>
+              <a:rPr b="0" lang="en-US" sz="2000" spc="-1" strike="noStrike">
                 <a:latin typeface="Arial"/>
               </a:rPr>
               <a:t>Sixth Outline Level</a:t>
             </a:r>
-            <a:endParaRPr b="0" lang="en-US" sz="4000" spc="-1" strike="noStrike">
-              <a:solidFill>
-                <a:srgbClr val="000000"/>
-              </a:solidFill>
+            <a:endParaRPr b="0" lang="en-US" sz="2000" spc="-1" strike="noStrike">
               <a:latin typeface="Arial"/>
             </a:endParaRPr>
           </a:p>
@@ -7282,18 +6711,12 @@
               <a:buChar char=""/>
             </a:pPr>
             <a:r>
-              <a:rPr b="0" lang="en-US" sz="4000" spc="-1" strike="noStrike">
-                <a:solidFill>
-                  <a:srgbClr val="000000"/>
-                </a:solidFill>
+              <a:rPr b="0" lang="en-US" sz="2000" spc="-1" strike="noStrike">
                 <a:latin typeface="Arial"/>
               </a:rPr>
               <a:t>Seventh Outline Level</a:t>
             </a:r>
-            <a:endParaRPr b="0" lang="en-US" sz="4000" spc="-1" strike="noStrike">
-              <a:solidFill>
-                <a:srgbClr val="000000"/>
-              </a:solidFill>
+            <a:endParaRPr b="0" lang="en-US" sz="2000" spc="-1" strike="noStrike">
               <a:latin typeface="Arial"/>
             </a:endParaRPr>
           </a:p>
@@ -7352,7 +6775,7 @@
         <p:spPr>
           <a:xfrm>
             <a:off x="0" y="0"/>
-            <a:ext cx="16255800" cy="767880"/>
+            <a:ext cx="16255440" cy="767520"/>
           </a:xfrm>
           <a:prstGeom prst="rect">
             <a:avLst/>
@@ -7380,7 +6803,7 @@
         <p:spPr>
           <a:xfrm>
             <a:off x="0" y="8357760"/>
-            <a:ext cx="16255800" cy="785880"/>
+            <a:ext cx="16255440" cy="785520"/>
           </a:xfrm>
           <a:prstGeom prst="rect">
             <a:avLst/>
@@ -7423,19 +6846,14 @@
             <a:noAutofit/>
           </a:bodyPr>
           <a:p>
-            <a:r>
-              <a:rPr b="0" lang="en-US" sz="1400" spc="-1" strike="noStrike">
-                <a:solidFill>
-                  <a:srgbClr val="000000"/>
-                </a:solidFill>
+            <a:pPr algn="ctr"/>
+            <a:r>
+              <a:rPr b="0" lang="en-US" sz="4400" spc="-1" strike="noStrike">
                 <a:latin typeface="Arial"/>
               </a:rPr>
               <a:t>Click to edit the title text format</a:t>
             </a:r>
-            <a:endParaRPr b="0" lang="en-US" sz="1400" spc="-1" strike="noStrike">
-              <a:solidFill>
-                <a:srgbClr val="000000"/>
-              </a:solidFill>
+            <a:endParaRPr b="0" lang="en-US" sz="4400" spc="-1" strike="noStrike">
               <a:latin typeface="Arial"/>
             </a:endParaRPr>
           </a:p>
@@ -7477,18 +6895,12 @@
               <a:buChar char=""/>
             </a:pPr>
             <a:r>
-              <a:rPr b="0" lang="en-US" sz="4000" spc="-1" strike="noStrike">
-                <a:solidFill>
-                  <a:srgbClr val="000000"/>
-                </a:solidFill>
+              <a:rPr b="0" lang="en-US" sz="3200" spc="-1" strike="noStrike">
                 <a:latin typeface="Arial"/>
               </a:rPr>
               <a:t>Click to edit the outline text format</a:t>
             </a:r>
-            <a:endParaRPr b="0" lang="en-US" sz="4000" spc="-1" strike="noStrike">
-              <a:solidFill>
-                <a:srgbClr val="000000"/>
-              </a:solidFill>
+            <a:endParaRPr b="0" lang="en-US" sz="3200" spc="-1" strike="noStrike">
               <a:latin typeface="Arial"/>
             </a:endParaRPr>
           </a:p>
@@ -7505,18 +6917,12 @@
               <a:buChar char=""/>
             </a:pPr>
             <a:r>
-              <a:rPr b="0" lang="en-US" sz="1400" spc="-1" strike="noStrike">
-                <a:solidFill>
-                  <a:srgbClr val="000000"/>
-                </a:solidFill>
+              <a:rPr b="0" lang="en-US" sz="2800" spc="-1" strike="noStrike">
                 <a:latin typeface="Arial"/>
               </a:rPr>
               <a:t>Second Outline Level</a:t>
             </a:r>
-            <a:endParaRPr b="0" lang="en-US" sz="1400" spc="-1" strike="noStrike">
-              <a:solidFill>
-                <a:srgbClr val="000000"/>
-              </a:solidFill>
+            <a:endParaRPr b="0" lang="en-US" sz="2800" spc="-1" strike="noStrike">
               <a:latin typeface="Arial"/>
             </a:endParaRPr>
           </a:p>
@@ -7533,18 +6939,12 @@
               <a:buChar char=""/>
             </a:pPr>
             <a:r>
-              <a:rPr b="0" lang="en-US" sz="1400" spc="-1" strike="noStrike">
-                <a:solidFill>
-                  <a:srgbClr val="000000"/>
-                </a:solidFill>
+              <a:rPr b="0" lang="en-US" sz="2400" spc="-1" strike="noStrike">
                 <a:latin typeface="Arial"/>
               </a:rPr>
               <a:t>Third Outline Level</a:t>
             </a:r>
-            <a:endParaRPr b="0" lang="en-US" sz="1400" spc="-1" strike="noStrike">
-              <a:solidFill>
-                <a:srgbClr val="000000"/>
-              </a:solidFill>
+            <a:endParaRPr b="0" lang="en-US" sz="2400" spc="-1" strike="noStrike">
               <a:latin typeface="Arial"/>
             </a:endParaRPr>
           </a:p>
@@ -7561,18 +6961,12 @@
               <a:buChar char=""/>
             </a:pPr>
             <a:r>
-              <a:rPr b="0" lang="en-US" sz="1400" spc="-1" strike="noStrike">
-                <a:solidFill>
-                  <a:srgbClr val="000000"/>
-                </a:solidFill>
+              <a:rPr b="0" lang="en-US" sz="2000" spc="-1" strike="noStrike">
                 <a:latin typeface="Arial"/>
               </a:rPr>
               <a:t>Fourth Outline Level</a:t>
             </a:r>
-            <a:endParaRPr b="0" lang="en-US" sz="1400" spc="-1" strike="noStrike">
-              <a:solidFill>
-                <a:srgbClr val="000000"/>
-              </a:solidFill>
+            <a:endParaRPr b="0" lang="en-US" sz="2000" spc="-1" strike="noStrike">
               <a:latin typeface="Arial"/>
             </a:endParaRPr>
           </a:p>
@@ -7590,17 +6984,11 @@
             </a:pPr>
             <a:r>
               <a:rPr b="0" lang="en-US" sz="2000" spc="-1" strike="noStrike">
-                <a:solidFill>
-                  <a:srgbClr val="000000"/>
-                </a:solidFill>
                 <a:latin typeface="Arial"/>
               </a:rPr>
               <a:t>Fifth Outline Level</a:t>
             </a:r>
             <a:endParaRPr b="0" lang="en-US" sz="2000" spc="-1" strike="noStrike">
-              <a:solidFill>
-                <a:srgbClr val="000000"/>
-              </a:solidFill>
               <a:latin typeface="Arial"/>
             </a:endParaRPr>
           </a:p>
@@ -7618,17 +7006,11 @@
             </a:pPr>
             <a:r>
               <a:rPr b="0" lang="en-US" sz="2000" spc="-1" strike="noStrike">
-                <a:solidFill>
-                  <a:srgbClr val="000000"/>
-                </a:solidFill>
                 <a:latin typeface="Arial"/>
               </a:rPr>
               <a:t>Sixth Outline Level</a:t>
             </a:r>
             <a:endParaRPr b="0" lang="en-US" sz="2000" spc="-1" strike="noStrike">
-              <a:solidFill>
-                <a:srgbClr val="000000"/>
-              </a:solidFill>
               <a:latin typeface="Arial"/>
             </a:endParaRPr>
           </a:p>
@@ -7646,17 +7028,11 @@
             </a:pPr>
             <a:r>
               <a:rPr b="0" lang="en-US" sz="2000" spc="-1" strike="noStrike">
-                <a:solidFill>
-                  <a:srgbClr val="000000"/>
-                </a:solidFill>
                 <a:latin typeface="Arial"/>
               </a:rPr>
               <a:t>Seventh Outline Level</a:t>
             </a:r>
             <a:endParaRPr b="0" lang="en-US" sz="2000" spc="-1" strike="noStrike">
-              <a:solidFill>
-                <a:srgbClr val="000000"/>
-              </a:solidFill>
               <a:latin typeface="Arial"/>
             </a:endParaRPr>
           </a:p>
@@ -7701,14 +7077,14 @@
       </p:grpSpPr>
       <p:sp>
         <p:nvSpPr>
-          <p:cNvPr id="166" name="TextShape 1"/>
-          <p:cNvSpPr txBox="1"/>
+          <p:cNvPr id="166" name="CustomShape 1"/>
+          <p:cNvSpPr/>
           <p:nvPr/>
         </p:nvSpPr>
         <p:spPr>
           <a:xfrm>
             <a:off x="1155600" y="1536840"/>
-            <a:ext cx="13931640" cy="3085560"/>
+            <a:ext cx="13931280" cy="3085200"/>
           </a:xfrm>
           <a:prstGeom prst="rect">
             <a:avLst/>
@@ -7718,6 +7094,12 @@
             <a:noFill/>
           </a:ln>
         </p:spPr>
+        <p:style>
+          <a:lnRef idx="0"/>
+          <a:fillRef idx="0"/>
+          <a:effectRef idx="0"/>
+          <a:fontRef idx="minor"/>
+        </p:style>
         <p:txBody>
           <a:bodyPr lIns="38160" rIns="38160" tIns="38160" bIns="38160" anchor="b">
             <a:noAutofit/>
@@ -7750,24 +7132,21 @@
               <a:t>الدوال</a:t>
             </a:r>
             <a:endParaRPr b="0" lang="en-US" sz="7600" spc="-1" strike="noStrike">
-              <a:solidFill>
-                <a:srgbClr val="000000"/>
-              </a:solidFill>
-              <a:latin typeface="Arial"/>
-            </a:endParaRPr>
-          </a:p>
-        </p:txBody>
-      </p:sp>
-      <p:sp>
-        <p:nvSpPr>
-          <p:cNvPr id="167" name="TextShape 2"/>
-          <p:cNvSpPr txBox="1"/>
+              <a:latin typeface="Arial"/>
+            </a:endParaRPr>
+          </a:p>
+        </p:txBody>
+      </p:sp>
+      <p:sp>
+        <p:nvSpPr>
+          <p:cNvPr id="167" name="CustomShape 2"/>
+          <p:cNvSpPr/>
           <p:nvPr/>
         </p:nvSpPr>
         <p:spPr>
           <a:xfrm>
             <a:off x="1155600" y="4711680"/>
-            <a:ext cx="13931640" cy="1053720"/>
+            <a:ext cx="13931280" cy="1053360"/>
           </a:xfrm>
           <a:prstGeom prst="rect">
             <a:avLst/>
@@ -7777,6 +7156,12 @@
             <a:noFill/>
           </a:ln>
         </p:spPr>
+        <p:style>
+          <a:lnRef idx="0"/>
+          <a:fillRef idx="0"/>
+          <a:effectRef idx="0"/>
+          <a:fontRef idx="minor"/>
+        </p:style>
         <p:txBody>
           <a:bodyPr lIns="38160" rIns="38160" tIns="38160" bIns="38160">
             <a:noAutofit/>
@@ -7798,9 +7183,6 @@
               <a:t>Chapter 4</a:t>
             </a:r>
             <a:endParaRPr b="0" lang="en-US" sz="4800" spc="-1" strike="noStrike">
-              <a:solidFill>
-                <a:srgbClr val="000000"/>
-              </a:solidFill>
               <a:latin typeface="Arial"/>
             </a:endParaRPr>
           </a:p>
@@ -7815,7 +7197,7 @@
         <p:spPr>
           <a:xfrm>
             <a:off x="3930840" y="7016760"/>
-            <a:ext cx="8236440" cy="1015560"/>
+            <a:ext cx="8236080" cy="1015200"/>
           </a:xfrm>
           <a:prstGeom prst="rect">
             <a:avLst/>
@@ -7892,7 +7274,7 @@
         <p:spPr>
           <a:xfrm>
             <a:off x="13957920" y="7425360"/>
-            <a:ext cx="1968120" cy="668160"/>
+            <a:ext cx="1967760" cy="667800"/>
           </a:xfrm>
           <a:prstGeom prst="rect">
             <a:avLst/>
@@ -7915,7 +7297,7 @@
         <p:spPr>
           <a:xfrm>
             <a:off x="635400" y="6947640"/>
-            <a:ext cx="1024560" cy="1024560"/>
+            <a:ext cx="1024200" cy="1024200"/>
           </a:xfrm>
           <a:prstGeom prst="rect">
             <a:avLst/>
@@ -7957,14 +7339,14 @@
       </p:grpSpPr>
       <p:sp>
         <p:nvSpPr>
-          <p:cNvPr id="227" name="TextShape 1"/>
-          <p:cNvSpPr txBox="1"/>
+          <p:cNvPr id="227" name="CustomShape 1"/>
+          <p:cNvSpPr/>
           <p:nvPr/>
         </p:nvSpPr>
         <p:spPr>
           <a:xfrm>
             <a:off x="1155600" y="1536840"/>
-            <a:ext cx="13931640" cy="3085560"/>
+            <a:ext cx="13931280" cy="3085200"/>
           </a:xfrm>
           <a:prstGeom prst="rect">
             <a:avLst/>
@@ -7974,8 +7356,14 @@
             <a:noFill/>
           </a:ln>
         </p:spPr>
-        <p:txBody>
-          <a:bodyPr tIns="91440" bIns="91440" anchor="b">
+        <p:style>
+          <a:lnRef idx="0"/>
+          <a:fillRef idx="0"/>
+          <a:effectRef idx="0"/>
+          <a:fontRef idx="minor"/>
+        </p:style>
+        <p:txBody>
+          <a:bodyPr lIns="90000" rIns="90000" tIns="91440" bIns="91440" anchor="b">
             <a:noAutofit/>
           </a:bodyPr>
           <a:p>
@@ -7995,9 +7383,6 @@
               <a:t>Functions of Our Own…</a:t>
             </a:r>
             <a:endParaRPr b="0" lang="en-US" sz="7200" spc="-1" strike="noStrike">
-              <a:solidFill>
-                <a:srgbClr val="000000"/>
-              </a:solidFill>
               <a:latin typeface="Arial"/>
             </a:endParaRPr>
           </a:p>
@@ -8035,14 +7420,14 @@
       </p:grpSpPr>
       <p:sp>
         <p:nvSpPr>
-          <p:cNvPr id="228" name="TextShape 1"/>
-          <p:cNvSpPr txBox="1"/>
+          <p:cNvPr id="228" name="CustomShape 1"/>
+          <p:cNvSpPr/>
           <p:nvPr/>
         </p:nvSpPr>
         <p:spPr>
           <a:xfrm>
             <a:off x="1155600" y="803520"/>
-            <a:ext cx="13931640" cy="1735920"/>
+            <a:ext cx="13931280" cy="1735560"/>
           </a:xfrm>
           <a:prstGeom prst="rect">
             <a:avLst/>
@@ -8052,6 +7437,12 @@
             <a:noFill/>
           </a:ln>
         </p:spPr>
+        <p:style>
+          <a:lnRef idx="0"/>
+          <a:fillRef idx="0"/>
+          <a:effectRef idx="0"/>
+          <a:fontRef idx="minor"/>
+        </p:style>
         <p:txBody>
           <a:bodyPr lIns="38160" rIns="38160" tIns="38160" bIns="38160" anchor="ctr">
             <a:noAutofit/>
@@ -8073,24 +7464,21 @@
               <a:t>Building our Own Functions</a:t>
             </a:r>
             <a:endParaRPr b="0" lang="en-US" sz="7600" spc="-1" strike="noStrike">
-              <a:solidFill>
-                <a:srgbClr val="000000"/>
-              </a:solidFill>
-              <a:latin typeface="Arial"/>
-            </a:endParaRPr>
-          </a:p>
-        </p:txBody>
-      </p:sp>
-      <p:sp>
-        <p:nvSpPr>
-          <p:cNvPr id="229" name="TextShape 2"/>
-          <p:cNvSpPr txBox="1"/>
+              <a:latin typeface="Arial"/>
+            </a:endParaRPr>
+          </a:p>
+        </p:txBody>
+      </p:sp>
+      <p:sp>
+        <p:nvSpPr>
+          <p:cNvPr id="229" name="CustomShape 2"/>
+          <p:cNvSpPr/>
           <p:nvPr/>
         </p:nvSpPr>
         <p:spPr>
           <a:xfrm>
             <a:off x="1155600" y="2603520"/>
-            <a:ext cx="13931640" cy="3725640"/>
+            <a:ext cx="13931280" cy="3725280"/>
           </a:xfrm>
           <a:prstGeom prst="rect">
             <a:avLst/>
@@ -8100,12 +7488,18 @@
             <a:noFill/>
           </a:ln>
         </p:spPr>
+        <p:style>
+          <a:lnRef idx="0"/>
+          <a:fillRef idx="0"/>
+          <a:effectRef idx="0"/>
+          <a:fontRef idx="minor"/>
+        </p:style>
         <p:txBody>
           <a:bodyPr lIns="38160" rIns="38160" tIns="38160" bIns="38160" anchor="ctr">
             <a:noAutofit/>
           </a:bodyPr>
           <a:p>
-            <a:pPr marL="749160" indent="-370800">
+            <a:pPr marL="749160" indent="-370440">
               <a:lnSpc>
                 <a:spcPct val="100000"/>
               </a:lnSpc>
@@ -8146,14 +7540,11 @@
               <a:t> keyword followed by optional parameters in parentheses</a:t>
             </a:r>
             <a:endParaRPr b="0" lang="en-US" sz="3600" spc="-1" strike="noStrike">
-              <a:solidFill>
-                <a:srgbClr val="000000"/>
-              </a:solidFill>
-              <a:latin typeface="Arial"/>
-            </a:endParaRPr>
-          </a:p>
-          <a:p>
-            <a:pPr marL="749160" indent="-370800">
+              <a:latin typeface="Arial"/>
+            </a:endParaRPr>
+          </a:p>
+          <a:p>
+            <a:pPr marL="749160" indent="-370440">
               <a:lnSpc>
                 <a:spcPct val="100000"/>
               </a:lnSpc>
@@ -8177,14 +7568,11 @@
               <a:t>We indent the body of the function</a:t>
             </a:r>
             <a:endParaRPr b="0" lang="en-US" sz="3600" spc="-1" strike="noStrike">
-              <a:solidFill>
-                <a:srgbClr val="000000"/>
-              </a:solidFill>
-              <a:latin typeface="Arial"/>
-            </a:endParaRPr>
-          </a:p>
-          <a:p>
-            <a:pPr marL="749160" indent="-370800">
+              <a:latin typeface="Arial"/>
+            </a:endParaRPr>
+          </a:p>
+          <a:p>
+            <a:pPr marL="749160" indent="-370440">
               <a:lnSpc>
                 <a:spcPct val="100000"/>
               </a:lnSpc>
@@ -8248,9 +7636,6 @@
               <a:t> execute the body of the function</a:t>
             </a:r>
             <a:endParaRPr b="0" lang="en-US" sz="3600" spc="-1" strike="noStrike">
-              <a:solidFill>
-                <a:srgbClr val="000000"/>
-              </a:solidFill>
               <a:latin typeface="Arial"/>
             </a:endParaRPr>
           </a:p>
@@ -8265,7 +7650,7 @@
         <p:spPr>
           <a:xfrm>
             <a:off x="3817080" y="6634080"/>
-            <a:ext cx="9938160" cy="1659960"/>
+            <a:ext cx="9937800" cy="1659600"/>
           </a:xfrm>
           <a:prstGeom prst="rect">
             <a:avLst/>
@@ -8456,7 +7841,7 @@
         <p:spPr>
           <a:xfrm>
             <a:off x="1061640" y="1935000"/>
-            <a:ext cx="10739520" cy="5540040"/>
+            <a:ext cx="10739160" cy="5539680"/>
           </a:xfrm>
           <a:prstGeom prst="rect">
             <a:avLst/>
@@ -8847,7 +8232,7 @@
         <p:spPr>
           <a:xfrm>
             <a:off x="13681080" y="4230000"/>
-            <a:ext cx="1118880" cy="1663200"/>
+            <a:ext cx="1118520" cy="1662840"/>
           </a:xfrm>
           <a:prstGeom prst="rect">
             <a:avLst/>
@@ -8938,7 +8323,7 @@
         <p:spPr>
           <a:xfrm>
             <a:off x="9626760" y="1174680"/>
-            <a:ext cx="6217920" cy="1472760"/>
+            <a:ext cx="6217560" cy="1472400"/>
           </a:xfrm>
           <a:prstGeom prst="rect">
             <a:avLst/>
@@ -9082,7 +8467,7 @@
         <p:spPr>
           <a:xfrm>
             <a:off x="7416720" y="1657440"/>
-            <a:ext cx="2179800" cy="507600"/>
+            <a:ext cx="2179440" cy="507240"/>
           </a:xfrm>
           <a:prstGeom prst="rect">
             <a:avLst/>
@@ -9166,14 +8551,14 @@
       </p:grpSpPr>
       <p:sp>
         <p:nvSpPr>
-          <p:cNvPr id="235" name="TextShape 1"/>
-          <p:cNvSpPr txBox="1"/>
+          <p:cNvPr id="235" name="CustomShape 1"/>
+          <p:cNvSpPr/>
           <p:nvPr/>
         </p:nvSpPr>
         <p:spPr>
           <a:xfrm>
             <a:off x="1155600" y="803520"/>
-            <a:ext cx="13931640" cy="1735920"/>
+            <a:ext cx="13931280" cy="1735560"/>
           </a:xfrm>
           <a:prstGeom prst="rect">
             <a:avLst/>
@@ -9183,6 +8568,12 @@
             <a:noFill/>
           </a:ln>
         </p:spPr>
+        <p:style>
+          <a:lnRef idx="0"/>
+          <a:fillRef idx="0"/>
+          <a:effectRef idx="0"/>
+          <a:fontRef idx="minor"/>
+        </p:style>
         <p:txBody>
           <a:bodyPr lIns="38160" rIns="38160" tIns="38160" bIns="38160" anchor="ctr">
             <a:noAutofit/>
@@ -9204,24 +8595,21 @@
               <a:t>Definitions and Uses</a:t>
             </a:r>
             <a:endParaRPr b="0" lang="en-US" sz="7600" spc="-1" strike="noStrike">
-              <a:solidFill>
-                <a:srgbClr val="000000"/>
-              </a:solidFill>
-              <a:latin typeface="Arial"/>
-            </a:endParaRPr>
-          </a:p>
-        </p:txBody>
-      </p:sp>
-      <p:sp>
-        <p:nvSpPr>
-          <p:cNvPr id="236" name="TextShape 2"/>
-          <p:cNvSpPr txBox="1"/>
+              <a:latin typeface="Arial"/>
+            </a:endParaRPr>
+          </a:p>
+        </p:txBody>
+      </p:sp>
+      <p:sp>
+        <p:nvSpPr>
+          <p:cNvPr id="236" name="CustomShape 2"/>
+          <p:cNvSpPr/>
           <p:nvPr/>
         </p:nvSpPr>
         <p:spPr>
           <a:xfrm>
             <a:off x="1155600" y="2482200"/>
-            <a:ext cx="13931640" cy="3916080"/>
+            <a:ext cx="13931280" cy="3915720"/>
           </a:xfrm>
           <a:prstGeom prst="rect">
             <a:avLst/>
@@ -9231,12 +8619,18 @@
             <a:noFill/>
           </a:ln>
         </p:spPr>
+        <p:style>
+          <a:lnRef idx="0"/>
+          <a:fillRef idx="0"/>
+          <a:effectRef idx="0"/>
+          <a:fontRef idx="minor"/>
+        </p:style>
         <p:txBody>
           <a:bodyPr lIns="38160" rIns="38160" tIns="38160" bIns="38160" anchor="ctr">
             <a:noAutofit/>
           </a:bodyPr>
           <a:p>
-            <a:pPr marL="749160" indent="-370800">
+            <a:pPr marL="749160" indent="-370440">
               <a:lnSpc>
                 <a:spcPct val="115000"/>
               </a:lnSpc>
@@ -9328,14 +8722,11 @@
               <a:t>as many times as we like</a:t>
             </a:r>
             <a:endParaRPr b="0" lang="en-US" sz="3600" spc="-1" strike="noStrike">
-              <a:solidFill>
-                <a:srgbClr val="000000"/>
-              </a:solidFill>
-              <a:latin typeface="Arial"/>
-            </a:endParaRPr>
-          </a:p>
-          <a:p>
-            <a:pPr marL="749160" indent="-370800">
+              <a:latin typeface="Arial"/>
+            </a:endParaRPr>
+          </a:p>
+          <a:p>
+            <a:pPr marL="749160" indent="-370440">
               <a:lnSpc>
                 <a:spcPct val="115000"/>
               </a:lnSpc>
@@ -9399,9 +8790,6 @@
               <a:t> pattern</a:t>
             </a:r>
             <a:endParaRPr b="0" lang="en-US" sz="3600" spc="-1" strike="noStrike">
-              <a:solidFill>
-                <a:srgbClr val="000000"/>
-              </a:solidFill>
               <a:latin typeface="Arial"/>
             </a:endParaRPr>
           </a:p>
@@ -9446,7 +8834,7 @@
         <p:spPr>
           <a:xfrm>
             <a:off x="1078200" y="985680"/>
-            <a:ext cx="11715480" cy="6092280"/>
+            <a:ext cx="11715120" cy="6091920"/>
           </a:xfrm>
           <a:prstGeom prst="rect">
             <a:avLst/>
@@ -9867,7 +9255,7 @@
         <p:spPr>
           <a:xfrm>
             <a:off x="8877240" y="5327640"/>
-            <a:ext cx="6913440" cy="2704680"/>
+            <a:ext cx="6913080" cy="2704320"/>
           </a:xfrm>
           <a:prstGeom prst="rect">
             <a:avLst/>
@@ -9997,8 +9385,8 @@
         </p:nvSpPr>
         <p:spPr>
           <a:xfrm rot="10800000">
-            <a:off x="4334760" y="5532480"/>
-            <a:ext cx="4353480" cy="1342800"/>
+            <a:off x="4335120" y="5532480"/>
+            <a:ext cx="4353120" cy="1342440"/>
           </a:xfrm>
           <a:custGeom>
             <a:avLst/>
@@ -10064,14 +9452,14 @@
       </p:grpSpPr>
       <p:sp>
         <p:nvSpPr>
-          <p:cNvPr id="240" name="TextShape 1"/>
-          <p:cNvSpPr txBox="1"/>
+          <p:cNvPr id="240" name="CustomShape 1"/>
+          <p:cNvSpPr/>
           <p:nvPr/>
         </p:nvSpPr>
         <p:spPr>
           <a:xfrm>
             <a:off x="1155600" y="803520"/>
-            <a:ext cx="13626720" cy="1735920"/>
+            <a:ext cx="13626360" cy="1735560"/>
           </a:xfrm>
           <a:prstGeom prst="rect">
             <a:avLst/>
@@ -10081,6 +9469,12 @@
             <a:noFill/>
           </a:ln>
         </p:spPr>
+        <p:style>
+          <a:lnRef idx="0"/>
+          <a:fillRef idx="0"/>
+          <a:effectRef idx="0"/>
+          <a:fontRef idx="minor"/>
+        </p:style>
         <p:txBody>
           <a:bodyPr lIns="38160" rIns="38160" tIns="38160" bIns="38160" anchor="ctr">
             <a:noAutofit/>
@@ -10102,24 +9496,21 @@
               <a:t>Arguments</a:t>
             </a:r>
             <a:endParaRPr b="0" lang="en-US" sz="7600" spc="-1" strike="noStrike">
-              <a:solidFill>
-                <a:srgbClr val="000000"/>
-              </a:solidFill>
-              <a:latin typeface="Arial"/>
-            </a:endParaRPr>
-          </a:p>
-        </p:txBody>
-      </p:sp>
-      <p:sp>
-        <p:nvSpPr>
-          <p:cNvPr id="241" name="TextShape 2"/>
-          <p:cNvSpPr txBox="1"/>
+              <a:latin typeface="Arial"/>
+            </a:endParaRPr>
+          </a:p>
+        </p:txBody>
+      </p:sp>
+      <p:sp>
+        <p:nvSpPr>
+          <p:cNvPr id="241" name="CustomShape 2"/>
+          <p:cNvSpPr/>
           <p:nvPr/>
         </p:nvSpPr>
         <p:spPr>
           <a:xfrm>
             <a:off x="1155600" y="2603520"/>
-            <a:ext cx="13931640" cy="3911400"/>
+            <a:ext cx="13931280" cy="3911040"/>
           </a:xfrm>
           <a:prstGeom prst="rect">
             <a:avLst/>
@@ -10129,12 +9520,18 @@
             <a:noFill/>
           </a:ln>
         </p:spPr>
+        <p:style>
+          <a:lnRef idx="0"/>
+          <a:fillRef idx="0"/>
+          <a:effectRef idx="0"/>
+          <a:fontRef idx="minor"/>
+        </p:style>
         <p:txBody>
           <a:bodyPr lIns="38160" rIns="38160" tIns="38160" bIns="38160" anchor="ctr">
             <a:noAutofit/>
           </a:bodyPr>
           <a:p>
-            <a:pPr marL="749160" indent="-370800">
+            <a:pPr marL="749160" indent="-370440">
               <a:lnSpc>
                 <a:spcPct val="100000"/>
               </a:lnSpc>
@@ -10215,14 +9612,11 @@
               <a:t> when we call the function</a:t>
             </a:r>
             <a:endParaRPr b="0" lang="en-US" sz="3600" spc="-1" strike="noStrike">
-              <a:solidFill>
-                <a:srgbClr val="000000"/>
-              </a:solidFill>
-              <a:latin typeface="Arial"/>
-            </a:endParaRPr>
-          </a:p>
-          <a:p>
-            <a:pPr marL="749160" indent="-370800">
+              <a:latin typeface="Arial"/>
+            </a:endParaRPr>
+          </a:p>
+          <a:p>
+            <a:pPr marL="749160" indent="-370440">
               <a:lnSpc>
                 <a:spcPct val="100000"/>
               </a:lnSpc>
@@ -10306,14 +9700,11 @@
               <a:t> times</a:t>
             </a:r>
             <a:endParaRPr b="0" lang="en-US" sz="3600" spc="-1" strike="noStrike">
-              <a:solidFill>
-                <a:srgbClr val="000000"/>
-              </a:solidFill>
-              <a:latin typeface="Arial"/>
-            </a:endParaRPr>
-          </a:p>
-          <a:p>
-            <a:pPr marL="749160" indent="-370800">
+              <a:latin typeface="Arial"/>
+            </a:endParaRPr>
+          </a:p>
+          <a:p>
+            <a:pPr marL="749160" indent="-370440">
               <a:lnSpc>
                 <a:spcPct val="100000"/>
               </a:lnSpc>
@@ -10377,9 +9768,6 @@
               <a:t> of the function</a:t>
             </a:r>
             <a:endParaRPr b="0" lang="en-US" sz="3600" spc="-1" strike="noStrike">
-              <a:solidFill>
-                <a:srgbClr val="000000"/>
-              </a:solidFill>
               <a:latin typeface="Arial"/>
             </a:endParaRPr>
           </a:p>
@@ -10394,7 +9782,7 @@
         <p:spPr>
           <a:xfrm>
             <a:off x="4635360" y="6718320"/>
-            <a:ext cx="7579800" cy="812520"/>
+            <a:ext cx="7579440" cy="812160"/>
           </a:xfrm>
           <a:prstGeom prst="rect">
             <a:avLst/>
@@ -10495,7 +9883,7 @@
         <p:spPr>
           <a:xfrm>
             <a:off x="11498400" y="7823160"/>
-            <a:ext cx="2445840" cy="622080"/>
+            <a:ext cx="2445480" cy="621720"/>
           </a:xfrm>
           <a:prstGeom prst="rect">
             <a:avLst/>
@@ -10546,7 +9934,7 @@
         <p:spPr>
           <a:xfrm>
             <a:off x="10014480" y="7538040"/>
-            <a:ext cx="1288440" cy="638640"/>
+            <a:ext cx="1288080" cy="638280"/>
           </a:xfrm>
           <a:custGeom>
             <a:avLst/>
@@ -10612,14 +10000,14 @@
       </p:grpSpPr>
       <p:sp>
         <p:nvSpPr>
-          <p:cNvPr id="245" name="TextShape 1"/>
-          <p:cNvSpPr txBox="1"/>
+          <p:cNvPr id="245" name="CustomShape 1"/>
+          <p:cNvSpPr/>
           <p:nvPr/>
         </p:nvSpPr>
         <p:spPr>
           <a:xfrm>
             <a:off x="1155600" y="803520"/>
-            <a:ext cx="13203360" cy="1735920"/>
+            <a:ext cx="13203000" cy="1735560"/>
           </a:xfrm>
           <a:prstGeom prst="rect">
             <a:avLst/>
@@ -10629,6 +10017,12 @@
             <a:noFill/>
           </a:ln>
         </p:spPr>
+        <p:style>
+          <a:lnRef idx="0"/>
+          <a:fillRef idx="0"/>
+          <a:effectRef idx="0"/>
+          <a:fontRef idx="minor"/>
+        </p:style>
         <p:txBody>
           <a:bodyPr lIns="38160" rIns="38160" tIns="38160" bIns="38160" anchor="ctr">
             <a:noAutofit/>
@@ -10650,24 +10044,21 @@
               <a:t>Parameters</a:t>
             </a:r>
             <a:endParaRPr b="0" lang="en-US" sz="7600" spc="-1" strike="noStrike">
-              <a:solidFill>
-                <a:srgbClr val="000000"/>
-              </a:solidFill>
-              <a:latin typeface="Arial"/>
-            </a:endParaRPr>
-          </a:p>
-        </p:txBody>
-      </p:sp>
-      <p:sp>
-        <p:nvSpPr>
-          <p:cNvPr id="246" name="TextShape 2"/>
-          <p:cNvSpPr txBox="1"/>
+              <a:latin typeface="Arial"/>
+            </a:endParaRPr>
+          </a:p>
+        </p:txBody>
+      </p:sp>
+      <p:sp>
+        <p:nvSpPr>
+          <p:cNvPr id="246" name="CustomShape 2"/>
+          <p:cNvSpPr/>
           <p:nvPr/>
         </p:nvSpPr>
         <p:spPr>
           <a:xfrm>
             <a:off x="1155600" y="2603520"/>
-            <a:ext cx="6987960" cy="5050080"/>
+            <a:ext cx="6987600" cy="5049720"/>
           </a:xfrm>
           <a:prstGeom prst="rect">
             <a:avLst/>
@@ -10677,6 +10068,12 @@
             <a:noFill/>
           </a:ln>
         </p:spPr>
+        <p:style>
+          <a:lnRef idx="0"/>
+          <a:fillRef idx="0"/>
+          <a:effectRef idx="0"/>
+          <a:fontRef idx="minor"/>
+        </p:style>
         <p:txBody>
           <a:bodyPr lIns="38160" rIns="38160" tIns="38160" bIns="38160" anchor="ctr">
             <a:noAutofit/>
@@ -10687,10 +10084,7 @@
                 <a:spcPct val="100000"/>
               </a:lnSpc>
             </a:pPr>
-            <a:endParaRPr b="0" lang="en-US" sz="4000" spc="-1" strike="noStrike">
-              <a:solidFill>
-                <a:srgbClr val="000000"/>
-              </a:solidFill>
+            <a:endParaRPr b="0" lang="en-US" sz="1800" spc="-1" strike="noStrike">
               <a:latin typeface="Arial"/>
             </a:endParaRPr>
           </a:p>
@@ -10831,22 +10225,16 @@
               <a:t> invocation.</a:t>
             </a:r>
             <a:endParaRPr b="0" lang="en-US" sz="3600" spc="-1" strike="noStrike">
-              <a:solidFill>
-                <a:srgbClr val="000000"/>
-              </a:solidFill>
-              <a:latin typeface="Arial"/>
-            </a:endParaRPr>
-          </a:p>
-          <a:p>
-            <a:pPr>
+              <a:latin typeface="Arial"/>
+            </a:endParaRPr>
+          </a:p>
+          <a:p>
+            <a:pPr marL="216000">
               <a:lnSpc>
                 <a:spcPct val="100000"/>
               </a:lnSpc>
             </a:pPr>
             <a:endParaRPr b="0" lang="en-US" sz="3600" spc="-1" strike="noStrike">
-              <a:solidFill>
-                <a:srgbClr val="000000"/>
-              </a:solidFill>
               <a:latin typeface="Arial"/>
             </a:endParaRPr>
           </a:p>
@@ -10861,7 +10249,7 @@
         <p:spPr>
           <a:xfrm>
             <a:off x="9867240" y="2188800"/>
-            <a:ext cx="5713560" cy="6647760"/>
+            <a:ext cx="5713200" cy="6647400"/>
           </a:xfrm>
           <a:prstGeom prst="rect">
             <a:avLst/>
@@ -11545,170 +10933,14 @@
       </p:grpSpPr>
       <p:sp>
         <p:nvSpPr>
-          <p:cNvPr id="248" name="TextShape 1"/>
-          <p:cNvSpPr txBox="1"/>
-          <p:nvPr/>
-        </p:nvSpPr>
-        <p:spPr>
-          <a:xfrm>
-            <a:off x="1155600" y="803520"/>
-            <a:ext cx="13931640" cy="1735920"/>
-          </a:xfrm>
-          <a:prstGeom prst="rect">
-            <a:avLst/>
-          </a:prstGeom>
-          <a:noFill/>
-          <a:ln>
-            <a:noFill/>
-          </a:ln>
-        </p:spPr>
-        <p:txBody>
-          <a:bodyPr lIns="38160" rIns="38160" tIns="38160" bIns="38160" anchor="ctr">
-            <a:noAutofit/>
-          </a:bodyPr>
-          <a:p>
-            <a:pPr algn="ctr">
-              <a:lnSpc>
-                <a:spcPct val="100000"/>
-              </a:lnSpc>
-            </a:pPr>
-            <a:r>
-              <a:rPr b="0" lang="en-US" sz="7600" spc="-1" strike="noStrike">
-                <a:solidFill>
-                  <a:srgbClr val="ffd966"/>
-                </a:solidFill>
-                <a:latin typeface="Arial"/>
-                <a:ea typeface="Arial"/>
-              </a:rPr>
-              <a:t>Return Values</a:t>
-            </a:r>
-            <a:endParaRPr b="0" lang="en-US" sz="7600" spc="-1" strike="noStrike">
-              <a:solidFill>
-                <a:srgbClr val="000000"/>
-              </a:solidFill>
-              <a:latin typeface="Arial"/>
-            </a:endParaRPr>
-          </a:p>
-        </p:txBody>
-      </p:sp>
-      <p:sp>
-        <p:nvSpPr>
-          <p:cNvPr id="249" name="TextShape 2"/>
-          <p:cNvSpPr txBox="1"/>
-          <p:nvPr/>
-        </p:nvSpPr>
-        <p:spPr>
-          <a:xfrm>
-            <a:off x="1155600" y="2603520"/>
-            <a:ext cx="13931640" cy="2253960"/>
-          </a:xfrm>
-          <a:prstGeom prst="rect">
-            <a:avLst/>
-          </a:prstGeom>
-          <a:noFill/>
-          <a:ln>
-            <a:noFill/>
-          </a:ln>
-        </p:spPr>
-        <p:txBody>
-          <a:bodyPr lIns="38160" rIns="38160" tIns="38160" bIns="38160" anchor="ctr">
-            <a:noAutofit/>
-          </a:bodyPr>
-          <a:p>
-            <a:pPr>
-              <a:lnSpc>
-                <a:spcPct val="100000"/>
-              </a:lnSpc>
-            </a:pPr>
-            <a:r>
-              <a:rPr b="0" lang="en-US" sz="3600" spc="-1" strike="noStrike">
-                <a:solidFill>
-                  <a:srgbClr val="ffffff"/>
-                </a:solidFill>
-                <a:latin typeface="Arial"/>
-                <a:ea typeface="Arial"/>
-              </a:rPr>
-              <a:t>Often a function will take its arguments, do some computation, and </a:t>
-            </a:r>
-            <a:r>
-              <a:rPr b="0" lang="en-US" sz="3600" spc="-1" strike="noStrike">
-                <a:solidFill>
-                  <a:srgbClr val="ff7f00"/>
-                </a:solidFill>
-                <a:latin typeface="Arial"/>
-                <a:ea typeface="Arial"/>
-              </a:rPr>
-              <a:t>return</a:t>
-            </a:r>
-            <a:r>
-              <a:rPr b="0" lang="en-US" sz="3600" spc="-1" strike="noStrike">
-                <a:solidFill>
-                  <a:srgbClr val="ffffff"/>
-                </a:solidFill>
-                <a:latin typeface="Arial"/>
-                <a:ea typeface="Arial"/>
-              </a:rPr>
-              <a:t> a value to be used as the value of the function call in the </a:t>
-            </a:r>
-            <a:r>
-              <a:rPr b="0" lang="en-US" sz="3600" spc="-1" strike="noStrike">
-                <a:solidFill>
-                  <a:srgbClr val="ff00ff"/>
-                </a:solidFill>
-                <a:latin typeface="Arial"/>
-                <a:ea typeface="Arial"/>
-              </a:rPr>
-              <a:t>calling expression</a:t>
-            </a:r>
-            <a:r>
-              <a:rPr b="0" lang="en-US" sz="3600" spc="-1" strike="noStrike">
-                <a:solidFill>
-                  <a:srgbClr val="ffffff"/>
-                </a:solidFill>
-                <a:latin typeface="Arial"/>
-                <a:ea typeface="Arial"/>
-              </a:rPr>
-              <a:t>.  The </a:t>
-            </a:r>
-            <a:r>
-              <a:rPr b="0" lang="en-US" sz="3600" spc="-1" strike="noStrike">
-                <a:solidFill>
-                  <a:srgbClr val="ff7f00"/>
-                </a:solidFill>
-                <a:latin typeface="Arial"/>
-                <a:ea typeface="Arial"/>
-              </a:rPr>
-              <a:t>return</a:t>
-            </a:r>
-            <a:r>
-              <a:rPr b="0" lang="en-US" sz="3600" spc="-1" strike="noStrike">
-                <a:solidFill>
-                  <a:srgbClr val="ffffff"/>
-                </a:solidFill>
-                <a:latin typeface="Arial"/>
-                <a:ea typeface="Arial"/>
-              </a:rPr>
-              <a:t> keyword is used for this.</a:t>
-            </a:r>
-            <a:endParaRPr b="0" lang="en-US" sz="3600" spc="-1" strike="noStrike">
-              <a:solidFill>
-                <a:srgbClr val="000000"/>
-              </a:solidFill>
-              <a:latin typeface="Arial"/>
-            </a:endParaRPr>
-          </a:p>
-        </p:txBody>
-      </p:sp>
-      <p:sp>
-        <p:nvSpPr>
-          <p:cNvPr id="250" name="CustomShape 3"/>
+          <p:cNvPr id="248" name="CustomShape 1"/>
           <p:cNvSpPr/>
           <p:nvPr/>
         </p:nvSpPr>
         <p:spPr>
           <a:xfrm>
-            <a:off x="2912040" y="5370480"/>
-            <a:ext cx="6831720" cy="2831760"/>
+            <a:off x="1155600" y="803520"/>
+            <a:ext cx="13931280" cy="1735560"/>
           </a:xfrm>
           <a:prstGeom prst="rect">
             <a:avLst/>
@@ -11725,6 +10957,168 @@
           <a:fontRef idx="minor"/>
         </p:style>
         <p:txBody>
+          <a:bodyPr lIns="38160" rIns="38160" tIns="38160" bIns="38160" anchor="ctr">
+            <a:noAutofit/>
+          </a:bodyPr>
+          <a:p>
+            <a:pPr algn="ctr">
+              <a:lnSpc>
+                <a:spcPct val="100000"/>
+              </a:lnSpc>
+            </a:pPr>
+            <a:r>
+              <a:rPr b="0" lang="en-US" sz="7600" spc="-1" strike="noStrike">
+                <a:solidFill>
+                  <a:srgbClr val="ffd966"/>
+                </a:solidFill>
+                <a:latin typeface="Arial"/>
+                <a:ea typeface="Arial"/>
+              </a:rPr>
+              <a:t>Return Values</a:t>
+            </a:r>
+            <a:endParaRPr b="0" lang="en-US" sz="7600" spc="-1" strike="noStrike">
+              <a:latin typeface="Arial"/>
+            </a:endParaRPr>
+          </a:p>
+        </p:txBody>
+      </p:sp>
+      <p:sp>
+        <p:nvSpPr>
+          <p:cNvPr id="249" name="CustomShape 2"/>
+          <p:cNvSpPr/>
+          <p:nvPr/>
+        </p:nvSpPr>
+        <p:spPr>
+          <a:xfrm>
+            <a:off x="1155600" y="2603520"/>
+            <a:ext cx="13931280" cy="2253600"/>
+          </a:xfrm>
+          <a:prstGeom prst="rect">
+            <a:avLst/>
+          </a:prstGeom>
+          <a:noFill/>
+          <a:ln>
+            <a:noFill/>
+          </a:ln>
+        </p:spPr>
+        <p:style>
+          <a:lnRef idx="0"/>
+          <a:fillRef idx="0"/>
+          <a:effectRef idx="0"/>
+          <a:fontRef idx="minor"/>
+        </p:style>
+        <p:txBody>
+          <a:bodyPr lIns="38160" rIns="38160" tIns="38160" bIns="38160" anchor="ctr">
+            <a:noAutofit/>
+          </a:bodyPr>
+          <a:p>
+            <a:pPr>
+              <a:lnSpc>
+                <a:spcPct val="100000"/>
+              </a:lnSpc>
+            </a:pPr>
+            <a:r>
+              <a:rPr b="0" lang="en-US" sz="3600" spc="-1" strike="noStrike">
+                <a:solidFill>
+                  <a:srgbClr val="ffffff"/>
+                </a:solidFill>
+                <a:latin typeface="Arial"/>
+                <a:ea typeface="Arial"/>
+              </a:rPr>
+              <a:t>Often a function will take its arguments, do some computation, and </a:t>
+            </a:r>
+            <a:r>
+              <a:rPr b="0" lang="en-US" sz="3600" spc="-1" strike="noStrike">
+                <a:solidFill>
+                  <a:srgbClr val="ff7f00"/>
+                </a:solidFill>
+                <a:latin typeface="Arial"/>
+                <a:ea typeface="Arial"/>
+              </a:rPr>
+              <a:t>return</a:t>
+            </a:r>
+            <a:r>
+              <a:rPr b="0" lang="en-US" sz="3600" spc="-1" strike="noStrike">
+                <a:solidFill>
+                  <a:srgbClr val="ffffff"/>
+                </a:solidFill>
+                <a:latin typeface="Arial"/>
+                <a:ea typeface="Arial"/>
+              </a:rPr>
+              <a:t> a value to be used as the value of the function call in the </a:t>
+            </a:r>
+            <a:r>
+              <a:rPr b="0" lang="en-US" sz="3600" spc="-1" strike="noStrike">
+                <a:solidFill>
+                  <a:srgbClr val="ff00ff"/>
+                </a:solidFill>
+                <a:latin typeface="Arial"/>
+                <a:ea typeface="Arial"/>
+              </a:rPr>
+              <a:t>calling expression</a:t>
+            </a:r>
+            <a:r>
+              <a:rPr b="0" lang="en-US" sz="3600" spc="-1" strike="noStrike">
+                <a:solidFill>
+                  <a:srgbClr val="ffffff"/>
+                </a:solidFill>
+                <a:latin typeface="Arial"/>
+                <a:ea typeface="Arial"/>
+              </a:rPr>
+              <a:t>.  The </a:t>
+            </a:r>
+            <a:r>
+              <a:rPr b="0" lang="en-US" sz="3600" spc="-1" strike="noStrike">
+                <a:solidFill>
+                  <a:srgbClr val="ff7f00"/>
+                </a:solidFill>
+                <a:latin typeface="Arial"/>
+                <a:ea typeface="Arial"/>
+              </a:rPr>
+              <a:t>return</a:t>
+            </a:r>
+            <a:r>
+              <a:rPr b="0" lang="en-US" sz="3600" spc="-1" strike="noStrike">
+                <a:solidFill>
+                  <a:srgbClr val="ffffff"/>
+                </a:solidFill>
+                <a:latin typeface="Arial"/>
+                <a:ea typeface="Arial"/>
+              </a:rPr>
+              <a:t> keyword is used for this.</a:t>
+            </a:r>
+            <a:endParaRPr b="0" lang="en-US" sz="3600" spc="-1" strike="noStrike">
+              <a:latin typeface="Arial"/>
+            </a:endParaRPr>
+          </a:p>
+        </p:txBody>
+      </p:sp>
+      <p:sp>
+        <p:nvSpPr>
+          <p:cNvPr id="250" name="CustomShape 3"/>
+          <p:cNvSpPr/>
+          <p:nvPr/>
+        </p:nvSpPr>
+        <p:spPr>
+          <a:xfrm>
+            <a:off x="2912040" y="5370480"/>
+            <a:ext cx="6831360" cy="2831400"/>
+          </a:xfrm>
+          <a:prstGeom prst="rect">
+            <a:avLst/>
+          </a:prstGeom>
+          <a:noFill/>
+          <a:ln>
+            <a:noFill/>
+          </a:ln>
+        </p:spPr>
+        <p:style>
+          <a:lnRef idx="0"/>
+          <a:fillRef idx="0"/>
+          <a:effectRef idx="0"/>
+          <a:fontRef idx="minor"/>
+        </p:style>
+        <p:txBody>
           <a:bodyPr lIns="0" rIns="0" tIns="0" bIns="0" anchor="ctr">
             <a:noAutofit/>
           </a:bodyPr>
@@ -11909,7 +11303,7 @@
         <p:spPr>
           <a:xfrm>
             <a:off x="10894680" y="5947200"/>
-            <a:ext cx="4000320" cy="1193400"/>
+            <a:ext cx="3999960" cy="1193040"/>
           </a:xfrm>
           <a:prstGeom prst="rect">
             <a:avLst/>
@@ -12003,14 +11397,14 @@
       </p:grpSpPr>
       <p:sp>
         <p:nvSpPr>
-          <p:cNvPr id="252" name="TextShape 1"/>
-          <p:cNvSpPr txBox="1"/>
+          <p:cNvPr id="252" name="CustomShape 1"/>
+          <p:cNvSpPr/>
           <p:nvPr/>
         </p:nvSpPr>
         <p:spPr>
           <a:xfrm>
             <a:off x="1155600" y="803520"/>
-            <a:ext cx="13542120" cy="1735920"/>
+            <a:ext cx="13541760" cy="1735560"/>
           </a:xfrm>
           <a:prstGeom prst="rect">
             <a:avLst/>
@@ -12020,6 +11414,12 @@
             <a:noFill/>
           </a:ln>
         </p:spPr>
+        <p:style>
+          <a:lnRef idx="0"/>
+          <a:fillRef idx="0"/>
+          <a:effectRef idx="0"/>
+          <a:fontRef idx="minor"/>
+        </p:style>
         <p:txBody>
           <a:bodyPr lIns="38160" rIns="38160" tIns="38160" bIns="38160" anchor="ctr">
             <a:noAutofit/>
@@ -12041,24 +11441,21 @@
               <a:t>Return Value</a:t>
             </a:r>
             <a:endParaRPr b="0" lang="en-US" sz="7600" spc="-1" strike="noStrike">
-              <a:solidFill>
-                <a:srgbClr val="000000"/>
-              </a:solidFill>
-              <a:latin typeface="Arial"/>
-            </a:endParaRPr>
-          </a:p>
-        </p:txBody>
-      </p:sp>
-      <p:sp>
-        <p:nvSpPr>
-          <p:cNvPr id="253" name="TextShape 2"/>
-          <p:cNvSpPr txBox="1"/>
+              <a:latin typeface="Arial"/>
+            </a:endParaRPr>
+          </a:p>
+        </p:txBody>
+      </p:sp>
+      <p:sp>
+        <p:nvSpPr>
+          <p:cNvPr id="253" name="CustomShape 2"/>
+          <p:cNvSpPr/>
           <p:nvPr/>
         </p:nvSpPr>
         <p:spPr>
           <a:xfrm>
             <a:off x="1155600" y="2603520"/>
-            <a:ext cx="6616440" cy="5702040"/>
+            <a:ext cx="6616080" cy="5701680"/>
           </a:xfrm>
           <a:prstGeom prst="rect">
             <a:avLst/>
@@ -12068,12 +11465,18 @@
             <a:noFill/>
           </a:ln>
         </p:spPr>
+        <p:style>
+          <a:lnRef idx="0"/>
+          <a:fillRef idx="0"/>
+          <a:effectRef idx="0"/>
+          <a:fontRef idx="minor"/>
+        </p:style>
         <p:txBody>
           <a:bodyPr lIns="38160" rIns="38160" tIns="38160" bIns="38160" anchor="ctr">
             <a:noAutofit/>
           </a:bodyPr>
           <a:p>
-            <a:pPr marL="749160" indent="-370800">
+            <a:pPr marL="749160" indent="-370440">
               <a:lnSpc>
                 <a:spcPct val="100000"/>
               </a:lnSpc>
@@ -12174,14 +11577,11 @@
               <a:t>)</a:t>
             </a:r>
             <a:endParaRPr b="0" lang="en-US" sz="3600" spc="-1" strike="noStrike">
-              <a:solidFill>
-                <a:srgbClr val="000000"/>
-              </a:solidFill>
-              <a:latin typeface="Arial"/>
-            </a:endParaRPr>
-          </a:p>
-          <a:p>
-            <a:pPr marL="749160" indent="-370800">
+              <a:latin typeface="Arial"/>
+            </a:endParaRPr>
+          </a:p>
+          <a:p>
+            <a:pPr marL="749160" indent="-370440">
               <a:lnSpc>
                 <a:spcPct val="100000"/>
               </a:lnSpc>
@@ -12275,9 +11675,6 @@
               <a:t>function</a:t>
             </a:r>
             <a:endParaRPr b="0" lang="en-US" sz="3600" spc="-1" strike="noStrike">
-              <a:solidFill>
-                <a:srgbClr val="000000"/>
-              </a:solidFill>
               <a:latin typeface="Arial"/>
             </a:endParaRPr>
           </a:p>
@@ -12292,7 +11689,7 @@
         <p:spPr>
           <a:xfrm>
             <a:off x="9002160" y="2309400"/>
-            <a:ext cx="6721920" cy="6428880"/>
+            <a:ext cx="6721560" cy="6428520"/>
           </a:xfrm>
           <a:prstGeom prst="rect">
             <a:avLst/>
@@ -13066,122 +12463,14 @@
       </p:grpSpPr>
       <p:sp>
         <p:nvSpPr>
-          <p:cNvPr id="255" name="TextShape 1"/>
-          <p:cNvSpPr txBox="1"/>
-          <p:nvPr/>
-        </p:nvSpPr>
-        <p:spPr>
-          <a:xfrm>
-            <a:off x="1155600" y="803520"/>
-            <a:ext cx="13931640" cy="1735920"/>
-          </a:xfrm>
-          <a:prstGeom prst="rect">
-            <a:avLst/>
-          </a:prstGeom>
-          <a:noFill/>
-          <a:ln>
-            <a:noFill/>
-          </a:ln>
-        </p:spPr>
-        <p:txBody>
-          <a:bodyPr lIns="38160" rIns="38160" tIns="38160" bIns="38160" anchor="ctr">
-            <a:noAutofit/>
-          </a:bodyPr>
-          <a:p>
-            <a:pPr algn="ctr">
-              <a:lnSpc>
-                <a:spcPct val="100000"/>
-              </a:lnSpc>
-            </a:pPr>
-            <a:r>
-              <a:rPr b="0" lang="en-US" sz="7100" spc="-1" strike="noStrike">
-                <a:solidFill>
-                  <a:srgbClr val="ff7f00"/>
-                </a:solidFill>
-                <a:latin typeface="Arial"/>
-                <a:ea typeface="Arial"/>
-              </a:rPr>
-              <a:t>Arguments</a:t>
-            </a:r>
-            <a:r>
-              <a:rPr b="0" lang="en-US" sz="7100" spc="-1" strike="noStrike">
-                <a:solidFill>
-                  <a:srgbClr val="ffffff"/>
-                </a:solidFill>
-                <a:latin typeface="Arial"/>
-                <a:ea typeface="Arial"/>
-              </a:rPr>
-              <a:t>,</a:t>
-            </a:r>
-            <a:r>
-              <a:rPr b="0" lang="en-US" sz="7100" spc="-1" strike="noStrike">
-                <a:solidFill>
-                  <a:srgbClr val="ffff00"/>
-                </a:solidFill>
-                <a:latin typeface="Arial"/>
-                <a:ea typeface="Arial"/>
-              </a:rPr>
-              <a:t> </a:t>
-            </a:r>
-            <a:r>
-              <a:rPr b="0" lang="en-US" sz="7100" spc="-1" strike="noStrike">
-                <a:solidFill>
-                  <a:srgbClr val="00ffff"/>
-                </a:solidFill>
-                <a:latin typeface="Arial"/>
-                <a:ea typeface="Arial"/>
-              </a:rPr>
-              <a:t>Parameters</a:t>
-            </a:r>
-            <a:r>
-              <a:rPr b="0" lang="en-US" sz="7100" spc="-1" strike="noStrike">
-                <a:solidFill>
-                  <a:srgbClr val="ffffff"/>
-                </a:solidFill>
-                <a:latin typeface="Arial"/>
-                <a:ea typeface="Arial"/>
-              </a:rPr>
-              <a:t>, and</a:t>
-            </a:r>
-            <a:r>
-              <a:rPr b="0" lang="en-US" sz="7100" spc="-1" strike="noStrike">
-                <a:solidFill>
-                  <a:srgbClr val="ff00ff"/>
-                </a:solidFill>
-                <a:latin typeface="Arial"/>
-                <a:ea typeface="Arial"/>
-              </a:rPr>
-              <a:t> </a:t>
-            </a:r>
-            <a:r>
-              <a:rPr b="0" lang="en-US" sz="7100" spc="-1" strike="noStrike">
-                <a:solidFill>
-                  <a:srgbClr val="00ff00"/>
-                </a:solidFill>
-                <a:latin typeface="Arial"/>
-                <a:ea typeface="Arial"/>
-              </a:rPr>
-              <a:t>Results</a:t>
-            </a:r>
-            <a:endParaRPr b="0" lang="en-US" sz="7100" spc="-1" strike="noStrike">
-              <a:solidFill>
-                <a:srgbClr val="000000"/>
-              </a:solidFill>
-              <a:latin typeface="Arial"/>
-            </a:endParaRPr>
-          </a:p>
-        </p:txBody>
-      </p:sp>
-      <p:sp>
-        <p:nvSpPr>
-          <p:cNvPr id="256" name="CustomShape 2"/>
+          <p:cNvPr id="255" name="CustomShape 1"/>
           <p:cNvSpPr/>
           <p:nvPr/>
         </p:nvSpPr>
         <p:spPr>
           <a:xfrm>
-            <a:off x="1155600" y="2908440"/>
-            <a:ext cx="7556760" cy="1663560"/>
+            <a:off x="1155600" y="803520"/>
+            <a:ext cx="13931280" cy="1735560"/>
           </a:xfrm>
           <a:prstGeom prst="rect">
             <a:avLst/>
@@ -13198,6 +12487,117 @@
           <a:fontRef idx="minor"/>
         </p:style>
         <p:txBody>
+          <a:bodyPr lIns="38160" rIns="38160" tIns="38160" bIns="38160" anchor="ctr">
+            <a:noAutofit/>
+          </a:bodyPr>
+          <a:p>
+            <a:pPr algn="ctr">
+              <a:lnSpc>
+                <a:spcPct val="100000"/>
+              </a:lnSpc>
+            </a:pPr>
+            <a:r>
+              <a:rPr b="0" lang="en-US" sz="7100" spc="-1" strike="noStrike">
+                <a:solidFill>
+                  <a:srgbClr val="ff7f00"/>
+                </a:solidFill>
+                <a:latin typeface="Arial"/>
+                <a:ea typeface="Arial"/>
+              </a:rPr>
+              <a:t>Arguments</a:t>
+            </a:r>
+            <a:r>
+              <a:rPr b="0" lang="en-US" sz="7100" spc="-1" strike="noStrike">
+                <a:solidFill>
+                  <a:srgbClr val="ffffff"/>
+                </a:solidFill>
+                <a:latin typeface="Arial"/>
+                <a:ea typeface="Arial"/>
+              </a:rPr>
+              <a:t>,</a:t>
+            </a:r>
+            <a:r>
+              <a:rPr b="0" lang="en-US" sz="7100" spc="-1" strike="noStrike">
+                <a:solidFill>
+                  <a:srgbClr val="ffff00"/>
+                </a:solidFill>
+                <a:latin typeface="Arial"/>
+                <a:ea typeface="Arial"/>
+              </a:rPr>
+              <a:t> </a:t>
+            </a:r>
+            <a:r>
+              <a:rPr b="0" lang="en-US" sz="7100" spc="-1" strike="noStrike">
+                <a:solidFill>
+                  <a:srgbClr val="00ffff"/>
+                </a:solidFill>
+                <a:latin typeface="Arial"/>
+                <a:ea typeface="Arial"/>
+              </a:rPr>
+              <a:t>Parameters</a:t>
+            </a:r>
+            <a:r>
+              <a:rPr b="0" lang="en-US" sz="7100" spc="-1" strike="noStrike">
+                <a:solidFill>
+                  <a:srgbClr val="ffffff"/>
+                </a:solidFill>
+                <a:latin typeface="Arial"/>
+                <a:ea typeface="Arial"/>
+              </a:rPr>
+              <a:t>, and</a:t>
+            </a:r>
+            <a:r>
+              <a:rPr b="0" lang="en-US" sz="7100" spc="-1" strike="noStrike">
+                <a:solidFill>
+                  <a:srgbClr val="ff00ff"/>
+                </a:solidFill>
+                <a:latin typeface="Arial"/>
+                <a:ea typeface="Arial"/>
+              </a:rPr>
+              <a:t> </a:t>
+            </a:r>
+            <a:r>
+              <a:rPr b="0" lang="en-US" sz="7100" spc="-1" strike="noStrike">
+                <a:solidFill>
+                  <a:srgbClr val="00ff00"/>
+                </a:solidFill>
+                <a:latin typeface="Arial"/>
+                <a:ea typeface="Arial"/>
+              </a:rPr>
+              <a:t>Results</a:t>
+            </a:r>
+            <a:endParaRPr b="0" lang="en-US" sz="7100" spc="-1" strike="noStrike">
+              <a:latin typeface="Arial"/>
+            </a:endParaRPr>
+          </a:p>
+        </p:txBody>
+      </p:sp>
+      <p:sp>
+        <p:nvSpPr>
+          <p:cNvPr id="256" name="CustomShape 2"/>
+          <p:cNvSpPr/>
+          <p:nvPr/>
+        </p:nvSpPr>
+        <p:spPr>
+          <a:xfrm>
+            <a:off x="1155600" y="2908440"/>
+            <a:ext cx="7556400" cy="1663200"/>
+          </a:xfrm>
+          <a:prstGeom prst="rect">
+            <a:avLst/>
+          </a:prstGeom>
+          <a:noFill/>
+          <a:ln>
+            <a:noFill/>
+          </a:ln>
+        </p:spPr>
+        <p:style>
+          <a:lnRef idx="0"/>
+          <a:fillRef idx="0"/>
+          <a:effectRef idx="0"/>
+          <a:fontRef idx="minor"/>
+        </p:style>
+        <p:txBody>
           <a:bodyPr lIns="0" rIns="0" tIns="0" bIns="0" anchor="ctr">
             <a:noAutofit/>
           </a:bodyPr>
@@ -13372,7 +12772,7 @@
         <p:spPr>
           <a:xfrm>
             <a:off x="7805520" y="4011480"/>
-            <a:ext cx="3127320" cy="3483000"/>
+            <a:ext cx="3126960" cy="3482640"/>
           </a:xfrm>
           <a:prstGeom prst="rect">
             <a:avLst/>
@@ -13696,7 +13096,7 @@
         <p:spPr>
           <a:xfrm flipH="1">
             <a:off x="6568560" y="5608440"/>
-            <a:ext cx="1015560" cy="3240"/>
+            <a:ext cx="1015200" cy="2880"/>
           </a:xfrm>
           <a:custGeom>
             <a:avLst/>
@@ -13739,7 +13139,7 @@
         <p:spPr>
           <a:xfrm>
             <a:off x="3530520" y="5283360"/>
-            <a:ext cx="2849040" cy="622080"/>
+            <a:ext cx="2848680" cy="621720"/>
           </a:xfrm>
           <a:prstGeom prst="rect">
             <a:avLst/>
@@ -13790,7 +13190,7 @@
         <p:spPr>
           <a:xfrm>
             <a:off x="13066560" y="5232240"/>
-            <a:ext cx="644040" cy="622080"/>
+            <a:ext cx="643680" cy="621720"/>
           </a:xfrm>
           <a:prstGeom prst="rect">
             <a:avLst/>
@@ -13840,8 +13240,8 @@
         </p:nvSpPr>
         <p:spPr>
           <a:xfrm flipH="1">
-            <a:off x="11153880" y="5594400"/>
-            <a:ext cx="1491840" cy="17280"/>
+            <a:off x="11153160" y="5594400"/>
+            <a:ext cx="1491480" cy="16920"/>
           </a:xfrm>
           <a:custGeom>
             <a:avLst/>
@@ -13884,7 +13284,7 @@
         <p:spPr>
           <a:xfrm>
             <a:off x="1700280" y="6502320"/>
-            <a:ext cx="2325240" cy="622080"/>
+            <a:ext cx="2324880" cy="621720"/>
           </a:xfrm>
           <a:prstGeom prst="rect">
             <a:avLst/>
@@ -13934,8 +13334,8 @@
         </p:nvSpPr>
         <p:spPr>
           <a:xfrm flipH="1">
-            <a:off x="3027240" y="5965200"/>
-            <a:ext cx="902880" cy="532080"/>
+            <a:off x="3026520" y="5965200"/>
+            <a:ext cx="902520" cy="531720"/>
           </a:xfrm>
           <a:custGeom>
             <a:avLst/>
@@ -13978,7 +13378,7 @@
         <p:spPr>
           <a:xfrm>
             <a:off x="11231640" y="2908440"/>
-            <a:ext cx="2479320" cy="622080"/>
+            <a:ext cx="2478960" cy="621720"/>
           </a:xfrm>
           <a:prstGeom prst="rect">
             <a:avLst/>
@@ -14028,8 +13428,8 @@
         </p:nvSpPr>
         <p:spPr>
           <a:xfrm flipH="1" rot="10800000">
-            <a:off x="10056600" y="3373560"/>
-            <a:ext cx="1048680" cy="1075320"/>
+            <a:off x="10056960" y="3373920"/>
+            <a:ext cx="1048320" cy="1074960"/>
           </a:xfrm>
           <a:custGeom>
             <a:avLst/>
@@ -14072,7 +13472,7 @@
         <p:spPr>
           <a:xfrm>
             <a:off x="13023720" y="6743880"/>
-            <a:ext cx="1689120" cy="622080"/>
+            <a:ext cx="1688760" cy="621720"/>
           </a:xfrm>
           <a:prstGeom prst="rect">
             <a:avLst/>
@@ -14123,7 +13523,7 @@
         <p:spPr>
           <a:xfrm>
             <a:off x="13377960" y="5940360"/>
-            <a:ext cx="360" cy="711000"/>
+            <a:ext cx="360" cy="710640"/>
           </a:xfrm>
           <a:custGeom>
             <a:avLst/>
@@ -14156,6 +13556,42 @@
           <a:effectRef idx="0"/>
           <a:fontRef idx="minor"/>
         </p:style>
+      </p:sp>
+      <p:sp>
+        <p:nvSpPr>
+          <p:cNvPr id="268" name="TextShape 14"/>
+          <p:cNvSpPr txBox="1"/>
+          <p:nvPr/>
+        </p:nvSpPr>
+        <p:spPr>
+          <a:xfrm>
+            <a:off x="1757880" y="7680960"/>
+            <a:ext cx="10586520" cy="1097280"/>
+          </a:xfrm>
+          <a:prstGeom prst="rect">
+            <a:avLst/>
+          </a:prstGeom>
+          <a:noFill/>
+          <a:ln>
+            <a:noFill/>
+          </a:ln>
+        </p:spPr>
+        <p:txBody>
+          <a:bodyPr lIns="90000" rIns="90000" tIns="45000" bIns="45000">
+            <a:spAutoFit/>
+          </a:bodyPr>
+          <a:p>
+            <a:r>
+              <a:rPr b="0" lang="en-US" sz="3600" spc="-1" strike="noStrike">
+                <a:latin typeface="Arial"/>
+              </a:rPr>
+              <a:t>Alphabetical Order (small to large): 0-9A-Za-z</a:t>
+            </a:r>
+            <a:endParaRPr b="0" lang="en-US" sz="3600" spc="-1" strike="noStrike">
+              <a:latin typeface="Arial"/>
+            </a:endParaRPr>
+          </a:p>
+        </p:txBody>
       </p:sp>
     </p:spTree>
   </p:cSld>
@@ -14189,62 +13625,14 @@
       </p:grpSpPr>
       <p:sp>
         <p:nvSpPr>
-          <p:cNvPr id="171" name="TextShape 1"/>
-          <p:cNvSpPr txBox="1"/>
-          <p:nvPr/>
-        </p:nvSpPr>
-        <p:spPr>
-          <a:xfrm>
-            <a:off x="1155600" y="803520"/>
-            <a:ext cx="13931640" cy="1735920"/>
-          </a:xfrm>
-          <a:prstGeom prst="rect">
-            <a:avLst/>
-          </a:prstGeom>
-          <a:noFill/>
-          <a:ln>
-            <a:noFill/>
-          </a:ln>
-        </p:spPr>
-        <p:txBody>
-          <a:bodyPr lIns="38160" rIns="38160" tIns="38160" bIns="38160" anchor="ctr">
-            <a:noAutofit/>
-          </a:bodyPr>
-          <a:p>
-            <a:pPr algn="ctr">
-              <a:lnSpc>
-                <a:spcPct val="100000"/>
-              </a:lnSpc>
-            </a:pPr>
-            <a:r>
-              <a:rPr b="0" lang="en-US" sz="7600" spc="-1" strike="noStrike">
-                <a:solidFill>
-                  <a:srgbClr val="ffd966"/>
-                </a:solidFill>
-                <a:latin typeface="Arial"/>
-                <a:ea typeface="Arial"/>
-              </a:rPr>
-              <a:t>Stored (and reused) Steps</a:t>
-            </a:r>
-            <a:endParaRPr b="0" lang="en-US" sz="7600" spc="-1" strike="noStrike">
-              <a:solidFill>
-                <a:srgbClr val="000000"/>
-              </a:solidFill>
-              <a:latin typeface="Arial"/>
-            </a:endParaRPr>
-          </a:p>
-        </p:txBody>
-      </p:sp>
-      <p:sp>
-        <p:nvSpPr>
-          <p:cNvPr id="172" name="CustomShape 2"/>
+          <p:cNvPr id="171" name="CustomShape 1"/>
           <p:cNvSpPr/>
           <p:nvPr/>
         </p:nvSpPr>
         <p:spPr>
           <a:xfrm>
-            <a:off x="12870000" y="3720960"/>
-            <a:ext cx="3161880" cy="3746160"/>
+            <a:off x="1155600" y="803520"/>
+            <a:ext cx="13931280" cy="1735560"/>
           </a:xfrm>
           <a:prstGeom prst="rect">
             <a:avLst/>
@@ -14261,151 +13649,41 @@
           <a:fontRef idx="minor"/>
         </p:style>
         <p:txBody>
-          <a:bodyPr lIns="0" rIns="0" tIns="0" bIns="0" anchor="ctr">
+          <a:bodyPr lIns="38160" rIns="38160" tIns="38160" bIns="38160" anchor="ctr">
             <a:noAutofit/>
           </a:bodyPr>
           <a:p>
-            <a:pPr>
-              <a:lnSpc>
-                <a:spcPct val="100000"/>
-              </a:lnSpc>
-            </a:pPr>
-            <a:r>
-              <a:rPr b="0" lang="en-US" sz="3600" spc="-1" strike="noStrike">
-                <a:solidFill>
-                  <a:srgbClr val="ffffff"/>
-                </a:solidFill>
-                <a:latin typeface="Arial"/>
-                <a:ea typeface="Arial"/>
-              </a:rPr>
-              <a:t>Output:</a:t>
-            </a:r>
-            <a:endParaRPr b="0" lang="en-US" sz="3600" spc="-1" strike="noStrike">
-              <a:latin typeface="Arial"/>
-            </a:endParaRPr>
-          </a:p>
-          <a:p>
             <a:pPr algn="ctr">
               <a:lnSpc>
                 <a:spcPct val="100000"/>
               </a:lnSpc>
             </a:pPr>
-            <a:endParaRPr b="0" lang="en-US" sz="3600" spc="-1" strike="noStrike">
-              <a:latin typeface="Arial"/>
-            </a:endParaRPr>
-          </a:p>
-          <a:p>
-            <a:pPr>
-              <a:lnSpc>
-                <a:spcPct val="100000"/>
-              </a:lnSpc>
-            </a:pPr>
-            <a:r>
-              <a:rPr b="0" lang="en-US" sz="3600" spc="-1" strike="noStrike">
-                <a:solidFill>
-                  <a:srgbClr val="00ff00"/>
-                </a:solidFill>
-                <a:latin typeface="Arial"/>
-                <a:ea typeface="Arial"/>
-              </a:rPr>
-              <a:t>Hello</a:t>
-            </a:r>
-            <a:endParaRPr b="0" lang="en-US" sz="3600" spc="-1" strike="noStrike">
-              <a:latin typeface="Arial"/>
-            </a:endParaRPr>
-          </a:p>
-          <a:p>
-            <a:pPr>
-              <a:lnSpc>
-                <a:spcPct val="100000"/>
-              </a:lnSpc>
-            </a:pPr>
-            <a:r>
-              <a:rPr b="0" lang="en-US" sz="3600" spc="-1" strike="noStrike">
-                <a:solidFill>
-                  <a:srgbClr val="00ff00"/>
-                </a:solidFill>
-                <a:latin typeface="Arial"/>
-                <a:ea typeface="Arial"/>
-              </a:rPr>
-              <a:t>Fun</a:t>
-            </a:r>
-            <a:endParaRPr b="0" lang="en-US" sz="3600" spc="-1" strike="noStrike">
-              <a:latin typeface="Arial"/>
-            </a:endParaRPr>
-          </a:p>
-          <a:p>
-            <a:pPr>
-              <a:lnSpc>
-                <a:spcPct val="100000"/>
-              </a:lnSpc>
-            </a:pPr>
-            <a:r>
-              <a:rPr b="0" lang="en-US" sz="3600" spc="-1" strike="noStrike">
-                <a:solidFill>
-                  <a:srgbClr val="ff7f00"/>
-                </a:solidFill>
-                <a:latin typeface="Arial"/>
-                <a:ea typeface="Arial"/>
-              </a:rPr>
-              <a:t>Zip</a:t>
-            </a:r>
-            <a:endParaRPr b="0" lang="en-US" sz="3600" spc="-1" strike="noStrike">
-              <a:latin typeface="Arial"/>
-            </a:endParaRPr>
-          </a:p>
-          <a:p>
-            <a:pPr>
-              <a:lnSpc>
-                <a:spcPct val="100000"/>
-              </a:lnSpc>
-            </a:pPr>
-            <a:r>
-              <a:rPr b="0" lang="en-US" sz="3600" spc="-1" strike="noStrike">
-                <a:solidFill>
-                  <a:srgbClr val="00ff00"/>
-                </a:solidFill>
-                <a:latin typeface="Arial"/>
-                <a:ea typeface="Arial"/>
-              </a:rPr>
-              <a:t>Hello</a:t>
-            </a:r>
-            <a:endParaRPr b="0" lang="en-US" sz="3600" spc="-1" strike="noStrike">
-              <a:latin typeface="Arial"/>
-            </a:endParaRPr>
-          </a:p>
-          <a:p>
-            <a:pPr>
-              <a:lnSpc>
-                <a:spcPct val="100000"/>
-              </a:lnSpc>
-            </a:pPr>
-            <a:r>
-              <a:rPr b="0" lang="en-US" sz="3600" spc="-1" strike="noStrike">
-                <a:solidFill>
-                  <a:srgbClr val="00ff00"/>
-                </a:solidFill>
-                <a:latin typeface="Arial"/>
-                <a:ea typeface="Arial"/>
-              </a:rPr>
-              <a:t>Fun</a:t>
-            </a:r>
-            <a:endParaRPr b="0" lang="en-US" sz="3600" spc="-1" strike="noStrike">
-              <a:latin typeface="Arial"/>
-            </a:endParaRPr>
-          </a:p>
-        </p:txBody>
-      </p:sp>
-      <p:sp>
-        <p:nvSpPr>
-          <p:cNvPr id="173" name="CustomShape 3"/>
+            <a:r>
+              <a:rPr b="0" lang="en-US" sz="7600" spc="-1" strike="noStrike">
+                <a:solidFill>
+                  <a:srgbClr val="ffd966"/>
+                </a:solidFill>
+                <a:latin typeface="Arial"/>
+                <a:ea typeface="Arial"/>
+              </a:rPr>
+              <a:t>Stored (and reused) Steps</a:t>
+            </a:r>
+            <a:endParaRPr b="0" lang="en-US" sz="7600" spc="-1" strike="noStrike">
+              <a:latin typeface="Arial"/>
+            </a:endParaRPr>
+          </a:p>
+        </p:txBody>
+      </p:sp>
+      <p:sp>
+        <p:nvSpPr>
+          <p:cNvPr id="172" name="CustomShape 2"/>
           <p:cNvSpPr/>
           <p:nvPr/>
         </p:nvSpPr>
         <p:spPr>
           <a:xfrm>
-            <a:off x="7899480" y="2971800"/>
-            <a:ext cx="3585960" cy="3800160"/>
+            <a:off x="12870000" y="3720960"/>
+            <a:ext cx="3161520" cy="3745800"/>
           </a:xfrm>
           <a:prstGeom prst="rect">
             <a:avLst/>
@@ -14439,6 +13717,167 @@
                 <a:latin typeface="Arial"/>
                 <a:ea typeface="Arial"/>
               </a:rPr>
+              <a:t>Output:</a:t>
+            </a:r>
+            <a:endParaRPr b="0" lang="en-US" sz="3600" spc="-1" strike="noStrike">
+              <a:latin typeface="Arial"/>
+            </a:endParaRPr>
+          </a:p>
+          <a:p>
+            <a:pPr algn="ctr">
+              <a:lnSpc>
+                <a:spcPct val="100000"/>
+              </a:lnSpc>
+            </a:pPr>
+            <a:endParaRPr b="0" lang="en-US" sz="3600" spc="-1" strike="noStrike">
+              <a:latin typeface="Arial"/>
+            </a:endParaRPr>
+          </a:p>
+          <a:p>
+            <a:pPr>
+              <a:lnSpc>
+                <a:spcPct val="100000"/>
+              </a:lnSpc>
+            </a:pPr>
+            <a:r>
+              <a:rPr b="0" lang="en-US" sz="3600" spc="-1" strike="noStrike">
+                <a:solidFill>
+                  <a:srgbClr val="00ff00"/>
+                </a:solidFill>
+                <a:latin typeface="Arial"/>
+                <a:ea typeface="Arial"/>
+              </a:rPr>
+              <a:t>Hello</a:t>
+            </a:r>
+            <a:endParaRPr b="0" lang="en-US" sz="3600" spc="-1" strike="noStrike">
+              <a:latin typeface="Arial"/>
+            </a:endParaRPr>
+          </a:p>
+          <a:p>
+            <a:pPr>
+              <a:lnSpc>
+                <a:spcPct val="100000"/>
+              </a:lnSpc>
+            </a:pPr>
+            <a:r>
+              <a:rPr b="0" lang="en-US" sz="3600" spc="-1" strike="noStrike">
+                <a:solidFill>
+                  <a:srgbClr val="00ff00"/>
+                </a:solidFill>
+                <a:latin typeface="Arial"/>
+                <a:ea typeface="Arial"/>
+              </a:rPr>
+              <a:t>Fun</a:t>
+            </a:r>
+            <a:endParaRPr b="0" lang="en-US" sz="3600" spc="-1" strike="noStrike">
+              <a:latin typeface="Arial"/>
+            </a:endParaRPr>
+          </a:p>
+          <a:p>
+            <a:pPr>
+              <a:lnSpc>
+                <a:spcPct val="100000"/>
+              </a:lnSpc>
+            </a:pPr>
+            <a:r>
+              <a:rPr b="0" lang="en-US" sz="3600" spc="-1" strike="noStrike">
+                <a:solidFill>
+                  <a:srgbClr val="ff7f00"/>
+                </a:solidFill>
+                <a:latin typeface="Arial"/>
+                <a:ea typeface="Arial"/>
+              </a:rPr>
+              <a:t>Zip</a:t>
+            </a:r>
+            <a:endParaRPr b="0" lang="en-US" sz="3600" spc="-1" strike="noStrike">
+              <a:latin typeface="Arial"/>
+            </a:endParaRPr>
+          </a:p>
+          <a:p>
+            <a:pPr>
+              <a:lnSpc>
+                <a:spcPct val="100000"/>
+              </a:lnSpc>
+            </a:pPr>
+            <a:r>
+              <a:rPr b="0" lang="en-US" sz="3600" spc="-1" strike="noStrike">
+                <a:solidFill>
+                  <a:srgbClr val="00ff00"/>
+                </a:solidFill>
+                <a:latin typeface="Arial"/>
+                <a:ea typeface="Arial"/>
+              </a:rPr>
+              <a:t>Hello</a:t>
+            </a:r>
+            <a:endParaRPr b="0" lang="en-US" sz="3600" spc="-1" strike="noStrike">
+              <a:latin typeface="Arial"/>
+            </a:endParaRPr>
+          </a:p>
+          <a:p>
+            <a:pPr>
+              <a:lnSpc>
+                <a:spcPct val="100000"/>
+              </a:lnSpc>
+            </a:pPr>
+            <a:r>
+              <a:rPr b="0" lang="en-US" sz="3600" spc="-1" strike="noStrike">
+                <a:solidFill>
+                  <a:srgbClr val="00ff00"/>
+                </a:solidFill>
+                <a:latin typeface="Arial"/>
+                <a:ea typeface="Arial"/>
+              </a:rPr>
+              <a:t>Fun</a:t>
+            </a:r>
+            <a:endParaRPr b="0" lang="en-US" sz="3600" spc="-1" strike="noStrike">
+              <a:latin typeface="Arial"/>
+            </a:endParaRPr>
+          </a:p>
+        </p:txBody>
+      </p:sp>
+      <p:sp>
+        <p:nvSpPr>
+          <p:cNvPr id="173" name="CustomShape 3"/>
+          <p:cNvSpPr/>
+          <p:nvPr/>
+        </p:nvSpPr>
+        <p:spPr>
+          <a:xfrm>
+            <a:off x="7899480" y="2971800"/>
+            <a:ext cx="3585600" cy="3799800"/>
+          </a:xfrm>
+          <a:prstGeom prst="rect">
+            <a:avLst/>
+          </a:prstGeom>
+          <a:noFill/>
+          <a:ln>
+            <a:noFill/>
+          </a:ln>
+        </p:spPr>
+        <p:style>
+          <a:lnRef idx="0"/>
+          <a:fillRef idx="0"/>
+          <a:effectRef idx="0"/>
+          <a:fontRef idx="minor"/>
+        </p:style>
+        <p:txBody>
+          <a:bodyPr lIns="0" rIns="0" tIns="0" bIns="0" anchor="ctr">
+            <a:noAutofit/>
+          </a:bodyPr>
+          <a:p>
+            <a:pPr>
+              <a:lnSpc>
+                <a:spcPct val="100000"/>
+              </a:lnSpc>
+            </a:pPr>
+            <a:r>
+              <a:rPr b="0" lang="en-US" sz="3600" spc="-1" strike="noStrike">
+                <a:solidFill>
+                  <a:srgbClr val="ffffff"/>
+                </a:solidFill>
+                <a:latin typeface="Arial"/>
+                <a:ea typeface="Arial"/>
+              </a:rPr>
               <a:t>Program:</a:t>
             </a:r>
             <a:endParaRPr b="0" lang="en-US" sz="3600" spc="-1" strike="noStrike">
@@ -14666,7 +14105,7 @@
         <p:spPr>
           <a:xfrm>
             <a:off x="762120" y="2730600"/>
-            <a:ext cx="2742840" cy="596520"/>
+            <a:ext cx="2742480" cy="596160"/>
           </a:xfrm>
           <a:prstGeom prst="rect">
             <a:avLst/>
@@ -14719,8 +14158,8 @@
         </p:nvSpPr>
         <p:spPr>
           <a:xfrm rot="10800000">
-            <a:off x="2114640" y="3313440"/>
-            <a:ext cx="6120" cy="1848960"/>
+            <a:off x="2115000" y="3313800"/>
+            <a:ext cx="5760" cy="1848600"/>
           </a:xfrm>
           <a:custGeom>
             <a:avLst/>
@@ -14762,8 +14201,8 @@
         </p:nvSpPr>
         <p:spPr>
           <a:xfrm flipH="1">
-            <a:off x="9366120" y="5416560"/>
-            <a:ext cx="3420720" cy="342360"/>
+            <a:off x="9365400" y="5416560"/>
+            <a:ext cx="3420360" cy="342000"/>
           </a:xfrm>
           <a:custGeom>
             <a:avLst/>
@@ -14805,8 +14244,8 @@
         </p:nvSpPr>
         <p:spPr>
           <a:xfrm rot="10800000">
-            <a:off x="9423720" y="6615000"/>
-            <a:ext cx="3334320" cy="270000"/>
+            <a:off x="9424080" y="6615000"/>
+            <a:ext cx="3333960" cy="269640"/>
           </a:xfrm>
           <a:custGeom>
             <a:avLst/>
@@ -14849,7 +14288,7 @@
         <p:spPr>
           <a:xfrm>
             <a:off x="4429800" y="3608280"/>
-            <a:ext cx="2742840" cy="1114920"/>
+            <a:ext cx="2742480" cy="1114560"/>
           </a:xfrm>
           <a:prstGeom prst="rect">
             <a:avLst/>
@@ -14953,7 +14392,7 @@
         <p:spPr>
           <a:xfrm>
             <a:off x="762120" y="5092560"/>
-            <a:ext cx="2742840" cy="596520"/>
+            <a:ext cx="2742480" cy="596160"/>
           </a:xfrm>
           <a:prstGeom prst="rect">
             <a:avLst/>
@@ -15006,8 +14445,8 @@
         </p:nvSpPr>
         <p:spPr>
           <a:xfrm rot="10800000">
-            <a:off x="2114640" y="5713920"/>
-            <a:ext cx="14040" cy="566280"/>
+            <a:off x="2115000" y="5714280"/>
+            <a:ext cx="13680" cy="565920"/>
           </a:xfrm>
           <a:custGeom>
             <a:avLst/>
@@ -15049,8 +14488,8 @@
         </p:nvSpPr>
         <p:spPr>
           <a:xfrm flipH="1">
-            <a:off x="3491640" y="4098960"/>
-            <a:ext cx="856080" cy="1024200"/>
+            <a:off x="3490920" y="4098960"/>
+            <a:ext cx="855720" cy="1023840"/>
           </a:xfrm>
           <a:custGeom>
             <a:avLst/>
@@ -15092,8 +14531,8 @@
         </p:nvSpPr>
         <p:spPr>
           <a:xfrm flipH="1" rot="10800000">
-            <a:off x="3527280" y="4724280"/>
-            <a:ext cx="2099880" cy="893160"/>
+            <a:off x="3527640" y="4724640"/>
+            <a:ext cx="2099520" cy="892800"/>
           </a:xfrm>
           <a:custGeom>
             <a:avLst/>
@@ -15135,8 +14574,8 @@
         </p:nvSpPr>
         <p:spPr>
           <a:xfrm rot="10800000">
-            <a:off x="3505680" y="3029400"/>
-            <a:ext cx="951480" cy="579240"/>
+            <a:off x="3506040" y="3029760"/>
+            <a:ext cx="951120" cy="578880"/>
           </a:xfrm>
           <a:custGeom>
             <a:avLst/>
@@ -15179,7 +14618,7 @@
         <p:spPr>
           <a:xfrm>
             <a:off x="3850560" y="7773840"/>
-            <a:ext cx="8802360" cy="621720"/>
+            <a:ext cx="8802000" cy="621360"/>
           </a:xfrm>
           <a:prstGeom prst="rect">
             <a:avLst/>
@@ -15230,7 +14669,7 @@
         <p:spPr>
           <a:xfrm>
             <a:off x="5038560" y="2997360"/>
-            <a:ext cx="1767600" cy="622080"/>
+            <a:ext cx="1767240" cy="621720"/>
           </a:xfrm>
           <a:prstGeom prst="rect">
             <a:avLst/>
@@ -15281,7 +14720,7 @@
         <p:spPr>
           <a:xfrm>
             <a:off x="762120" y="7302600"/>
-            <a:ext cx="2742840" cy="596520"/>
+            <a:ext cx="2742480" cy="596160"/>
           </a:xfrm>
           <a:prstGeom prst="rect">
             <a:avLst/>
@@ -15334,8 +14773,8 @@
         </p:nvSpPr>
         <p:spPr>
           <a:xfrm rot="10800000">
-            <a:off x="2114640" y="6729840"/>
-            <a:ext cx="14040" cy="566280"/>
+            <a:off x="2115000" y="6730200"/>
+            <a:ext cx="13680" cy="565920"/>
           </a:xfrm>
           <a:custGeom>
             <a:avLst/>
@@ -15378,7 +14817,7 @@
         <p:spPr>
           <a:xfrm>
             <a:off x="762120" y="6222960"/>
-            <a:ext cx="2742840" cy="596520"/>
+            <a:ext cx="2742480" cy="596160"/>
           </a:xfrm>
           <a:prstGeom prst="rect">
             <a:avLst/>
@@ -15475,14 +14914,14 @@
       </p:grpSpPr>
       <p:sp>
         <p:nvSpPr>
-          <p:cNvPr id="268" name="TextShape 1"/>
-          <p:cNvSpPr txBox="1"/>
+          <p:cNvPr id="269" name="CustomShape 1"/>
+          <p:cNvSpPr/>
           <p:nvPr/>
         </p:nvSpPr>
         <p:spPr>
           <a:xfrm>
             <a:off x="1155600" y="803520"/>
-            <a:ext cx="13931640" cy="1735920"/>
+            <a:ext cx="13931280" cy="1735560"/>
           </a:xfrm>
           <a:prstGeom prst="rect">
             <a:avLst/>
@@ -15492,6 +14931,12 @@
             <a:noFill/>
           </a:ln>
         </p:spPr>
+        <p:style>
+          <a:lnRef idx="0"/>
+          <a:fillRef idx="0"/>
+          <a:effectRef idx="0"/>
+          <a:fontRef idx="minor"/>
+        </p:style>
         <p:txBody>
           <a:bodyPr lIns="38160" rIns="38160" tIns="38160" bIns="38160" anchor="ctr">
             <a:noAutofit/>
@@ -15543,24 +14988,21 @@
               <a:t>Arguments</a:t>
             </a:r>
             <a:endParaRPr b="0" lang="en-US" sz="7200" spc="-1" strike="noStrike">
-              <a:solidFill>
-                <a:srgbClr val="000000"/>
-              </a:solidFill>
-              <a:latin typeface="Arial"/>
-            </a:endParaRPr>
-          </a:p>
-        </p:txBody>
-      </p:sp>
-      <p:sp>
-        <p:nvSpPr>
-          <p:cNvPr id="269" name="TextShape 2"/>
-          <p:cNvSpPr txBox="1"/>
+              <a:latin typeface="Arial"/>
+            </a:endParaRPr>
+          </a:p>
+        </p:txBody>
+      </p:sp>
+      <p:sp>
+        <p:nvSpPr>
+          <p:cNvPr id="270" name="CustomShape 2"/>
+          <p:cNvSpPr/>
           <p:nvPr/>
         </p:nvSpPr>
         <p:spPr>
           <a:xfrm>
             <a:off x="1155600" y="2603520"/>
-            <a:ext cx="7587720" cy="5254200"/>
+            <a:ext cx="7587360" cy="5253840"/>
           </a:xfrm>
           <a:prstGeom prst="rect">
             <a:avLst/>
@@ -15570,12 +15012,18 @@
             <a:noFill/>
           </a:ln>
         </p:spPr>
+        <p:style>
+          <a:lnRef idx="0"/>
+          <a:fillRef idx="0"/>
+          <a:effectRef idx="0"/>
+          <a:fontRef idx="minor"/>
+        </p:style>
         <p:txBody>
           <a:bodyPr lIns="38160" rIns="38160" tIns="38160" bIns="38160" anchor="ctr">
             <a:noAutofit/>
           </a:bodyPr>
           <a:p>
-            <a:pPr marL="749160" indent="-370800">
+            <a:pPr marL="749160" indent="-370440">
               <a:lnSpc>
                 <a:spcPct val="100000"/>
               </a:lnSpc>
@@ -15636,14 +15084,11 @@
               <a:t> definition</a:t>
             </a:r>
             <a:endParaRPr b="0" lang="en-US" sz="3600" spc="-1" strike="noStrike">
-              <a:solidFill>
-                <a:srgbClr val="000000"/>
-              </a:solidFill>
-              <a:latin typeface="Arial"/>
-            </a:endParaRPr>
-          </a:p>
-          <a:p>
-            <a:pPr marL="749160" indent="-370800">
+              <a:latin typeface="Arial"/>
+            </a:endParaRPr>
+          </a:p>
+          <a:p>
+            <a:pPr marL="749160" indent="-370440">
               <a:lnSpc>
                 <a:spcPct val="100000"/>
               </a:lnSpc>
@@ -15697,14 +15142,11 @@
               <a:t>function</a:t>
             </a:r>
             <a:endParaRPr b="0" lang="en-US" sz="3600" spc="-1" strike="noStrike">
-              <a:solidFill>
-                <a:srgbClr val="000000"/>
-              </a:solidFill>
-              <a:latin typeface="Arial"/>
-            </a:endParaRPr>
-          </a:p>
-          <a:p>
-            <a:pPr marL="749160" indent="-370800">
+              <a:latin typeface="Arial"/>
+            </a:endParaRPr>
+          </a:p>
+          <a:p>
+            <a:pPr marL="749160" indent="-370440">
               <a:lnSpc>
                 <a:spcPct val="100000"/>
               </a:lnSpc>
@@ -15728,24 +15170,21 @@
               <a:t>We match the number and order of arguments and parameters</a:t>
             </a:r>
             <a:endParaRPr b="0" lang="en-US" sz="3600" spc="-1" strike="noStrike">
-              <a:solidFill>
-                <a:srgbClr val="000000"/>
-              </a:solidFill>
-              <a:latin typeface="Arial"/>
-            </a:endParaRPr>
-          </a:p>
-        </p:txBody>
-      </p:sp>
-      <p:sp>
-        <p:nvSpPr>
-          <p:cNvPr id="270" name="CustomShape 3"/>
+              <a:latin typeface="Arial"/>
+            </a:endParaRPr>
+          </a:p>
+        </p:txBody>
+      </p:sp>
+      <p:sp>
+        <p:nvSpPr>
+          <p:cNvPr id="271" name="CustomShape 3"/>
           <p:cNvSpPr/>
           <p:nvPr/>
         </p:nvSpPr>
         <p:spPr>
           <a:xfrm>
             <a:off x="9966240" y="3380760"/>
-            <a:ext cx="5480640" cy="3934440"/>
+            <a:ext cx="5480280" cy="3934080"/>
           </a:xfrm>
           <a:prstGeom prst="rect">
             <a:avLst/>
@@ -16099,14 +15538,14 @@
       </p:grpSpPr>
       <p:sp>
         <p:nvSpPr>
-          <p:cNvPr id="271" name="TextShape 1"/>
-          <p:cNvSpPr txBox="1"/>
+          <p:cNvPr id="272" name="CustomShape 1"/>
+          <p:cNvSpPr/>
           <p:nvPr/>
         </p:nvSpPr>
         <p:spPr>
           <a:xfrm>
             <a:off x="1155600" y="803520"/>
-            <a:ext cx="13931640" cy="1735920"/>
+            <a:ext cx="13931280" cy="1735560"/>
           </a:xfrm>
           <a:prstGeom prst="rect">
             <a:avLst/>
@@ -16116,6 +15555,12 @@
             <a:noFill/>
           </a:ln>
         </p:spPr>
+        <p:style>
+          <a:lnRef idx="0"/>
+          <a:fillRef idx="0"/>
+          <a:effectRef idx="0"/>
+          <a:fontRef idx="minor"/>
+        </p:style>
         <p:txBody>
           <a:bodyPr lIns="38160" rIns="38160" tIns="38160" bIns="38160" anchor="ctr">
             <a:noAutofit/>
@@ -16137,24 +15582,21 @@
               <a:t>Void (non-fruitful) Functions</a:t>
             </a:r>
             <a:endParaRPr b="0" lang="en-US" sz="7600" spc="-1" strike="noStrike">
-              <a:solidFill>
-                <a:srgbClr val="000000"/>
-              </a:solidFill>
-              <a:latin typeface="Arial"/>
-            </a:endParaRPr>
-          </a:p>
-        </p:txBody>
-      </p:sp>
-      <p:sp>
-        <p:nvSpPr>
-          <p:cNvPr id="272" name="TextShape 2"/>
-          <p:cNvSpPr txBox="1"/>
+              <a:latin typeface="Arial"/>
+            </a:endParaRPr>
+          </a:p>
+        </p:txBody>
+      </p:sp>
+      <p:sp>
+        <p:nvSpPr>
+          <p:cNvPr id="273" name="CustomShape 2"/>
+          <p:cNvSpPr/>
           <p:nvPr/>
         </p:nvSpPr>
         <p:spPr>
           <a:xfrm>
             <a:off x="1155600" y="2603520"/>
-            <a:ext cx="13931640" cy="5702040"/>
+            <a:ext cx="13931280" cy="5701680"/>
           </a:xfrm>
           <a:prstGeom prst="rect">
             <a:avLst/>
@@ -16164,12 +15606,18 @@
             <a:noFill/>
           </a:ln>
         </p:spPr>
+        <p:style>
+          <a:lnRef idx="0"/>
+          <a:fillRef idx="0"/>
+          <a:effectRef idx="0"/>
+          <a:fontRef idx="minor"/>
+        </p:style>
         <p:txBody>
           <a:bodyPr lIns="38160" rIns="38160" tIns="38160" bIns="38160" anchor="ctr">
             <a:noAutofit/>
           </a:bodyPr>
           <a:p>
-            <a:pPr marL="749160" indent="-533160">
+            <a:pPr marL="749160" indent="-532800">
               <a:lnSpc>
                 <a:spcPct val="100000"/>
               </a:lnSpc>
@@ -16211,14 +15659,11 @@
               <a:t>” function</a:t>
             </a:r>
             <a:endParaRPr b="0" lang="en-US" sz="3600" spc="-1" strike="noStrike">
-              <a:solidFill>
-                <a:srgbClr val="000000"/>
-              </a:solidFill>
-              <a:latin typeface="Arial"/>
-            </a:endParaRPr>
-          </a:p>
-          <a:p>
-            <a:pPr marL="749160" indent="-533160">
+              <a:latin typeface="Arial"/>
+            </a:endParaRPr>
+          </a:p>
+          <a:p>
+            <a:pPr marL="749160" indent="-532800">
               <a:lnSpc>
                 <a:spcPct val="100000"/>
               </a:lnSpc>
@@ -16243,14 +15688,11 @@
               <a:t>Functions that return values are “fruitful” functions</a:t>
             </a:r>
             <a:endParaRPr b="0" lang="en-US" sz="3600" spc="-1" strike="noStrike">
-              <a:solidFill>
-                <a:srgbClr val="000000"/>
-              </a:solidFill>
-              <a:latin typeface="Arial"/>
-            </a:endParaRPr>
-          </a:p>
-          <a:p>
-            <a:pPr marL="749160" indent="-533160">
+              <a:latin typeface="Arial"/>
+            </a:endParaRPr>
+          </a:p>
+          <a:p>
+            <a:pPr marL="749160" indent="-532800">
               <a:lnSpc>
                 <a:spcPct val="100000"/>
               </a:lnSpc>
@@ -16285,9 +15727,6 @@
               <a:t> functions are “not fruitful”</a:t>
             </a:r>
             <a:endParaRPr b="0" lang="en-US" sz="3600" spc="-1" strike="noStrike">
-              <a:solidFill>
-                <a:srgbClr val="000000"/>
-              </a:solidFill>
               <a:latin typeface="Arial"/>
             </a:endParaRPr>
           </a:p>
@@ -16325,14 +15764,14 @@
       </p:grpSpPr>
       <p:sp>
         <p:nvSpPr>
-          <p:cNvPr id="273" name="TextShape 1"/>
-          <p:cNvSpPr txBox="1"/>
+          <p:cNvPr id="274" name="CustomShape 1"/>
+          <p:cNvSpPr/>
           <p:nvPr/>
         </p:nvSpPr>
         <p:spPr>
           <a:xfrm>
             <a:off x="1155600" y="803520"/>
-            <a:ext cx="13931640" cy="1735920"/>
+            <a:ext cx="13931280" cy="1735560"/>
           </a:xfrm>
           <a:prstGeom prst="rect">
             <a:avLst/>
@@ -16342,6 +15781,12 @@
             <a:noFill/>
           </a:ln>
         </p:spPr>
+        <p:style>
+          <a:lnRef idx="0"/>
+          <a:fillRef idx="0"/>
+          <a:effectRef idx="0"/>
+          <a:fontRef idx="minor"/>
+        </p:style>
         <p:txBody>
           <a:bodyPr lIns="38160" rIns="38160" tIns="38160" bIns="38160" anchor="ctr">
             <a:noAutofit/>
@@ -16363,24 +15808,21 @@
               <a:t>To function or not to function...</a:t>
             </a:r>
             <a:endParaRPr b="0" lang="en-US" sz="7600" spc="-1" strike="noStrike">
-              <a:solidFill>
-                <a:srgbClr val="000000"/>
-              </a:solidFill>
-              <a:latin typeface="Arial"/>
-            </a:endParaRPr>
-          </a:p>
-        </p:txBody>
-      </p:sp>
-      <p:sp>
-        <p:nvSpPr>
-          <p:cNvPr id="274" name="TextShape 2"/>
-          <p:cNvSpPr txBox="1"/>
+              <a:latin typeface="Arial"/>
+            </a:endParaRPr>
+          </a:p>
+        </p:txBody>
+      </p:sp>
+      <p:sp>
+        <p:nvSpPr>
+          <p:cNvPr id="275" name="CustomShape 2"/>
+          <p:cNvSpPr/>
           <p:nvPr/>
         </p:nvSpPr>
         <p:spPr>
           <a:xfrm>
             <a:off x="1155600" y="2603520"/>
-            <a:ext cx="13931640" cy="5702040"/>
+            <a:ext cx="13931280" cy="5701680"/>
           </a:xfrm>
           <a:prstGeom prst="rect">
             <a:avLst/>
@@ -16390,12 +15832,18 @@
             <a:noFill/>
           </a:ln>
         </p:spPr>
+        <p:style>
+          <a:lnRef idx="0"/>
+          <a:fillRef idx="0"/>
+          <a:effectRef idx="0"/>
+          <a:fontRef idx="minor"/>
+        </p:style>
         <p:txBody>
           <a:bodyPr lIns="38160" rIns="38160" tIns="38160" bIns="38160" anchor="ctr">
             <a:noAutofit/>
           </a:bodyPr>
           <a:p>
-            <a:pPr marL="749160" indent="-370800">
+            <a:pPr marL="749160" indent="-370440">
               <a:lnSpc>
                 <a:spcPct val="100000"/>
               </a:lnSpc>
@@ -16416,14 +15864,11 @@
               <a:t>Organize your code into “paragraphs” - capture a complete thought and “name it”</a:t>
             </a:r>
             <a:endParaRPr b="0" lang="en-US" sz="3600" spc="-1" strike="noStrike">
-              <a:solidFill>
-                <a:srgbClr val="000000"/>
-              </a:solidFill>
-              <a:latin typeface="Arial"/>
-            </a:endParaRPr>
-          </a:p>
-          <a:p>
-            <a:pPr marL="749160" indent="-370800">
+              <a:latin typeface="Arial"/>
+            </a:endParaRPr>
+          </a:p>
+          <a:p>
+            <a:pPr marL="749160" indent="-370440">
               <a:lnSpc>
                 <a:spcPct val="100000"/>
               </a:lnSpc>
@@ -16447,14 +15892,11 @@
               <a:t>Don’t repeat yourself - make it work once and then reuse it</a:t>
             </a:r>
             <a:endParaRPr b="0" lang="en-US" sz="3600" spc="-1" strike="noStrike">
-              <a:solidFill>
-                <a:srgbClr val="000000"/>
-              </a:solidFill>
-              <a:latin typeface="Arial"/>
-            </a:endParaRPr>
-          </a:p>
-          <a:p>
-            <a:pPr marL="749160" indent="-370800">
+              <a:latin typeface="Arial"/>
+            </a:endParaRPr>
+          </a:p>
+          <a:p>
+            <a:pPr marL="749160" indent="-370440">
               <a:lnSpc>
                 <a:spcPct val="100000"/>
               </a:lnSpc>
@@ -16478,14 +15920,11 @@
               <a:t>If something gets too long or complex, break it up into logical chunks and put those chunks in functions</a:t>
             </a:r>
             <a:endParaRPr b="0" lang="en-US" sz="3600" spc="-1" strike="noStrike">
-              <a:solidFill>
-                <a:srgbClr val="000000"/>
-              </a:solidFill>
-              <a:latin typeface="Arial"/>
-            </a:endParaRPr>
-          </a:p>
-          <a:p>
-            <a:pPr marL="749160" indent="-370800">
+              <a:latin typeface="Arial"/>
+            </a:endParaRPr>
+          </a:p>
+          <a:p>
+            <a:pPr marL="749160" indent="-370440">
               <a:lnSpc>
                 <a:spcPct val="100000"/>
               </a:lnSpc>
@@ -16509,9 +15948,6 @@
               <a:t>Make a library of common stuff that you do over and over - perhaps share this with your friends...</a:t>
             </a:r>
             <a:endParaRPr b="0" lang="en-US" sz="3600" spc="-1" strike="noStrike">
-              <a:solidFill>
-                <a:srgbClr val="000000"/>
-              </a:solidFill>
               <a:latin typeface="Arial"/>
             </a:endParaRPr>
           </a:p>
@@ -16549,14 +15985,14 @@
       </p:grpSpPr>
       <p:sp>
         <p:nvSpPr>
-          <p:cNvPr id="275" name="TextShape 1"/>
-          <p:cNvSpPr txBox="1"/>
+          <p:cNvPr id="276" name="CustomShape 1"/>
+          <p:cNvSpPr/>
           <p:nvPr/>
         </p:nvSpPr>
         <p:spPr>
           <a:xfrm>
             <a:off x="1155600" y="803520"/>
-            <a:ext cx="13237200" cy="1735920"/>
+            <a:ext cx="13236840" cy="1735560"/>
           </a:xfrm>
           <a:prstGeom prst="rect">
             <a:avLst/>
@@ -16566,6 +16002,12 @@
             <a:noFill/>
           </a:ln>
         </p:spPr>
+        <p:style>
+          <a:lnRef idx="0"/>
+          <a:fillRef idx="0"/>
+          <a:effectRef idx="0"/>
+          <a:fontRef idx="minor"/>
+        </p:style>
         <p:txBody>
           <a:bodyPr lIns="38160" rIns="38160" tIns="38160" bIns="38160" anchor="ctr">
             <a:noAutofit/>
@@ -16587,24 +16029,21 @@
               <a:t>Summary</a:t>
             </a:r>
             <a:endParaRPr b="0" lang="en-US" sz="7600" spc="-1" strike="noStrike">
-              <a:solidFill>
-                <a:srgbClr val="000000"/>
-              </a:solidFill>
-              <a:latin typeface="Arial"/>
-            </a:endParaRPr>
-          </a:p>
-        </p:txBody>
-      </p:sp>
-      <p:sp>
-        <p:nvSpPr>
-          <p:cNvPr id="276" name="TextShape 2"/>
-          <p:cNvSpPr txBox="1"/>
+              <a:latin typeface="Arial"/>
+            </a:endParaRPr>
+          </a:p>
+        </p:txBody>
+      </p:sp>
+      <p:sp>
+        <p:nvSpPr>
+          <p:cNvPr id="277" name="CustomShape 2"/>
+          <p:cNvSpPr/>
           <p:nvPr/>
         </p:nvSpPr>
         <p:spPr>
           <a:xfrm>
             <a:off x="8178840" y="2886120"/>
-            <a:ext cx="6908400" cy="5702040"/>
+            <a:ext cx="6908040" cy="5701680"/>
           </a:xfrm>
           <a:prstGeom prst="rect">
             <a:avLst/>
@@ -16614,12 +16053,18 @@
             <a:noFill/>
           </a:ln>
         </p:spPr>
+        <p:style>
+          <a:lnRef idx="0"/>
+          <a:fillRef idx="0"/>
+          <a:effectRef idx="0"/>
+          <a:fontRef idx="minor"/>
+        </p:style>
         <p:txBody>
           <a:bodyPr lIns="38160" rIns="38160" tIns="38160" bIns="38160">
             <a:noAutofit/>
           </a:bodyPr>
           <a:p>
-            <a:pPr marL="685800" indent="-361440">
+            <a:pPr marL="685800" indent="-361080">
               <a:lnSpc>
                 <a:spcPct val="80000"/>
               </a:lnSpc>
@@ -16640,14 +16085,11 @@
               <a:t>Arguments</a:t>
             </a:r>
             <a:endParaRPr b="0" lang="en-US" sz="3600" spc="-1" strike="noStrike">
-              <a:solidFill>
-                <a:srgbClr val="000000"/>
-              </a:solidFill>
-              <a:latin typeface="Arial"/>
-            </a:endParaRPr>
-          </a:p>
-          <a:p>
-            <a:pPr marL="685800" indent="-361440">
+              <a:latin typeface="Arial"/>
+            </a:endParaRPr>
+          </a:p>
+          <a:p>
+            <a:pPr marL="685800" indent="-361080">
               <a:lnSpc>
                 <a:spcPct val="80000"/>
               </a:lnSpc>
@@ -16671,14 +16113,11 @@
               <a:t>Results (fruitful functions)</a:t>
             </a:r>
             <a:endParaRPr b="0" lang="en-US" sz="3600" spc="-1" strike="noStrike">
-              <a:solidFill>
-                <a:srgbClr val="000000"/>
-              </a:solidFill>
-              <a:latin typeface="Arial"/>
-            </a:endParaRPr>
-          </a:p>
-          <a:p>
-            <a:pPr marL="685800" indent="-361440">
+              <a:latin typeface="Arial"/>
+            </a:endParaRPr>
+          </a:p>
+          <a:p>
+            <a:pPr marL="685800" indent="-361080">
               <a:lnSpc>
                 <a:spcPct val="80000"/>
               </a:lnSpc>
@@ -16702,14 +16141,11 @@
               <a:t>Void (non-fruitful) functions</a:t>
             </a:r>
             <a:endParaRPr b="0" lang="en-US" sz="3600" spc="-1" strike="noStrike">
-              <a:solidFill>
-                <a:srgbClr val="000000"/>
-              </a:solidFill>
-              <a:latin typeface="Arial"/>
-            </a:endParaRPr>
-          </a:p>
-          <a:p>
-            <a:pPr marL="685800" indent="-361440">
+              <a:latin typeface="Arial"/>
+            </a:endParaRPr>
+          </a:p>
+          <a:p>
+            <a:pPr marL="685800" indent="-361080">
               <a:lnSpc>
                 <a:spcPct val="80000"/>
               </a:lnSpc>
@@ -16733,24 +16169,21 @@
               <a:t>Why use functions?</a:t>
             </a:r>
             <a:endParaRPr b="0" lang="en-US" sz="3600" spc="-1" strike="noStrike">
-              <a:solidFill>
-                <a:srgbClr val="000000"/>
-              </a:solidFill>
-              <a:latin typeface="Arial"/>
-            </a:endParaRPr>
-          </a:p>
-        </p:txBody>
-      </p:sp>
-      <p:sp>
-        <p:nvSpPr>
-          <p:cNvPr id="277" name="TextShape 3"/>
-          <p:cNvSpPr txBox="1"/>
+              <a:latin typeface="Arial"/>
+            </a:endParaRPr>
+          </a:p>
+        </p:txBody>
+      </p:sp>
+      <p:sp>
+        <p:nvSpPr>
+          <p:cNvPr id="278" name="CustomShape 3"/>
+          <p:cNvSpPr/>
           <p:nvPr/>
         </p:nvSpPr>
         <p:spPr>
           <a:xfrm>
             <a:off x="1353240" y="2886120"/>
-            <a:ext cx="6370200" cy="4966920"/>
+            <a:ext cx="6369840" cy="4966560"/>
           </a:xfrm>
           <a:prstGeom prst="rect">
             <a:avLst/>
@@ -16760,12 +16193,18 @@
             <a:noFill/>
           </a:ln>
         </p:spPr>
+        <p:style>
+          <a:lnRef idx="0"/>
+          <a:fillRef idx="0"/>
+          <a:effectRef idx="0"/>
+          <a:fontRef idx="minor"/>
+        </p:style>
         <p:txBody>
           <a:bodyPr lIns="38160" rIns="38160" tIns="38160" bIns="38160">
             <a:noAutofit/>
           </a:bodyPr>
           <a:p>
-            <a:pPr marL="685800" indent="-361440">
+            <a:pPr marL="685800" indent="-361080">
               <a:lnSpc>
                 <a:spcPct val="80000"/>
               </a:lnSpc>
@@ -16786,14 +16225,11 @@
               <a:t>Functions</a:t>
             </a:r>
             <a:endParaRPr b="0" lang="en-US" sz="3600" spc="-1" strike="noStrike">
-              <a:solidFill>
-                <a:srgbClr val="000000"/>
-              </a:solidFill>
-              <a:latin typeface="Arial"/>
-            </a:endParaRPr>
-          </a:p>
-          <a:p>
-            <a:pPr marL="685800" indent="-361440">
+              <a:latin typeface="Arial"/>
+            </a:endParaRPr>
+          </a:p>
+          <a:p>
+            <a:pPr marL="685800" indent="-361080">
               <a:lnSpc>
                 <a:spcPct val="80000"/>
               </a:lnSpc>
@@ -16817,14 +16253,11 @@
               <a:t>Built-In Functions</a:t>
             </a:r>
             <a:endParaRPr b="0" lang="en-US" sz="3600" spc="-1" strike="noStrike">
-              <a:solidFill>
-                <a:srgbClr val="000000"/>
-              </a:solidFill>
-              <a:latin typeface="Arial"/>
-            </a:endParaRPr>
-          </a:p>
-          <a:p>
-            <a:pPr marL="685800" indent="-361440">
+              <a:latin typeface="Arial"/>
+            </a:endParaRPr>
+          </a:p>
+          <a:p>
+            <a:pPr marL="685800" indent="-361080">
               <a:lnSpc>
                 <a:spcPct val="80000"/>
               </a:lnSpc>
@@ -16848,14 +16281,11 @@
               <a:t>Type conversion (int, float)</a:t>
             </a:r>
             <a:endParaRPr b="0" lang="en-US" sz="3600" spc="-1" strike="noStrike">
-              <a:solidFill>
-                <a:srgbClr val="000000"/>
-              </a:solidFill>
-              <a:latin typeface="Arial"/>
-            </a:endParaRPr>
-          </a:p>
-          <a:p>
-            <a:pPr marL="685800" indent="-361440">
+              <a:latin typeface="Arial"/>
+            </a:endParaRPr>
+          </a:p>
+          <a:p>
+            <a:pPr marL="685800" indent="-361080">
               <a:lnSpc>
                 <a:spcPct val="80000"/>
               </a:lnSpc>
@@ -16879,14 +16309,11 @@
               <a:t>String conversions</a:t>
             </a:r>
             <a:endParaRPr b="0" lang="en-US" sz="3600" spc="-1" strike="noStrike">
-              <a:solidFill>
-                <a:srgbClr val="000000"/>
-              </a:solidFill>
-              <a:latin typeface="Arial"/>
-            </a:endParaRPr>
-          </a:p>
-          <a:p>
-            <a:pPr marL="685800" indent="-361440">
+              <a:latin typeface="Arial"/>
+            </a:endParaRPr>
+          </a:p>
+          <a:p>
+            <a:pPr marL="685800" indent="-361080">
               <a:lnSpc>
                 <a:spcPct val="80000"/>
               </a:lnSpc>
@@ -16910,9 +16337,6 @@
               <a:t>Parameters</a:t>
             </a:r>
             <a:endParaRPr b="0" lang="en-US" sz="3600" spc="-1" strike="noStrike">
-              <a:solidFill>
-                <a:srgbClr val="000000"/>
-              </a:solidFill>
               <a:latin typeface="Arial"/>
             </a:endParaRPr>
           </a:p>
@@ -16950,14 +16374,14 @@
       </p:grpSpPr>
       <p:sp>
         <p:nvSpPr>
-          <p:cNvPr id="278" name="CustomShape 1"/>
+          <p:cNvPr id="279" name="CustomShape 1"/>
           <p:cNvSpPr/>
           <p:nvPr/>
         </p:nvSpPr>
         <p:spPr>
           <a:xfrm>
             <a:off x="735120" y="871560"/>
-            <a:ext cx="1993680" cy="659880"/>
+            <a:ext cx="1993320" cy="659520"/>
           </a:xfrm>
           <a:prstGeom prst="rect">
             <a:avLst/>
@@ -17001,14 +16425,14 @@
       </p:sp>
       <p:sp>
         <p:nvSpPr>
-          <p:cNvPr id="279" name="CustomShape 2"/>
+          <p:cNvPr id="280" name="CustomShape 2"/>
           <p:cNvSpPr/>
           <p:nvPr/>
         </p:nvSpPr>
         <p:spPr>
           <a:xfrm>
             <a:off x="3137040" y="2133720"/>
-            <a:ext cx="10705680" cy="4712400"/>
+            <a:ext cx="10705320" cy="4712040"/>
           </a:xfrm>
           <a:prstGeom prst="rect">
             <a:avLst/>
@@ -17182,14 +16606,14 @@
       </p:sp>
       <p:sp>
         <p:nvSpPr>
-          <p:cNvPr id="280" name="CustomShape 3"/>
+          <p:cNvPr id="281" name="CustomShape 3"/>
           <p:cNvSpPr/>
           <p:nvPr/>
         </p:nvSpPr>
         <p:spPr>
           <a:xfrm>
             <a:off x="9746280" y="7061040"/>
-            <a:ext cx="5233680" cy="659880"/>
+            <a:ext cx="5233320" cy="659520"/>
           </a:xfrm>
           <a:prstGeom prst="rect">
             <a:avLst/>
@@ -17263,62 +16687,14 @@
       </p:grpSpPr>
       <p:sp>
         <p:nvSpPr>
-          <p:cNvPr id="281" name="TextShape 1"/>
-          <p:cNvSpPr txBox="1"/>
-          <p:nvPr/>
-        </p:nvSpPr>
-        <p:spPr>
-          <a:xfrm>
-            <a:off x="1155600" y="803520"/>
-            <a:ext cx="13931640" cy="1735920"/>
-          </a:xfrm>
-          <a:prstGeom prst="rect">
-            <a:avLst/>
-          </a:prstGeom>
-          <a:noFill/>
-          <a:ln>
-            <a:noFill/>
-          </a:ln>
-        </p:spPr>
-        <p:txBody>
-          <a:bodyPr tIns="91440" bIns="91440" anchor="ctr">
-            <a:noAutofit/>
-          </a:bodyPr>
-          <a:p>
-            <a:pPr algn="ctr">
-              <a:lnSpc>
-                <a:spcPct val="100000"/>
-              </a:lnSpc>
-            </a:pPr>
-            <a:r>
-              <a:rPr b="0" lang="en-US" sz="3600" spc="-1" strike="noStrike">
-                <a:solidFill>
-                  <a:srgbClr val="ffff00"/>
-                </a:solidFill>
-                <a:latin typeface="Arial"/>
-                <a:ea typeface="Arial"/>
-              </a:rPr>
-              <a:t>Acknowledgements / Contributions</a:t>
-            </a:r>
-            <a:endParaRPr b="0" lang="en-US" sz="3600" spc="-1" strike="noStrike">
-              <a:solidFill>
-                <a:srgbClr val="000000"/>
-              </a:solidFill>
-              <a:latin typeface="Arial"/>
-            </a:endParaRPr>
-          </a:p>
-        </p:txBody>
-      </p:sp>
-      <p:sp>
-        <p:nvSpPr>
-          <p:cNvPr id="282" name="CustomShape 2"/>
+          <p:cNvPr id="282" name="CustomShape 1"/>
           <p:cNvSpPr/>
           <p:nvPr/>
         </p:nvSpPr>
         <p:spPr>
           <a:xfrm>
-            <a:off x="1234800" y="2124720"/>
-            <a:ext cx="6797160" cy="5918760"/>
+            <a:off x="1155600" y="803520"/>
+            <a:ext cx="13931280" cy="1735560"/>
           </a:xfrm>
           <a:prstGeom prst="rect">
             <a:avLst/>
@@ -17335,7 +16711,58 @@
           <a:fontRef idx="minor"/>
         </p:style>
         <p:txBody>
-          <a:bodyPr tIns="91440" bIns="91440">
+          <a:bodyPr lIns="90000" rIns="90000" tIns="91440" bIns="91440" anchor="ctr">
+            <a:noAutofit/>
+          </a:bodyPr>
+          <a:p>
+            <a:pPr algn="ctr">
+              <a:lnSpc>
+                <a:spcPct val="100000"/>
+              </a:lnSpc>
+            </a:pPr>
+            <a:r>
+              <a:rPr b="0" lang="en-US" sz="3600" spc="-1" strike="noStrike">
+                <a:solidFill>
+                  <a:srgbClr val="ffff00"/>
+                </a:solidFill>
+                <a:latin typeface="Arial"/>
+                <a:ea typeface="Arial"/>
+              </a:rPr>
+              <a:t>Acknowledgements / Contributions</a:t>
+            </a:r>
+            <a:endParaRPr b="0" lang="en-US" sz="3600" spc="-1" strike="noStrike">
+              <a:latin typeface="Arial"/>
+            </a:endParaRPr>
+          </a:p>
+        </p:txBody>
+      </p:sp>
+      <p:sp>
+        <p:nvSpPr>
+          <p:cNvPr id="283" name="CustomShape 2"/>
+          <p:cNvSpPr/>
+          <p:nvPr/>
+        </p:nvSpPr>
+        <p:spPr>
+          <a:xfrm>
+            <a:off x="1234800" y="2124720"/>
+            <a:ext cx="6796800" cy="5918400"/>
+          </a:xfrm>
+          <a:prstGeom prst="rect">
+            <a:avLst/>
+          </a:prstGeom>
+          <a:noFill/>
+          <a:ln>
+            <a:noFill/>
+          </a:ln>
+        </p:spPr>
+        <p:style>
+          <a:lnRef idx="0"/>
+          <a:fillRef idx="0"/>
+          <a:effectRef idx="0"/>
+          <a:fontRef idx="minor"/>
+        </p:style>
+        <p:txBody>
+          <a:bodyPr lIns="90000" rIns="90000" tIns="91440" bIns="91440">
             <a:noAutofit/>
           </a:bodyPr>
           <a:p>
@@ -17476,7 +16903,7 @@
       </p:sp>
       <p:pic>
         <p:nvPicPr>
-          <p:cNvPr id="283" name="Shape 412" descr=""/>
+          <p:cNvPr id="284" name="Shape 412" descr=""/>
           <p:cNvPicPr/>
           <p:nvPr/>
         </p:nvPicPr>
@@ -17487,7 +16914,7 @@
         <p:spPr>
           <a:xfrm>
             <a:off x="437760" y="863280"/>
-            <a:ext cx="1024560" cy="1024560"/>
+            <a:ext cx="1024200" cy="1024200"/>
           </a:xfrm>
           <a:prstGeom prst="rect">
             <a:avLst/>
@@ -17499,7 +16926,7 @@
       </p:pic>
       <p:pic>
         <p:nvPicPr>
-          <p:cNvPr id="284" name="Shape 413" descr=""/>
+          <p:cNvPr id="285" name="Shape 413" descr=""/>
           <p:cNvPicPr/>
           <p:nvPr/>
         </p:nvPicPr>
@@ -17510,7 +16937,7 @@
         <p:spPr>
           <a:xfrm>
             <a:off x="13897800" y="1041480"/>
-            <a:ext cx="1968120" cy="668160"/>
+            <a:ext cx="1967760" cy="667800"/>
           </a:xfrm>
           <a:prstGeom prst="rect">
             <a:avLst/>
@@ -17522,14 +16949,14 @@
       </p:pic>
       <p:sp>
         <p:nvSpPr>
-          <p:cNvPr id="285" name="CustomShape 3"/>
+          <p:cNvPr id="286" name="CustomShape 3"/>
           <p:cNvSpPr/>
           <p:nvPr/>
         </p:nvSpPr>
         <p:spPr>
           <a:xfrm>
             <a:off x="8732880" y="2140920"/>
-            <a:ext cx="6797160" cy="5945400"/>
+            <a:ext cx="6796800" cy="5945040"/>
           </a:xfrm>
           <a:prstGeom prst="rect">
             <a:avLst/>
@@ -17546,7 +16973,7 @@
           <a:fontRef idx="minor"/>
         </p:style>
         <p:txBody>
-          <a:bodyPr tIns="91440" bIns="91440">
+          <a:bodyPr lIns="90000" rIns="90000" tIns="91440" bIns="91440">
             <a:noAutofit/>
           </a:bodyPr>
           <a:p>
@@ -17603,14 +17030,14 @@
       </p:grpSpPr>
       <p:sp>
         <p:nvSpPr>
-          <p:cNvPr id="189" name="TextShape 1"/>
-          <p:cNvSpPr txBox="1"/>
+          <p:cNvPr id="189" name="CustomShape 1"/>
+          <p:cNvSpPr/>
           <p:nvPr/>
         </p:nvSpPr>
         <p:spPr>
           <a:xfrm>
             <a:off x="1155600" y="803520"/>
-            <a:ext cx="13931640" cy="1735920"/>
+            <a:ext cx="13931280" cy="1735560"/>
           </a:xfrm>
           <a:prstGeom prst="rect">
             <a:avLst/>
@@ -17620,6 +17047,12 @@
             <a:noFill/>
           </a:ln>
         </p:spPr>
+        <p:style>
+          <a:lnRef idx="0"/>
+          <a:fillRef idx="0"/>
+          <a:effectRef idx="0"/>
+          <a:fontRef idx="minor"/>
+        </p:style>
         <p:txBody>
           <a:bodyPr lIns="38160" rIns="38160" tIns="38160" bIns="38160" anchor="ctr">
             <a:noAutofit/>
@@ -17641,24 +17074,21 @@
               <a:t>Python Functions</a:t>
             </a:r>
             <a:endParaRPr b="0" lang="en-US" sz="7600" spc="-1" strike="noStrike">
-              <a:solidFill>
-                <a:srgbClr val="000000"/>
-              </a:solidFill>
-              <a:latin typeface="Arial"/>
-            </a:endParaRPr>
-          </a:p>
-        </p:txBody>
-      </p:sp>
-      <p:sp>
-        <p:nvSpPr>
-          <p:cNvPr id="190" name="TextShape 2"/>
-          <p:cNvSpPr txBox="1"/>
+              <a:latin typeface="Arial"/>
+            </a:endParaRPr>
+          </a:p>
+        </p:txBody>
+      </p:sp>
+      <p:sp>
+        <p:nvSpPr>
+          <p:cNvPr id="190" name="CustomShape 2"/>
+          <p:cNvSpPr/>
           <p:nvPr/>
         </p:nvSpPr>
         <p:spPr>
           <a:xfrm>
             <a:off x="1155600" y="2603520"/>
-            <a:ext cx="13931640" cy="5702040"/>
+            <a:ext cx="13931280" cy="5701680"/>
           </a:xfrm>
           <a:prstGeom prst="rect">
             <a:avLst/>
@@ -17668,12 +17098,18 @@
             <a:noFill/>
           </a:ln>
         </p:spPr>
+        <p:style>
+          <a:lnRef idx="0"/>
+          <a:fillRef idx="0"/>
+          <a:effectRef idx="0"/>
+          <a:fontRef idx="minor"/>
+        </p:style>
         <p:txBody>
           <a:bodyPr lIns="38160" rIns="38160" tIns="38160" bIns="38160" anchor="ctr">
             <a:noAutofit/>
           </a:bodyPr>
           <a:p>
-            <a:pPr marL="749160" indent="-370800">
+            <a:pPr marL="749160" indent="-370440">
               <a:lnSpc>
                 <a:spcPct val="100000"/>
               </a:lnSpc>
@@ -17694,9 +17130,6 @@
               <a:t>There are two kinds of functions in Python.</a:t>
             </a:r>
             <a:endParaRPr b="0" lang="en-US" sz="3600" spc="-1" strike="noStrike">
-              <a:solidFill>
-                <a:srgbClr val="000000"/>
-              </a:solidFill>
               <a:latin typeface="Arial"/>
             </a:endParaRPr>
           </a:p>
@@ -17740,9 +17173,6 @@
               <a:t> that are provided as part of Python - print(), input(), type(), float(), int() ...</a:t>
             </a:r>
             <a:endParaRPr b="0" lang="en-US" sz="3600" spc="-1" strike="noStrike">
-              <a:solidFill>
-                <a:srgbClr val="000000"/>
-              </a:solidFill>
               <a:latin typeface="Arial"/>
             </a:endParaRPr>
           </a:p>
@@ -17786,14 +17216,11 @@
               <a:t> and then use</a:t>
             </a:r>
             <a:endParaRPr b="0" lang="en-US" sz="3600" spc="-1" strike="noStrike">
-              <a:solidFill>
-                <a:srgbClr val="000000"/>
-              </a:solidFill>
-              <a:latin typeface="Arial"/>
-            </a:endParaRPr>
-          </a:p>
-          <a:p>
-            <a:pPr marL="749160" indent="-370800">
+              <a:latin typeface="Arial"/>
+            </a:endParaRPr>
+          </a:p>
+          <a:p>
+            <a:pPr marL="749160" indent="-370440">
               <a:lnSpc>
                 <a:spcPct val="100000"/>
               </a:lnSpc>
@@ -17848,9 +17275,6 @@
               <a:t>(i.e., we avoid them as variable names)</a:t>
             </a:r>
             <a:endParaRPr b="0" lang="en-US" sz="3600" spc="-1" strike="noStrike">
-              <a:solidFill>
-                <a:srgbClr val="000000"/>
-              </a:solidFill>
               <a:latin typeface="Arial"/>
             </a:endParaRPr>
           </a:p>
@@ -17888,14 +17312,14 @@
       </p:grpSpPr>
       <p:sp>
         <p:nvSpPr>
-          <p:cNvPr id="191" name="TextShape 1"/>
-          <p:cNvSpPr txBox="1"/>
+          <p:cNvPr id="191" name="CustomShape 1"/>
+          <p:cNvSpPr/>
           <p:nvPr/>
         </p:nvSpPr>
         <p:spPr>
           <a:xfrm>
             <a:off x="1155600" y="803520"/>
-            <a:ext cx="13931640" cy="1735920"/>
+            <a:ext cx="13931280" cy="1735560"/>
           </a:xfrm>
           <a:prstGeom prst="rect">
             <a:avLst/>
@@ -17905,6 +17329,12 @@
             <a:noFill/>
           </a:ln>
         </p:spPr>
+        <p:style>
+          <a:lnRef idx="0"/>
+          <a:fillRef idx="0"/>
+          <a:effectRef idx="0"/>
+          <a:fontRef idx="minor"/>
+        </p:style>
         <p:txBody>
           <a:bodyPr lIns="38160" rIns="38160" tIns="38160" bIns="38160" anchor="ctr">
             <a:noAutofit/>
@@ -17926,24 +17356,21 @@
               <a:t>Function Definition</a:t>
             </a:r>
             <a:endParaRPr b="0" lang="en-US" sz="7600" spc="-1" strike="noStrike">
-              <a:solidFill>
-                <a:srgbClr val="000000"/>
-              </a:solidFill>
-              <a:latin typeface="Arial"/>
-            </a:endParaRPr>
-          </a:p>
-        </p:txBody>
-      </p:sp>
-      <p:sp>
-        <p:nvSpPr>
-          <p:cNvPr id="192" name="TextShape 2"/>
-          <p:cNvSpPr txBox="1"/>
+              <a:latin typeface="Arial"/>
+            </a:endParaRPr>
+          </a:p>
+        </p:txBody>
+      </p:sp>
+      <p:sp>
+        <p:nvSpPr>
+          <p:cNvPr id="192" name="CustomShape 2"/>
+          <p:cNvSpPr/>
           <p:nvPr/>
         </p:nvSpPr>
         <p:spPr>
           <a:xfrm>
             <a:off x="1155600" y="2603520"/>
-            <a:ext cx="13931640" cy="5702040"/>
+            <a:ext cx="13931280" cy="5701680"/>
           </a:xfrm>
           <a:prstGeom prst="rect">
             <a:avLst/>
@@ -17953,12 +17380,18 @@
             <a:noFill/>
           </a:ln>
         </p:spPr>
+        <p:style>
+          <a:lnRef idx="0"/>
+          <a:fillRef idx="0"/>
+          <a:effectRef idx="0"/>
+          <a:fontRef idx="minor"/>
+        </p:style>
         <p:txBody>
           <a:bodyPr lIns="38160" rIns="38160" tIns="38160" bIns="38160" anchor="ctr">
             <a:noAutofit/>
           </a:bodyPr>
           <a:p>
-            <a:pPr marL="749160" indent="-370800">
+            <a:pPr marL="749160" indent="-370440">
               <a:lnSpc>
                 <a:spcPct val="115000"/>
               </a:lnSpc>
@@ -18019,14 +17452,11 @@
               <a:t>(s) as input, does some computation, and then returns a result or results</a:t>
             </a:r>
             <a:endParaRPr b="0" lang="en-US" sz="3600" spc="-1" strike="noStrike">
-              <a:solidFill>
-                <a:srgbClr val="000000"/>
-              </a:solidFill>
-              <a:latin typeface="Arial"/>
-            </a:endParaRPr>
-          </a:p>
-          <a:p>
-            <a:pPr marL="749160" indent="-370800">
+              <a:latin typeface="Arial"/>
+            </a:endParaRPr>
+          </a:p>
+          <a:p>
+            <a:pPr marL="749160" indent="-370440">
               <a:lnSpc>
                 <a:spcPct val="115000"/>
               </a:lnSpc>
@@ -18090,14 +17520,11 @@
               <a:t> reserved word</a:t>
             </a:r>
             <a:endParaRPr b="0" lang="en-US" sz="3600" spc="-1" strike="noStrike">
-              <a:solidFill>
-                <a:srgbClr val="000000"/>
-              </a:solidFill>
-              <a:latin typeface="Arial"/>
-            </a:endParaRPr>
-          </a:p>
-          <a:p>
-            <a:pPr marL="749160" indent="-370800">
+              <a:latin typeface="Arial"/>
+            </a:endParaRPr>
+          </a:p>
+          <a:p>
+            <a:pPr marL="749160" indent="-370440">
               <a:lnSpc>
                 <a:spcPct val="115000"/>
               </a:lnSpc>
@@ -18161,9 +17588,6 @@
               <a:t> in an expression </a:t>
             </a:r>
             <a:endParaRPr b="0" lang="en-US" sz="3600" spc="-1" strike="noStrike">
-              <a:solidFill>
-                <a:srgbClr val="000000"/>
-              </a:solidFill>
               <a:latin typeface="Arial"/>
             </a:endParaRPr>
           </a:p>
@@ -18208,7 +17632,7 @@
         <p:spPr>
           <a:xfrm>
             <a:off x="8564400" y="4876920"/>
-            <a:ext cx="6984360" cy="3301920"/>
+            <a:ext cx="6984000" cy="3301560"/>
           </a:xfrm>
           <a:prstGeom prst="rect">
             <a:avLst/>
@@ -18529,7 +17953,7 @@
         <p:spPr>
           <a:xfrm>
             <a:off x="2031840" y="1714680"/>
-            <a:ext cx="6782040" cy="812520"/>
+            <a:ext cx="6781680" cy="812160"/>
           </a:xfrm>
           <a:prstGeom prst="rect">
             <a:avLst/>
@@ -18630,7 +18054,7 @@
         <p:spPr>
           <a:xfrm>
             <a:off x="8814240" y="947880"/>
-            <a:ext cx="2393640" cy="622080"/>
+            <a:ext cx="2393280" cy="621720"/>
           </a:xfrm>
           <a:prstGeom prst="rect">
             <a:avLst/>
@@ -18680,8 +18104,8 @@
         </p:nvSpPr>
         <p:spPr>
           <a:xfrm flipV="1">
-            <a:off x="7723800" y="1257840"/>
-            <a:ext cx="1090080" cy="564840"/>
+            <a:off x="7723800" y="1257480"/>
+            <a:ext cx="1089720" cy="564480"/>
           </a:xfrm>
           <a:custGeom>
             <a:avLst/>
@@ -18724,7 +18148,7 @@
         <p:spPr>
           <a:xfrm>
             <a:off x="3772080" y="3460680"/>
-            <a:ext cx="614160" cy="622080"/>
+            <a:ext cx="613800" cy="621720"/>
           </a:xfrm>
           <a:prstGeom prst="rect">
             <a:avLst/>
@@ -18775,7 +18199,7 @@
         <p:spPr>
           <a:xfrm>
             <a:off x="4387680" y="3927600"/>
-            <a:ext cx="1213920" cy="709200"/>
+            <a:ext cx="1213560" cy="708840"/>
           </a:xfrm>
           <a:custGeom>
             <a:avLst/>
@@ -18818,7 +18242,7 @@
         <p:spPr>
           <a:xfrm>
             <a:off x="5751360" y="4406760"/>
-            <a:ext cx="1266480" cy="621720"/>
+            <a:ext cx="1266120" cy="621360"/>
           </a:xfrm>
           <a:prstGeom prst="rect">
             <a:avLst/>
@@ -18869,7 +18293,7 @@
         <p:spPr>
           <a:xfrm>
             <a:off x="2614680" y="2671920"/>
-            <a:ext cx="711000" cy="596520"/>
+            <a:ext cx="710640" cy="596160"/>
           </a:xfrm>
           <a:custGeom>
             <a:avLst/>
@@ -18912,7 +18336,7 @@
         <p:spPr>
           <a:xfrm>
             <a:off x="334800" y="2857680"/>
-            <a:ext cx="2621880" cy="621720"/>
+            <a:ext cx="2621520" cy="621360"/>
           </a:xfrm>
           <a:prstGeom prst="rect">
             <a:avLst/>
@@ -18962,8 +18386,8 @@
         </p:nvSpPr>
         <p:spPr>
           <a:xfrm flipH="1" rot="10800000">
-            <a:off x="4054680" y="2634120"/>
-            <a:ext cx="204480" cy="840960"/>
+            <a:off x="4054320" y="2634480"/>
+            <a:ext cx="204120" cy="840600"/>
           </a:xfrm>
           <a:custGeom>
             <a:avLst/>
@@ -19029,62 +18453,14 @@
       </p:grpSpPr>
       <p:sp>
         <p:nvSpPr>
-          <p:cNvPr id="203" name="TextShape 1"/>
-          <p:cNvSpPr txBox="1"/>
-          <p:nvPr/>
-        </p:nvSpPr>
-        <p:spPr>
-          <a:xfrm>
-            <a:off x="1155600" y="803520"/>
-            <a:ext cx="13931640" cy="1735920"/>
-          </a:xfrm>
-          <a:prstGeom prst="rect">
-            <a:avLst/>
-          </a:prstGeom>
-          <a:noFill/>
-          <a:ln>
-            <a:noFill/>
-          </a:ln>
-        </p:spPr>
-        <p:txBody>
-          <a:bodyPr lIns="38160" rIns="38160" tIns="38160" bIns="38160" anchor="ctr">
-            <a:noAutofit/>
-          </a:bodyPr>
-          <a:p>
-            <a:pPr algn="ctr">
-              <a:lnSpc>
-                <a:spcPct val="100000"/>
-              </a:lnSpc>
-            </a:pPr>
-            <a:r>
-              <a:rPr b="0" lang="en-US" sz="7600" spc="-1" strike="noStrike">
-                <a:solidFill>
-                  <a:srgbClr val="ffd966"/>
-                </a:solidFill>
-                <a:latin typeface="Arial"/>
-                <a:ea typeface="Arial"/>
-              </a:rPr>
-              <a:t>Max Function</a:t>
-            </a:r>
-            <a:endParaRPr b="0" lang="en-US" sz="7600" spc="-1" strike="noStrike">
-              <a:solidFill>
-                <a:srgbClr val="000000"/>
-              </a:solidFill>
-              <a:latin typeface="Arial"/>
-            </a:endParaRPr>
-          </a:p>
-        </p:txBody>
-      </p:sp>
-      <p:sp>
-        <p:nvSpPr>
-          <p:cNvPr id="204" name="CustomShape 2"/>
+          <p:cNvPr id="203" name="CustomShape 1"/>
           <p:cNvSpPr/>
           <p:nvPr/>
         </p:nvSpPr>
         <p:spPr>
           <a:xfrm>
-            <a:off x="1200240" y="2616120"/>
-            <a:ext cx="7131960" cy="1663560"/>
+            <a:off x="1155600" y="803520"/>
+            <a:ext cx="13931280" cy="1735560"/>
           </a:xfrm>
           <a:prstGeom prst="rect">
             <a:avLst/>
@@ -19101,6 +18477,57 @@
           <a:fontRef idx="minor"/>
         </p:style>
         <p:txBody>
+          <a:bodyPr lIns="38160" rIns="38160" tIns="38160" bIns="38160" anchor="ctr">
+            <a:noAutofit/>
+          </a:bodyPr>
+          <a:p>
+            <a:pPr algn="ctr">
+              <a:lnSpc>
+                <a:spcPct val="100000"/>
+              </a:lnSpc>
+            </a:pPr>
+            <a:r>
+              <a:rPr b="0" lang="en-US" sz="7600" spc="-1" strike="noStrike">
+                <a:solidFill>
+                  <a:srgbClr val="ffd966"/>
+                </a:solidFill>
+                <a:latin typeface="Arial"/>
+                <a:ea typeface="Arial"/>
+              </a:rPr>
+              <a:t>Max Function</a:t>
+            </a:r>
+            <a:endParaRPr b="0" lang="en-US" sz="7600" spc="-1" strike="noStrike">
+              <a:latin typeface="Arial"/>
+            </a:endParaRPr>
+          </a:p>
+        </p:txBody>
+      </p:sp>
+      <p:sp>
+        <p:nvSpPr>
+          <p:cNvPr id="204" name="CustomShape 2"/>
+          <p:cNvSpPr/>
+          <p:nvPr/>
+        </p:nvSpPr>
+        <p:spPr>
+          <a:xfrm>
+            <a:off x="1200240" y="2616120"/>
+            <a:ext cx="7131600" cy="1663200"/>
+          </a:xfrm>
+          <a:prstGeom prst="rect">
+            <a:avLst/>
+          </a:prstGeom>
+          <a:noFill/>
+          <a:ln>
+            <a:noFill/>
+          </a:ln>
+        </p:spPr>
+        <p:style>
+          <a:lnRef idx="0"/>
+          <a:fillRef idx="0"/>
+          <a:effectRef idx="0"/>
+          <a:fontRef idx="minor"/>
+        </p:style>
+        <p:txBody>
           <a:bodyPr lIns="0" rIns="0" tIns="0" bIns="0" anchor="ctr">
             <a:noAutofit/>
           </a:bodyPr>
@@ -19255,7 +18682,7 @@
         <p:spPr>
           <a:xfrm>
             <a:off x="6845400" y="4468680"/>
-            <a:ext cx="2819160" cy="2819160"/>
+            <a:ext cx="2818800" cy="2818800"/>
           </a:xfrm>
           <a:prstGeom prst="rect">
             <a:avLst/>
@@ -19328,8 +18755,8 @@
         </p:nvSpPr>
         <p:spPr>
           <a:xfrm flipH="1">
-            <a:off x="5299200" y="5923080"/>
-            <a:ext cx="1491840" cy="17280"/>
+            <a:off x="5298480" y="5923080"/>
+            <a:ext cx="1491480" cy="16920"/>
           </a:xfrm>
           <a:custGeom>
             <a:avLst/>
@@ -19372,7 +18799,7 @@
         <p:spPr>
           <a:xfrm>
             <a:off x="2616120" y="5351400"/>
-            <a:ext cx="2849040" cy="1142640"/>
+            <a:ext cx="2848680" cy="1142280"/>
           </a:xfrm>
           <a:prstGeom prst="rect">
             <a:avLst/>
@@ -19443,7 +18870,7 @@
         <p:spPr>
           <a:xfrm>
             <a:off x="11642760" y="5300640"/>
-            <a:ext cx="2187360" cy="1142640"/>
+            <a:ext cx="2187000" cy="1142280"/>
           </a:xfrm>
           <a:prstGeom prst="rect">
             <a:avLst/>
@@ -19513,8 +18940,8 @@
         </p:nvSpPr>
         <p:spPr>
           <a:xfrm flipH="1">
-            <a:off x="9680400" y="5872320"/>
-            <a:ext cx="1491840" cy="17280"/>
+            <a:off x="9679680" y="5872320"/>
+            <a:ext cx="1491480" cy="16920"/>
           </a:xfrm>
           <a:custGeom>
             <a:avLst/>
@@ -19557,7 +18984,7 @@
         <p:spPr>
           <a:xfrm>
             <a:off x="10474200" y="2265120"/>
-            <a:ext cx="4939920" cy="2634840"/>
+            <a:ext cx="4939560" cy="2634480"/>
           </a:xfrm>
           <a:prstGeom prst="rect">
             <a:avLst/>
@@ -19688,7 +19115,7 @@
         <p:spPr>
           <a:xfrm>
             <a:off x="5952960" y="7618320"/>
-            <a:ext cx="4520880" cy="622080"/>
+            <a:ext cx="4520520" cy="621720"/>
           </a:xfrm>
           <a:prstGeom prst="rect">
             <a:avLst/>
@@ -19762,62 +19189,14 @@
       </p:grpSpPr>
       <p:sp>
         <p:nvSpPr>
-          <p:cNvPr id="212" name="TextShape 1"/>
-          <p:cNvSpPr txBox="1"/>
-          <p:nvPr/>
-        </p:nvSpPr>
-        <p:spPr>
-          <a:xfrm>
-            <a:off x="1155600" y="803520"/>
-            <a:ext cx="13931640" cy="1735920"/>
-          </a:xfrm>
-          <a:prstGeom prst="rect">
-            <a:avLst/>
-          </a:prstGeom>
-          <a:noFill/>
-          <a:ln>
-            <a:noFill/>
-          </a:ln>
-        </p:spPr>
-        <p:txBody>
-          <a:bodyPr lIns="38160" rIns="38160" tIns="38160" bIns="38160" anchor="ctr">
-            <a:noAutofit/>
-          </a:bodyPr>
-          <a:p>
-            <a:pPr algn="ctr">
-              <a:lnSpc>
-                <a:spcPct val="100000"/>
-              </a:lnSpc>
-            </a:pPr>
-            <a:r>
-              <a:rPr b="0" lang="en-US" sz="7600" spc="-1" strike="noStrike">
-                <a:solidFill>
-                  <a:srgbClr val="ffd966"/>
-                </a:solidFill>
-                <a:latin typeface="Arial"/>
-                <a:ea typeface="Arial"/>
-              </a:rPr>
-              <a:t>Max Function</a:t>
-            </a:r>
-            <a:endParaRPr b="0" lang="en-US" sz="7600" spc="-1" strike="noStrike">
-              <a:solidFill>
-                <a:srgbClr val="000000"/>
-              </a:solidFill>
-              <a:latin typeface="Arial"/>
-            </a:endParaRPr>
-          </a:p>
-        </p:txBody>
-      </p:sp>
-      <p:sp>
-        <p:nvSpPr>
-          <p:cNvPr id="213" name="CustomShape 2"/>
+          <p:cNvPr id="212" name="CustomShape 1"/>
           <p:cNvSpPr/>
           <p:nvPr/>
         </p:nvSpPr>
         <p:spPr>
           <a:xfrm>
-            <a:off x="1200240" y="2616120"/>
-            <a:ext cx="7131960" cy="1663560"/>
+            <a:off x="1155600" y="803520"/>
+            <a:ext cx="13931280" cy="1735560"/>
           </a:xfrm>
           <a:prstGeom prst="rect">
             <a:avLst/>
@@ -19834,6 +19213,57 @@
           <a:fontRef idx="minor"/>
         </p:style>
         <p:txBody>
+          <a:bodyPr lIns="38160" rIns="38160" tIns="38160" bIns="38160" anchor="ctr">
+            <a:noAutofit/>
+          </a:bodyPr>
+          <a:p>
+            <a:pPr algn="ctr">
+              <a:lnSpc>
+                <a:spcPct val="100000"/>
+              </a:lnSpc>
+            </a:pPr>
+            <a:r>
+              <a:rPr b="0" lang="en-US" sz="7600" spc="-1" strike="noStrike">
+                <a:solidFill>
+                  <a:srgbClr val="ffd966"/>
+                </a:solidFill>
+                <a:latin typeface="Arial"/>
+                <a:ea typeface="Arial"/>
+              </a:rPr>
+              <a:t>Max Function</a:t>
+            </a:r>
+            <a:endParaRPr b="0" lang="en-US" sz="7600" spc="-1" strike="noStrike">
+              <a:latin typeface="Arial"/>
+            </a:endParaRPr>
+          </a:p>
+        </p:txBody>
+      </p:sp>
+      <p:sp>
+        <p:nvSpPr>
+          <p:cNvPr id="213" name="CustomShape 2"/>
+          <p:cNvSpPr/>
+          <p:nvPr/>
+        </p:nvSpPr>
+        <p:spPr>
+          <a:xfrm>
+            <a:off x="1200240" y="2616120"/>
+            <a:ext cx="7131600" cy="1663200"/>
+          </a:xfrm>
+          <a:prstGeom prst="rect">
+            <a:avLst/>
+          </a:prstGeom>
+          <a:noFill/>
+          <a:ln>
+            <a:noFill/>
+          </a:ln>
+        </p:spPr>
+        <p:style>
+          <a:lnRef idx="0"/>
+          <a:fillRef idx="0"/>
+          <a:effectRef idx="0"/>
+          <a:fontRef idx="minor"/>
+        </p:style>
+        <p:txBody>
           <a:bodyPr lIns="0" rIns="0" tIns="0" bIns="0" anchor="ctr">
             <a:noAutofit/>
           </a:bodyPr>
@@ -19988,7 +19418,7 @@
         <p:spPr>
           <a:xfrm>
             <a:off x="6669000" y="4462560"/>
-            <a:ext cx="3158640" cy="2819160"/>
+            <a:ext cx="3158280" cy="2818800"/>
           </a:xfrm>
           <a:prstGeom prst="rect">
             <a:avLst/>
@@ -20281,8 +19711,8 @@
         </p:nvSpPr>
         <p:spPr>
           <a:xfrm flipH="1">
-            <a:off x="5299200" y="5923080"/>
-            <a:ext cx="1242000" cy="17280"/>
+            <a:off x="5298480" y="5923080"/>
+            <a:ext cx="1241640" cy="16920"/>
           </a:xfrm>
           <a:custGeom>
             <a:avLst/>
@@ -20325,7 +19755,7 @@
         <p:spPr>
           <a:xfrm>
             <a:off x="2616120" y="5351400"/>
-            <a:ext cx="2849040" cy="1142640"/>
+            <a:ext cx="2848680" cy="1142280"/>
           </a:xfrm>
           <a:prstGeom prst="rect">
             <a:avLst/>
@@ -20396,7 +19826,7 @@
         <p:spPr>
           <a:xfrm>
             <a:off x="11642760" y="5300640"/>
-            <a:ext cx="2187360" cy="1142640"/>
+            <a:ext cx="2187000" cy="1142280"/>
           </a:xfrm>
           <a:prstGeom prst="rect">
             <a:avLst/>
@@ -20467,7 +19897,7 @@
         <p:spPr>
           <a:xfrm flipH="1">
             <a:off x="10092960" y="5872320"/>
-            <a:ext cx="1078920" cy="360"/>
+            <a:ext cx="1078560" cy="360"/>
           </a:xfrm>
           <a:custGeom>
             <a:avLst/>
@@ -20510,7 +19940,7 @@
         <p:spPr>
           <a:xfrm>
             <a:off x="10474200" y="2265120"/>
-            <a:ext cx="4939920" cy="2634840"/>
+            <a:ext cx="4939560" cy="2634480"/>
           </a:xfrm>
           <a:prstGeom prst="rect">
             <a:avLst/>
@@ -20641,7 +20071,7 @@
         <p:spPr>
           <a:xfrm>
             <a:off x="5952960" y="7618320"/>
-            <a:ext cx="4520880" cy="622080"/>
+            <a:ext cx="4520520" cy="621720"/>
           </a:xfrm>
           <a:prstGeom prst="rect">
             <a:avLst/>
@@ -20715,14 +20145,14 @@
       </p:grpSpPr>
       <p:sp>
         <p:nvSpPr>
-          <p:cNvPr id="221" name="TextShape 1"/>
-          <p:cNvSpPr txBox="1"/>
+          <p:cNvPr id="221" name="CustomShape 1"/>
+          <p:cNvSpPr/>
           <p:nvPr/>
         </p:nvSpPr>
         <p:spPr>
           <a:xfrm>
             <a:off x="1155600" y="803520"/>
-            <a:ext cx="13931640" cy="1735920"/>
+            <a:ext cx="13931280" cy="1735560"/>
           </a:xfrm>
           <a:prstGeom prst="rect">
             <a:avLst/>
@@ -20732,6 +20162,12 @@
             <a:noFill/>
           </a:ln>
         </p:spPr>
+        <p:style>
+          <a:lnRef idx="0"/>
+          <a:fillRef idx="0"/>
+          <a:effectRef idx="0"/>
+          <a:fontRef idx="minor"/>
+        </p:style>
         <p:txBody>
           <a:bodyPr lIns="38160" rIns="38160" tIns="38160" bIns="38160" anchor="ctr">
             <a:noAutofit/>
@@ -20753,24 +20189,21 @@
               <a:t>Type Conversions</a:t>
             </a:r>
             <a:endParaRPr b="0" lang="en-US" sz="7600" spc="-1" strike="noStrike">
-              <a:solidFill>
-                <a:srgbClr val="000000"/>
-              </a:solidFill>
-              <a:latin typeface="Arial"/>
-            </a:endParaRPr>
-          </a:p>
-        </p:txBody>
-      </p:sp>
-      <p:sp>
-        <p:nvSpPr>
-          <p:cNvPr id="222" name="TextShape 2"/>
-          <p:cNvSpPr txBox="1"/>
+              <a:latin typeface="Arial"/>
+            </a:endParaRPr>
+          </a:p>
+        </p:txBody>
+      </p:sp>
+      <p:sp>
+        <p:nvSpPr>
+          <p:cNvPr id="222" name="CustomShape 2"/>
+          <p:cNvSpPr/>
           <p:nvPr/>
         </p:nvSpPr>
         <p:spPr>
           <a:xfrm>
             <a:off x="1155600" y="2603520"/>
-            <a:ext cx="5873400" cy="5702040"/>
+            <a:ext cx="5873040" cy="5701680"/>
           </a:xfrm>
           <a:prstGeom prst="rect">
             <a:avLst/>
@@ -20780,12 +20213,18 @@
             <a:noFill/>
           </a:ln>
         </p:spPr>
+        <p:style>
+          <a:lnRef idx="0"/>
+          <a:fillRef idx="0"/>
+          <a:effectRef idx="0"/>
+          <a:fontRef idx="minor"/>
+        </p:style>
         <p:txBody>
           <a:bodyPr lIns="38160" rIns="38160" tIns="38160" bIns="38160" anchor="ctr">
             <a:noAutofit/>
           </a:bodyPr>
           <a:p>
-            <a:pPr marL="749160" indent="-370800">
+            <a:pPr marL="749160" indent="-370440">
               <a:lnSpc>
                 <a:spcPct val="100000"/>
               </a:lnSpc>
@@ -20826,14 +20265,11 @@
               <a:t> converted to a float</a:t>
             </a:r>
             <a:endParaRPr b="0" lang="en-US" sz="3600" spc="-1" strike="noStrike">
-              <a:solidFill>
-                <a:srgbClr val="000000"/>
-              </a:solidFill>
-              <a:latin typeface="Arial"/>
-            </a:endParaRPr>
-          </a:p>
-          <a:p>
-            <a:pPr marL="749160" indent="-370800">
+              <a:latin typeface="Arial"/>
+            </a:endParaRPr>
+          </a:p>
+          <a:p>
+            <a:pPr marL="749160" indent="-370440">
               <a:lnSpc>
                 <a:spcPct val="100000"/>
               </a:lnSpc>
@@ -20857,9 +20293,6 @@
               <a:t>You can control this with the built-in functions int() and float()</a:t>
             </a:r>
             <a:endParaRPr b="0" lang="en-US" sz="3600" spc="-1" strike="noStrike">
-              <a:solidFill>
-                <a:srgbClr val="000000"/>
-              </a:solidFill>
               <a:latin typeface="Arial"/>
             </a:endParaRPr>
           </a:p>
@@ -20874,7 +20307,7 @@
         <p:spPr>
           <a:xfrm>
             <a:off x="7940160" y="2064600"/>
-            <a:ext cx="7873920" cy="6597720"/>
+            <a:ext cx="7873560" cy="6597360"/>
           </a:xfrm>
           <a:prstGeom prst="rect">
             <a:avLst/>
@@ -21448,14 +20881,14 @@
       </p:grpSpPr>
       <p:sp>
         <p:nvSpPr>
-          <p:cNvPr id="224" name="TextShape 1"/>
-          <p:cNvSpPr txBox="1"/>
+          <p:cNvPr id="224" name="CustomShape 1"/>
+          <p:cNvSpPr/>
           <p:nvPr/>
         </p:nvSpPr>
         <p:spPr>
           <a:xfrm>
             <a:off x="1155600" y="606960"/>
-            <a:ext cx="6287760" cy="2153520"/>
+            <a:ext cx="6287400" cy="2153160"/>
           </a:xfrm>
           <a:prstGeom prst="rect">
             <a:avLst/>
@@ -21465,6 +20898,12 @@
             <a:noFill/>
           </a:ln>
         </p:spPr>
+        <p:style>
+          <a:lnRef idx="0"/>
+          <a:fillRef idx="0"/>
+          <a:effectRef idx="0"/>
+          <a:fontRef idx="minor"/>
+        </p:style>
         <p:txBody>
           <a:bodyPr lIns="38160" rIns="38160" tIns="38160" bIns="38160" anchor="ctr">
             <a:noAutofit/>
@@ -21486,24 +20925,21 @@
               <a:t>String Conversions</a:t>
             </a:r>
             <a:endParaRPr b="0" lang="en-US" sz="7600" spc="-1" strike="noStrike">
-              <a:solidFill>
-                <a:srgbClr val="000000"/>
-              </a:solidFill>
-              <a:latin typeface="Arial"/>
-            </a:endParaRPr>
-          </a:p>
-        </p:txBody>
-      </p:sp>
-      <p:sp>
-        <p:nvSpPr>
-          <p:cNvPr id="225" name="TextShape 2"/>
-          <p:cNvSpPr txBox="1"/>
+              <a:latin typeface="Arial"/>
+            </a:endParaRPr>
+          </a:p>
+        </p:txBody>
+      </p:sp>
+      <p:sp>
+        <p:nvSpPr>
+          <p:cNvPr id="225" name="CustomShape 2"/>
+          <p:cNvSpPr/>
           <p:nvPr/>
         </p:nvSpPr>
         <p:spPr>
           <a:xfrm>
             <a:off x="1155600" y="2603520"/>
-            <a:ext cx="6116400" cy="5702040"/>
+            <a:ext cx="6116040" cy="5701680"/>
           </a:xfrm>
           <a:prstGeom prst="rect">
             <a:avLst/>
@@ -21513,12 +20949,18 @@
             <a:noFill/>
           </a:ln>
         </p:spPr>
+        <p:style>
+          <a:lnRef idx="0"/>
+          <a:fillRef idx="0"/>
+          <a:effectRef idx="0"/>
+          <a:fontRef idx="minor"/>
+        </p:style>
         <p:txBody>
           <a:bodyPr lIns="38160" rIns="38160" tIns="38160" bIns="38160" anchor="ctr">
             <a:noAutofit/>
           </a:bodyPr>
           <a:p>
-            <a:pPr marL="749160" indent="-370800">
+            <a:pPr marL="749160" indent="-370440">
               <a:lnSpc>
                 <a:spcPct val="100000"/>
               </a:lnSpc>
@@ -21579,14 +21021,11 @@
               <a:t> to convert between strings and integers</a:t>
             </a:r>
             <a:endParaRPr b="0" lang="en-US" sz="3600" spc="-1" strike="noStrike">
-              <a:solidFill>
-                <a:srgbClr val="000000"/>
-              </a:solidFill>
-              <a:latin typeface="Arial"/>
-            </a:endParaRPr>
-          </a:p>
-          <a:p>
-            <a:pPr marL="749160" indent="-370800">
+              <a:latin typeface="Arial"/>
+            </a:endParaRPr>
+          </a:p>
+          <a:p>
+            <a:pPr marL="749160" indent="-370440">
               <a:lnSpc>
                 <a:spcPct val="100000"/>
               </a:lnSpc>
@@ -21630,9 +21069,6 @@
               <a:t> if the string does not contain numeric characters</a:t>
             </a:r>
             <a:endParaRPr b="0" lang="en-US" sz="3600" spc="-1" strike="noStrike">
-              <a:solidFill>
-                <a:srgbClr val="000000"/>
-              </a:solidFill>
               <a:latin typeface="Arial"/>
             </a:endParaRPr>
           </a:p>
@@ -21647,7 +21083,7 @@
         <p:spPr>
           <a:xfrm>
             <a:off x="7946640" y="743040"/>
-            <a:ext cx="7368840" cy="7657920"/>
+            <a:ext cx="7368480" cy="7657560"/>
           </a:xfrm>
           <a:prstGeom prst="rect">
             <a:avLst/>
@@ -22496,18 +21932,21 @@
             </a:schemeClr>
           </a:solidFill>
           <a:prstDash val="solid"/>
+          <a:miter/>
         </a:ln>
         <a:ln w="25400" cap="flat" cmpd="sng" algn="ctr">
           <a:solidFill>
             <a:schemeClr val="phClr"/>
           </a:solidFill>
           <a:prstDash val="solid"/>
+          <a:miter/>
         </a:ln>
         <a:ln w="38100" cap="flat" cmpd="sng" algn="ctr">
           <a:solidFill>
             <a:schemeClr val="phClr"/>
           </a:solidFill>
           <a:prstDash val="solid"/>
+          <a:miter/>
         </a:ln>
       </a:lnStyleLst>
       <a:effectStyleLst>
@@ -22719,18 +22158,21 @@
             </a:schemeClr>
           </a:solidFill>
           <a:prstDash val="solid"/>
+          <a:miter/>
         </a:ln>
         <a:ln w="25400" cap="flat" cmpd="sng" algn="ctr">
           <a:solidFill>
             <a:schemeClr val="phClr"/>
           </a:solidFill>
           <a:prstDash val="solid"/>
+          <a:miter/>
         </a:ln>
         <a:ln w="38100" cap="flat" cmpd="sng" algn="ctr">
           <a:solidFill>
             <a:schemeClr val="phClr"/>
           </a:solidFill>
           <a:prstDash val="solid"/>
+          <a:miter/>
         </a:ln>
       </a:lnStyleLst>
       <a:effectStyleLst>
@@ -22942,18 +22384,21 @@
             </a:schemeClr>
           </a:solidFill>
           <a:prstDash val="solid"/>
+          <a:miter/>
         </a:ln>
         <a:ln w="25400" cap="flat" cmpd="sng" algn="ctr">
           <a:solidFill>
             <a:schemeClr val="phClr"/>
           </a:solidFill>
           <a:prstDash val="solid"/>
+          <a:miter/>
         </a:ln>
         <a:ln w="38100" cap="flat" cmpd="sng" algn="ctr">
           <a:solidFill>
             <a:schemeClr val="phClr"/>
           </a:solidFill>
           <a:prstDash val="solid"/>
+          <a:miter/>
         </a:ln>
       </a:lnStyleLst>
       <a:effectStyleLst>
@@ -23165,18 +22610,21 @@
             </a:schemeClr>
           </a:solidFill>
           <a:prstDash val="solid"/>
+          <a:miter/>
         </a:ln>
         <a:ln w="25400" cap="flat" cmpd="sng" algn="ctr">
           <a:solidFill>
             <a:schemeClr val="phClr"/>
           </a:solidFill>
           <a:prstDash val="solid"/>
+          <a:miter/>
         </a:ln>
         <a:ln w="38100" cap="flat" cmpd="sng" algn="ctr">
           <a:solidFill>
             <a:schemeClr val="phClr"/>
           </a:solidFill>
           <a:prstDash val="solid"/>
+          <a:miter/>
         </a:ln>
       </a:lnStyleLst>
       <a:effectStyleLst>
@@ -23388,18 +22836,21 @@
             </a:schemeClr>
           </a:solidFill>
           <a:prstDash val="solid"/>
+          <a:miter/>
         </a:ln>
         <a:ln w="25400" cap="flat" cmpd="sng" algn="ctr">
           <a:solidFill>
             <a:schemeClr val="phClr"/>
           </a:solidFill>
           <a:prstDash val="solid"/>
+          <a:miter/>
         </a:ln>
         <a:ln w="38100" cap="flat" cmpd="sng" algn="ctr">
           <a:solidFill>
             <a:schemeClr val="phClr"/>
           </a:solidFill>
           <a:prstDash val="solid"/>
+          <a:miter/>
         </a:ln>
       </a:lnStyleLst>
       <a:effectStyleLst>
